--- a/slides/Kotlin - 4. Standard Extension Functions.pptx
+++ b/slides/Kotlin - 4. Standard Extension Functions.pptx
@@ -5,7 +5,7 @@
     <p:sldMasterId id="2147483648" r:id="rId1"/>
   </p:sldMasterIdLst>
   <p:notesMasterIdLst>
-    <p:notesMasterId r:id="rId11"/>
+    <p:notesMasterId r:id="rId16"/>
   </p:notesMasterIdLst>
   <p:sldIdLst>
     <p:sldId id="290" r:id="rId2"/>
@@ -17,6 +17,11 @@
     <p:sldId id="296" r:id="rId8"/>
     <p:sldId id="297" r:id="rId9"/>
     <p:sldId id="298" r:id="rId10"/>
+    <p:sldId id="300" r:id="rId11"/>
+    <p:sldId id="301" r:id="rId12"/>
+    <p:sldId id="302" r:id="rId13"/>
+    <p:sldId id="303" r:id="rId14"/>
+    <p:sldId id="304" r:id="rId15"/>
   </p:sldIdLst>
   <p:sldSz cx="9144000" cy="6858000" type="screen4x3"/>
   <p:notesSz cx="6858000" cy="9144000"/>
@@ -231,7 +236,7 @@
             <a:fld id="{B7CEC25C-B4E9-458D-8E4B-2C06A129DA19}" type="datetimeFigureOut">
               <a:rPr lang="cs-CZ" smtClean="0"/>
               <a:pPr/>
-              <a:t>23.01.2019</a:t>
+              <a:t>24.02.2019</a:t>
             </a:fld>
             <a:endParaRPr lang="cs-CZ"/>
           </a:p>
@@ -8202,6 +8207,6881 @@
 </p:sld>
 </file>
 
+<file path=ppt/slides/slide10.xml><?xml version="1.0" encoding="utf-8"?>
+<p:sld xmlns:a="http://schemas.openxmlformats.org/drawingml/2006/main" xmlns:r="http://schemas.openxmlformats.org/officeDocument/2006/relationships" xmlns:p="http://schemas.openxmlformats.org/presentationml/2006/main">
+  <p:cSld>
+    <p:spTree>
+      <p:nvGrpSpPr>
+        <p:cNvPr id="1" name=""/>
+        <p:cNvGrpSpPr/>
+        <p:nvPr/>
+      </p:nvGrpSpPr>
+      <p:grpSpPr>
+        <a:xfrm>
+          <a:off x="0" y="0"/>
+          <a:ext cx="0" cy="0"/>
+          <a:chOff x="0" y="0"/>
+          <a:chExt cx="0" cy="0"/>
+        </a:xfrm>
+      </p:grpSpPr>
+      <p:sp>
+        <p:nvSpPr>
+          <p:cNvPr id="2" name="Nadpis 1"/>
+          <p:cNvSpPr>
+            <a:spLocks noGrp="1"/>
+          </p:cNvSpPr>
+          <p:nvPr>
+            <p:ph type="title"/>
+          </p:nvPr>
+        </p:nvSpPr>
+        <p:spPr/>
+        <p:txBody>
+          <a:bodyPr/>
+          <a:lstStyle/>
+          <a:p>
+            <a:r>
+              <a:rPr lang="cs-CZ" dirty="0" err="1" smtClean="0"/>
+              <a:t>Typical</a:t>
+            </a:r>
+            <a:r>
+              <a:rPr lang="cs-CZ" dirty="0" smtClean="0"/>
+              <a:t> </a:t>
+            </a:r>
+            <a:r>
+              <a:rPr lang="cs-CZ" dirty="0" err="1" smtClean="0"/>
+              <a:t>usecase</a:t>
+            </a:r>
+            <a:r>
+              <a:rPr lang="cs-CZ" dirty="0" smtClean="0"/>
+              <a:t/>
+            </a:r>
+            <a:br>
+              <a:rPr lang="cs-CZ" dirty="0" smtClean="0"/>
+            </a:br>
+            <a:r>
+              <a:rPr lang="cs-CZ" dirty="0" smtClean="0"/>
+              <a:t>- let()</a:t>
+            </a:r>
+            <a:endParaRPr lang="cs-CZ" dirty="0"/>
+          </a:p>
+        </p:txBody>
+      </p:sp>
+      <p:sp>
+        <p:nvSpPr>
+          <p:cNvPr id="3" name="Zástupný symbol pro text 2"/>
+          <p:cNvSpPr>
+            <a:spLocks noGrp="1"/>
+          </p:cNvSpPr>
+          <p:nvPr>
+            <p:ph type="body" sz="quarter" idx="13"/>
+          </p:nvPr>
+        </p:nvSpPr>
+        <p:spPr>
+          <a:xfrm>
+            <a:off x="323528" y="1412777"/>
+            <a:ext cx="7560840" cy="864095"/>
+          </a:xfrm>
+        </p:spPr>
+        <p:txBody>
+          <a:bodyPr/>
+          <a:lstStyle/>
+          <a:p>
+            <a:r>
+              <a:rPr lang="cs-CZ" dirty="0"/>
+              <a:t>p</a:t>
+            </a:r>
+            <a:r>
+              <a:rPr lang="cs-CZ" dirty="0" smtClean="0"/>
+              <a:t>řevod z jednoho typu na druhý</a:t>
+            </a:r>
+          </a:p>
+          <a:p>
+            <a:r>
+              <a:rPr lang="cs-CZ" dirty="0" err="1" smtClean="0"/>
+              <a:t>nullability</a:t>
+            </a:r>
+            <a:r>
+              <a:rPr lang="cs-CZ" dirty="0" smtClean="0"/>
+              <a:t> </a:t>
+            </a:r>
+            <a:r>
+              <a:rPr lang="cs-CZ" dirty="0" err="1" smtClean="0"/>
+              <a:t>handling</a:t>
+            </a:r>
+            <a:endParaRPr lang="cs-CZ" dirty="0"/>
+          </a:p>
+        </p:txBody>
+      </p:sp>
+      <p:sp>
+        <p:nvSpPr>
+          <p:cNvPr id="4" name="Rectangle 1"/>
+          <p:cNvSpPr>
+            <a:spLocks noChangeArrowheads="1"/>
+          </p:cNvSpPr>
+          <p:nvPr/>
+        </p:nvSpPr>
+        <p:spPr bwMode="auto">
+          <a:xfrm>
+            <a:off x="293649" y="3055312"/>
+            <a:ext cx="6504330" cy="1323439"/>
+          </a:xfrm>
+          <a:prstGeom prst="rect">
+            <a:avLst/>
+          </a:prstGeom>
+          <a:solidFill>
+            <a:srgbClr val="FFFFFF"/>
+          </a:solidFill>
+          <a:ln>
+            <a:noFill/>
+          </a:ln>
+          <a:effectLst/>
+          <a:extLst>
+            <a:ext uri="{91240B29-F687-4F45-9708-019B960494DF}">
+              <a14:hiddenLine xmlns:a14="http://schemas.microsoft.com/office/drawing/2010/main" w="9525">
+                <a:solidFill>
+                  <a:schemeClr val="tx1"/>
+                </a:solidFill>
+                <a:miter lim="800000"/>
+                <a:headEnd/>
+                <a:tailEnd/>
+              </a14:hiddenLine>
+            </a:ext>
+            <a:ext uri="{AF507438-7753-43E0-B8FC-AC1667EBCBE1}">
+              <a14:hiddenEffects xmlns:a14="http://schemas.microsoft.com/office/drawing/2010/main">
+                <a:effectLst>
+                  <a:outerShdw dist="35921" dir="2700000" algn="ctr" rotWithShape="0">
+                    <a:schemeClr val="bg2"/>
+                  </a:outerShdw>
+                </a:effectLst>
+              </a14:hiddenEffects>
+            </a:ext>
+          </a:extLst>
+        </p:spPr>
+        <p:txBody>
+          <a:bodyPr vert="horz" wrap="square" lIns="91440" tIns="45720" rIns="91440" bIns="45720" numCol="1" anchor="ctr" anchorCtr="0" compatLnSpc="1">
+            <a:prstTxWarp prst="textNoShape">
+              <a:avLst/>
+            </a:prstTxWarp>
+            <a:spAutoFit/>
+          </a:bodyPr>
+          <a:lstStyle/>
+          <a:p>
+            <a:pPr marL="0" marR="0" lvl="0" indent="0" algn="l" defTabSz="914400" rtl="0" eaLnBrk="0" fontAlgn="base" latinLnBrk="0" hangingPunct="0">
+              <a:lnSpc>
+                <a:spcPct val="100000"/>
+              </a:lnSpc>
+              <a:spcBef>
+                <a:spcPct val="0"/>
+              </a:spcBef>
+              <a:spcAft>
+                <a:spcPct val="0"/>
+              </a:spcAft>
+              <a:buClrTx/>
+              <a:buSzTx/>
+              <a:buFontTx/>
+              <a:buNone/>
+              <a:tabLst/>
+            </a:pPr>
+            <a:r>
+              <a:rPr kumimoji="0" lang="cs-CZ" altLang="cs-CZ" sz="1600" b="1" i="0" u="none" strike="noStrike" cap="none" normalizeH="0" baseline="0" dirty="0" smtClean="0">
+                <a:ln>
+                  <a:noFill/>
+                </a:ln>
+                <a:solidFill>
+                  <a:srgbClr val="000080"/>
+                </a:solidFill>
+                <a:effectLst/>
+                <a:latin typeface="Consolas" panose="020B0609020204030204" pitchFamily="49" charset="0"/>
+              </a:rPr>
+              <a:t>val </a:t>
+            </a:r>
+            <a:r>
+              <a:rPr kumimoji="0" lang="cs-CZ" altLang="cs-CZ" sz="1600" b="0" i="0" u="none" strike="noStrike" cap="none" normalizeH="0" baseline="0" dirty="0" err="1" smtClean="0">
+                <a:ln>
+                  <a:noFill/>
+                </a:ln>
+                <a:solidFill>
+                  <a:srgbClr val="000000"/>
+                </a:solidFill>
+                <a:effectLst/>
+                <a:latin typeface="Consolas" panose="020B0609020204030204" pitchFamily="49" charset="0"/>
+              </a:rPr>
+              <a:t>answerToUniverse</a:t>
+            </a:r>
+            <a:r>
+              <a:rPr kumimoji="0" lang="cs-CZ" altLang="cs-CZ" sz="1600" b="0" i="0" u="none" strike="noStrike" cap="none" normalizeH="0" baseline="0" dirty="0" smtClean="0">
+                <a:ln>
+                  <a:noFill/>
+                </a:ln>
+                <a:solidFill>
+                  <a:srgbClr val="000000"/>
+                </a:solidFill>
+                <a:effectLst/>
+                <a:latin typeface="Consolas" panose="020B0609020204030204" pitchFamily="49" charset="0"/>
+              </a:rPr>
+              <a:t> = </a:t>
+            </a:r>
+            <a:r>
+              <a:rPr kumimoji="0" lang="cs-CZ" altLang="cs-CZ" sz="1600" b="0" i="0" u="none" strike="noStrike" cap="none" normalizeH="0" baseline="0" dirty="0" err="1" smtClean="0">
+                <a:ln>
+                  <a:noFill/>
+                </a:ln>
+                <a:solidFill>
+                  <a:srgbClr val="000000"/>
+                </a:solidFill>
+                <a:effectLst/>
+                <a:latin typeface="Consolas" panose="020B0609020204030204" pitchFamily="49" charset="0"/>
+              </a:rPr>
+              <a:t>strBuilder.let</a:t>
+            </a:r>
+            <a:r>
+              <a:rPr kumimoji="0" lang="cs-CZ" altLang="cs-CZ" sz="1600" b="0" i="0" u="none" strike="noStrike" cap="none" normalizeH="0" baseline="0" dirty="0" smtClean="0">
+                <a:ln>
+                  <a:noFill/>
+                </a:ln>
+                <a:solidFill>
+                  <a:srgbClr val="000000"/>
+                </a:solidFill>
+                <a:effectLst/>
+                <a:latin typeface="Consolas" panose="020B0609020204030204" pitchFamily="49" charset="0"/>
+              </a:rPr>
+              <a:t> </a:t>
+            </a:r>
+            <a:r>
+              <a:rPr kumimoji="0" lang="cs-CZ" altLang="cs-CZ" sz="1600" b="1" i="0" u="none" strike="noStrike" cap="none" normalizeH="0" baseline="0" dirty="0" smtClean="0">
+                <a:ln>
+                  <a:noFill/>
+                </a:ln>
+                <a:solidFill>
+                  <a:srgbClr val="000000"/>
+                </a:solidFill>
+                <a:effectLst/>
+                <a:latin typeface="Consolas" panose="020B0609020204030204" pitchFamily="49" charset="0"/>
+              </a:rPr>
+              <a:t>{</a:t>
+            </a:r>
+            <a:br>
+              <a:rPr kumimoji="0" lang="cs-CZ" altLang="cs-CZ" sz="1600" b="1" i="0" u="none" strike="noStrike" cap="none" normalizeH="0" baseline="0" dirty="0" smtClean="0">
+                <a:ln>
+                  <a:noFill/>
+                </a:ln>
+                <a:solidFill>
+                  <a:srgbClr val="000000"/>
+                </a:solidFill>
+                <a:effectLst/>
+                <a:latin typeface="Consolas" panose="020B0609020204030204" pitchFamily="49" charset="0"/>
+              </a:rPr>
+            </a:br>
+            <a:r>
+              <a:rPr kumimoji="0" lang="cs-CZ" altLang="cs-CZ" sz="1600" b="1" i="0" u="none" strike="noStrike" cap="none" normalizeH="0" baseline="0" dirty="0" smtClean="0">
+                <a:ln>
+                  <a:noFill/>
+                </a:ln>
+                <a:solidFill>
+                  <a:srgbClr val="000000"/>
+                </a:solidFill>
+                <a:effectLst/>
+                <a:latin typeface="Consolas" panose="020B0609020204030204" pitchFamily="49" charset="0"/>
+              </a:rPr>
+              <a:t>    </a:t>
+            </a:r>
+            <a:r>
+              <a:rPr kumimoji="0" lang="cs-CZ" altLang="cs-CZ" sz="1600" b="0" i="0" u="none" strike="noStrike" cap="none" normalizeH="0" baseline="0" dirty="0" err="1" smtClean="0">
+                <a:ln>
+                  <a:noFill/>
+                </a:ln>
+                <a:solidFill>
+                  <a:srgbClr val="000000"/>
+                </a:solidFill>
+                <a:effectLst/>
+                <a:latin typeface="Consolas" panose="020B0609020204030204" pitchFamily="49" charset="0"/>
+              </a:rPr>
+              <a:t>it.append</a:t>
+            </a:r>
+            <a:r>
+              <a:rPr kumimoji="0" lang="cs-CZ" altLang="cs-CZ" sz="1600" b="0" i="0" u="none" strike="noStrike" cap="none" normalizeH="0" baseline="0" dirty="0" smtClean="0">
+                <a:ln>
+                  <a:noFill/>
+                </a:ln>
+                <a:solidFill>
+                  <a:srgbClr val="000000"/>
+                </a:solidFill>
+                <a:effectLst/>
+                <a:latin typeface="Consolas" panose="020B0609020204030204" pitchFamily="49" charset="0"/>
+              </a:rPr>
+              <a:t>(</a:t>
+            </a:r>
+            <a:r>
+              <a:rPr kumimoji="0" lang="cs-CZ" altLang="cs-CZ" sz="1600" b="1" i="0" u="none" strike="noStrike" cap="none" normalizeH="0" baseline="0" dirty="0" smtClean="0">
+                <a:ln>
+                  <a:noFill/>
+                </a:ln>
+                <a:solidFill>
+                  <a:srgbClr val="008000"/>
+                </a:solidFill>
+                <a:effectLst/>
+                <a:latin typeface="Consolas" panose="020B0609020204030204" pitchFamily="49" charset="0"/>
+              </a:rPr>
+              <a:t>"</a:t>
+            </a:r>
+            <a:r>
+              <a:rPr kumimoji="0" lang="cs-CZ" altLang="cs-CZ" sz="1600" b="1" i="0" u="none" strike="noStrike" cap="none" normalizeH="0" baseline="0" dirty="0" err="1" smtClean="0">
+                <a:ln>
+                  <a:noFill/>
+                </a:ln>
+                <a:solidFill>
+                  <a:srgbClr val="008000"/>
+                </a:solidFill>
+                <a:effectLst/>
+                <a:latin typeface="Consolas" panose="020B0609020204030204" pitchFamily="49" charset="0"/>
+              </a:rPr>
+              <a:t>Douglas</a:t>
+            </a:r>
+            <a:r>
+              <a:rPr kumimoji="0" lang="cs-CZ" altLang="cs-CZ" sz="1600" b="1" i="0" u="none" strike="noStrike" cap="none" normalizeH="0" baseline="0" dirty="0" smtClean="0">
+                <a:ln>
+                  <a:noFill/>
+                </a:ln>
+                <a:solidFill>
+                  <a:srgbClr val="008000"/>
+                </a:solidFill>
+                <a:effectLst/>
+                <a:latin typeface="Consolas" panose="020B0609020204030204" pitchFamily="49" charset="0"/>
+              </a:rPr>
+              <a:t> Adams </a:t>
+            </a:r>
+            <a:r>
+              <a:rPr kumimoji="0" lang="cs-CZ" altLang="cs-CZ" sz="1600" b="1" i="0" u="none" strike="noStrike" cap="none" normalizeH="0" baseline="0" dirty="0" err="1" smtClean="0">
+                <a:ln>
+                  <a:noFill/>
+                </a:ln>
+                <a:solidFill>
+                  <a:srgbClr val="008000"/>
+                </a:solidFill>
+                <a:effectLst/>
+                <a:latin typeface="Consolas" panose="020B0609020204030204" pitchFamily="49" charset="0"/>
+              </a:rPr>
+              <a:t>was</a:t>
+            </a:r>
+            <a:r>
+              <a:rPr kumimoji="0" lang="cs-CZ" altLang="cs-CZ" sz="1600" b="1" i="0" u="none" strike="noStrike" cap="none" normalizeH="0" baseline="0" dirty="0" smtClean="0">
+                <a:ln>
+                  <a:noFill/>
+                </a:ln>
+                <a:solidFill>
+                  <a:srgbClr val="008000"/>
+                </a:solidFill>
+                <a:effectLst/>
+                <a:latin typeface="Consolas" panose="020B0609020204030204" pitchFamily="49" charset="0"/>
+              </a:rPr>
+              <a:t> </a:t>
+            </a:r>
+            <a:r>
+              <a:rPr kumimoji="0" lang="cs-CZ" altLang="cs-CZ" sz="1600" b="1" i="0" u="none" strike="noStrike" cap="none" normalizeH="0" baseline="0" dirty="0" err="1" smtClean="0">
+                <a:ln>
+                  <a:noFill/>
+                </a:ln>
+                <a:solidFill>
+                  <a:srgbClr val="008000"/>
+                </a:solidFill>
+                <a:effectLst/>
+                <a:latin typeface="Consolas" panose="020B0609020204030204" pitchFamily="49" charset="0"/>
+              </a:rPr>
+              <a:t>right</a:t>
+            </a:r>
+            <a:r>
+              <a:rPr kumimoji="0" lang="cs-CZ" altLang="cs-CZ" sz="1600" b="1" i="0" u="none" strike="noStrike" cap="none" normalizeH="0" baseline="0" dirty="0" smtClean="0">
+                <a:ln>
+                  <a:noFill/>
+                </a:ln>
+                <a:solidFill>
+                  <a:srgbClr val="008000"/>
+                </a:solidFill>
+                <a:effectLst/>
+                <a:latin typeface="Consolas" panose="020B0609020204030204" pitchFamily="49" charset="0"/>
+              </a:rPr>
+              <a:t> </a:t>
+            </a:r>
+            <a:r>
+              <a:rPr kumimoji="0" lang="cs-CZ" altLang="cs-CZ" sz="1600" b="1" i="0" u="none" strike="noStrike" cap="none" normalizeH="0" baseline="0" dirty="0" err="1" smtClean="0">
+                <a:ln>
+                  <a:noFill/>
+                </a:ln>
+                <a:solidFill>
+                  <a:srgbClr val="008000"/>
+                </a:solidFill>
+                <a:effectLst/>
+                <a:latin typeface="Consolas" panose="020B0609020204030204" pitchFamily="49" charset="0"/>
+              </a:rPr>
+              <a:t>after</a:t>
+            </a:r>
+            <a:r>
+              <a:rPr kumimoji="0" lang="cs-CZ" altLang="cs-CZ" sz="1600" b="1" i="0" u="none" strike="noStrike" cap="none" normalizeH="0" baseline="0" dirty="0" smtClean="0">
+                <a:ln>
+                  <a:noFill/>
+                </a:ln>
+                <a:solidFill>
+                  <a:srgbClr val="008000"/>
+                </a:solidFill>
+                <a:effectLst/>
+                <a:latin typeface="Consolas" panose="020B0609020204030204" pitchFamily="49" charset="0"/>
+              </a:rPr>
+              <a:t> </a:t>
+            </a:r>
+            <a:r>
+              <a:rPr kumimoji="0" lang="cs-CZ" altLang="cs-CZ" sz="1600" b="1" i="0" u="none" strike="noStrike" cap="none" normalizeH="0" baseline="0" dirty="0" err="1" smtClean="0">
+                <a:ln>
+                  <a:noFill/>
+                </a:ln>
+                <a:solidFill>
+                  <a:srgbClr val="008000"/>
+                </a:solidFill>
+                <a:effectLst/>
+                <a:latin typeface="Consolas" panose="020B0609020204030204" pitchFamily="49" charset="0"/>
+              </a:rPr>
+              <a:t>all</a:t>
+            </a:r>
+            <a:r>
+              <a:rPr kumimoji="0" lang="cs-CZ" altLang="cs-CZ" sz="1600" b="1" i="0" u="none" strike="noStrike" cap="none" normalizeH="0" baseline="0" dirty="0" smtClean="0">
+                <a:ln>
+                  <a:noFill/>
+                </a:ln>
+                <a:solidFill>
+                  <a:srgbClr val="008000"/>
+                </a:solidFill>
+                <a:effectLst/>
+                <a:latin typeface="Consolas" panose="020B0609020204030204" pitchFamily="49" charset="0"/>
+              </a:rPr>
+              <a:t>"</a:t>
+            </a:r>
+            <a:r>
+              <a:rPr kumimoji="0" lang="cs-CZ" altLang="cs-CZ" sz="1600" b="0" i="0" u="none" strike="noStrike" cap="none" normalizeH="0" baseline="0" dirty="0" smtClean="0">
+                <a:ln>
+                  <a:noFill/>
+                </a:ln>
+                <a:solidFill>
+                  <a:srgbClr val="000000"/>
+                </a:solidFill>
+                <a:effectLst/>
+                <a:latin typeface="Consolas" panose="020B0609020204030204" pitchFamily="49" charset="0"/>
+              </a:rPr>
+              <a:t>)</a:t>
+            </a:r>
+            <a:br>
+              <a:rPr kumimoji="0" lang="cs-CZ" altLang="cs-CZ" sz="1600" b="0" i="0" u="none" strike="noStrike" cap="none" normalizeH="0" baseline="0" dirty="0" smtClean="0">
+                <a:ln>
+                  <a:noFill/>
+                </a:ln>
+                <a:solidFill>
+                  <a:srgbClr val="000000"/>
+                </a:solidFill>
+                <a:effectLst/>
+                <a:latin typeface="Consolas" panose="020B0609020204030204" pitchFamily="49" charset="0"/>
+              </a:rPr>
+            </a:br>
+            <a:r>
+              <a:rPr kumimoji="0" lang="cs-CZ" altLang="cs-CZ" sz="1600" b="0" i="0" u="none" strike="noStrike" cap="none" normalizeH="0" baseline="0" dirty="0" smtClean="0">
+                <a:ln>
+                  <a:noFill/>
+                </a:ln>
+                <a:solidFill>
+                  <a:srgbClr val="000000"/>
+                </a:solidFill>
+                <a:effectLst/>
+                <a:latin typeface="Consolas" panose="020B0609020204030204" pitchFamily="49" charset="0"/>
+              </a:rPr>
+              <a:t>    </a:t>
+            </a:r>
+            <a:r>
+              <a:rPr kumimoji="0" lang="cs-CZ" altLang="cs-CZ" sz="1600" b="0" i="0" u="none" strike="noStrike" cap="none" normalizeH="0" baseline="0" dirty="0" err="1" smtClean="0">
+                <a:ln>
+                  <a:noFill/>
+                </a:ln>
+                <a:solidFill>
+                  <a:srgbClr val="000000"/>
+                </a:solidFill>
+                <a:effectLst/>
+                <a:latin typeface="Consolas" panose="020B0609020204030204" pitchFamily="49" charset="0"/>
+              </a:rPr>
+              <a:t>it.append</a:t>
+            </a:r>
+            <a:r>
+              <a:rPr kumimoji="0" lang="cs-CZ" altLang="cs-CZ" sz="1600" b="0" i="0" u="none" strike="noStrike" cap="none" normalizeH="0" baseline="0" dirty="0" smtClean="0">
+                <a:ln>
+                  <a:noFill/>
+                </a:ln>
+                <a:solidFill>
+                  <a:srgbClr val="000000"/>
+                </a:solidFill>
+                <a:effectLst/>
+                <a:latin typeface="Consolas" panose="020B0609020204030204" pitchFamily="49" charset="0"/>
+              </a:rPr>
+              <a:t>(</a:t>
+            </a:r>
+            <a:r>
+              <a:rPr kumimoji="0" lang="cs-CZ" altLang="cs-CZ" sz="1600" b="1" i="0" u="none" strike="noStrike" cap="none" normalizeH="0" baseline="0" dirty="0" smtClean="0">
+                <a:ln>
+                  <a:noFill/>
+                </a:ln>
+                <a:solidFill>
+                  <a:srgbClr val="008000"/>
+                </a:solidFill>
+                <a:effectLst/>
+                <a:latin typeface="Consolas" panose="020B0609020204030204" pitchFamily="49" charset="0"/>
+              </a:rPr>
+              <a:t>"</a:t>
+            </a:r>
+            <a:r>
+              <a:rPr kumimoji="0" lang="cs-CZ" altLang="cs-CZ" sz="1600" b="1" i="0" u="none" strike="noStrike" cap="none" normalizeH="0" baseline="0" dirty="0" err="1" smtClean="0">
+                <a:ln>
+                  <a:noFill/>
+                </a:ln>
+                <a:solidFill>
+                  <a:srgbClr val="008000"/>
+                </a:solidFill>
+                <a:effectLst/>
+                <a:latin typeface="Consolas" panose="020B0609020204030204" pitchFamily="49" charset="0"/>
+              </a:rPr>
+              <a:t>Life</a:t>
+            </a:r>
+            <a:r>
+              <a:rPr kumimoji="0" lang="cs-CZ" altLang="cs-CZ" sz="1600" b="1" i="0" u="none" strike="noStrike" cap="none" normalizeH="0" baseline="0" dirty="0" smtClean="0">
+                <a:ln>
+                  <a:noFill/>
+                </a:ln>
+                <a:solidFill>
+                  <a:srgbClr val="008000"/>
+                </a:solidFill>
+                <a:effectLst/>
+                <a:latin typeface="Consolas" panose="020B0609020204030204" pitchFamily="49" charset="0"/>
+              </a:rPr>
+              <a:t>, </a:t>
+            </a:r>
+            <a:r>
+              <a:rPr kumimoji="0" lang="cs-CZ" altLang="cs-CZ" sz="1600" b="1" i="0" u="none" strike="noStrike" cap="none" normalizeH="0" baseline="0" dirty="0" err="1" smtClean="0">
+                <a:ln>
+                  <a:noFill/>
+                </a:ln>
+                <a:solidFill>
+                  <a:srgbClr val="008000"/>
+                </a:solidFill>
+                <a:effectLst/>
+                <a:latin typeface="Consolas" panose="020B0609020204030204" pitchFamily="49" charset="0"/>
+              </a:rPr>
+              <a:t>the</a:t>
+            </a:r>
+            <a:r>
+              <a:rPr kumimoji="0" lang="cs-CZ" altLang="cs-CZ" sz="1600" b="1" i="0" u="none" strike="noStrike" cap="none" normalizeH="0" baseline="0" dirty="0" smtClean="0">
+                <a:ln>
+                  <a:noFill/>
+                </a:ln>
+                <a:solidFill>
+                  <a:srgbClr val="008000"/>
+                </a:solidFill>
+                <a:effectLst/>
+                <a:latin typeface="Consolas" panose="020B0609020204030204" pitchFamily="49" charset="0"/>
+              </a:rPr>
+              <a:t> </a:t>
+            </a:r>
+            <a:r>
+              <a:rPr kumimoji="0" lang="cs-CZ" altLang="cs-CZ" sz="1600" b="1" i="0" u="none" strike="noStrike" cap="none" normalizeH="0" baseline="0" dirty="0" err="1" smtClean="0">
+                <a:ln>
+                  <a:noFill/>
+                </a:ln>
+                <a:solidFill>
+                  <a:srgbClr val="008000"/>
+                </a:solidFill>
+                <a:effectLst/>
+                <a:latin typeface="Consolas" panose="020B0609020204030204" pitchFamily="49" charset="0"/>
+              </a:rPr>
+              <a:t>Universe</a:t>
+            </a:r>
+            <a:r>
+              <a:rPr kumimoji="0" lang="cs-CZ" altLang="cs-CZ" sz="1600" b="1" i="0" u="none" strike="noStrike" cap="none" normalizeH="0" baseline="0" dirty="0" smtClean="0">
+                <a:ln>
+                  <a:noFill/>
+                </a:ln>
+                <a:solidFill>
+                  <a:srgbClr val="008000"/>
+                </a:solidFill>
+                <a:effectLst/>
+                <a:latin typeface="Consolas" panose="020B0609020204030204" pitchFamily="49" charset="0"/>
+              </a:rPr>
+              <a:t> and </a:t>
+            </a:r>
+            <a:r>
+              <a:rPr kumimoji="0" lang="cs-CZ" altLang="cs-CZ" sz="1600" b="1" i="0" u="none" strike="noStrike" cap="none" normalizeH="0" baseline="0" dirty="0" err="1" smtClean="0">
+                <a:ln>
+                  <a:noFill/>
+                </a:ln>
+                <a:solidFill>
+                  <a:srgbClr val="008000"/>
+                </a:solidFill>
+                <a:effectLst/>
+                <a:latin typeface="Consolas" panose="020B0609020204030204" pitchFamily="49" charset="0"/>
+              </a:rPr>
+              <a:t>Everything</a:t>
+            </a:r>
+            <a:r>
+              <a:rPr kumimoji="0" lang="cs-CZ" altLang="cs-CZ" sz="1600" b="1" i="0" u="none" strike="noStrike" cap="none" normalizeH="0" baseline="0" dirty="0" smtClean="0">
+                <a:ln>
+                  <a:noFill/>
+                </a:ln>
+                <a:solidFill>
+                  <a:srgbClr val="008000"/>
+                </a:solidFill>
+                <a:effectLst/>
+                <a:latin typeface="Consolas" panose="020B0609020204030204" pitchFamily="49" charset="0"/>
+              </a:rPr>
+              <a:t>"</a:t>
+            </a:r>
+            <a:r>
+              <a:rPr kumimoji="0" lang="cs-CZ" altLang="cs-CZ" sz="1600" b="0" i="0" u="none" strike="noStrike" cap="none" normalizeH="0" baseline="0" dirty="0" smtClean="0">
+                <a:ln>
+                  <a:noFill/>
+                </a:ln>
+                <a:solidFill>
+                  <a:srgbClr val="000000"/>
+                </a:solidFill>
+                <a:effectLst/>
+                <a:latin typeface="Consolas" panose="020B0609020204030204" pitchFamily="49" charset="0"/>
+              </a:rPr>
+              <a:t>)</a:t>
+            </a:r>
+            <a:br>
+              <a:rPr kumimoji="0" lang="cs-CZ" altLang="cs-CZ" sz="1600" b="0" i="0" u="none" strike="noStrike" cap="none" normalizeH="0" baseline="0" dirty="0" smtClean="0">
+                <a:ln>
+                  <a:noFill/>
+                </a:ln>
+                <a:solidFill>
+                  <a:srgbClr val="000000"/>
+                </a:solidFill>
+                <a:effectLst/>
+                <a:latin typeface="Consolas" panose="020B0609020204030204" pitchFamily="49" charset="0"/>
+              </a:rPr>
+            </a:br>
+            <a:r>
+              <a:rPr kumimoji="0" lang="cs-CZ" altLang="cs-CZ" sz="1600" b="0" i="0" u="none" strike="noStrike" cap="none" normalizeH="0" baseline="0" dirty="0" smtClean="0">
+                <a:ln>
+                  <a:noFill/>
+                </a:ln>
+                <a:solidFill>
+                  <a:srgbClr val="000000"/>
+                </a:solidFill>
+                <a:effectLst/>
+                <a:latin typeface="Consolas" panose="020B0609020204030204" pitchFamily="49" charset="0"/>
+              </a:rPr>
+              <a:t>    </a:t>
+            </a:r>
+            <a:r>
+              <a:rPr kumimoji="0" lang="cs-CZ" altLang="cs-CZ" sz="1600" b="0" i="0" u="none" strike="noStrike" cap="none" normalizeH="0" baseline="0" dirty="0" smtClean="0">
+                <a:ln>
+                  <a:noFill/>
+                </a:ln>
+                <a:solidFill>
+                  <a:srgbClr val="0000FF"/>
+                </a:solidFill>
+                <a:effectLst/>
+                <a:latin typeface="Consolas" panose="020B0609020204030204" pitchFamily="49" charset="0"/>
+              </a:rPr>
+              <a:t>42</a:t>
+            </a:r>
+            <a:br>
+              <a:rPr kumimoji="0" lang="cs-CZ" altLang="cs-CZ" sz="1600" b="0" i="0" u="none" strike="noStrike" cap="none" normalizeH="0" baseline="0" dirty="0" smtClean="0">
+                <a:ln>
+                  <a:noFill/>
+                </a:ln>
+                <a:solidFill>
+                  <a:srgbClr val="0000FF"/>
+                </a:solidFill>
+                <a:effectLst/>
+                <a:latin typeface="Consolas" panose="020B0609020204030204" pitchFamily="49" charset="0"/>
+              </a:rPr>
+            </a:br>
+            <a:r>
+              <a:rPr kumimoji="0" lang="cs-CZ" altLang="cs-CZ" sz="1600" b="1" i="0" u="none" strike="noStrike" cap="none" normalizeH="0" baseline="0" dirty="0" smtClean="0">
+                <a:ln>
+                  <a:noFill/>
+                </a:ln>
+                <a:solidFill>
+                  <a:srgbClr val="000000"/>
+                </a:solidFill>
+                <a:effectLst/>
+                <a:latin typeface="Consolas" panose="020B0609020204030204" pitchFamily="49" charset="0"/>
+              </a:rPr>
+              <a:t>}</a:t>
+            </a:r>
+            <a:endParaRPr kumimoji="0" lang="cs-CZ" altLang="cs-CZ" sz="1600" b="0" i="0" u="none" strike="noStrike" cap="none" normalizeH="0" baseline="0" dirty="0" smtClean="0">
+              <a:ln>
+                <a:noFill/>
+              </a:ln>
+              <a:solidFill>
+                <a:schemeClr val="tx1"/>
+              </a:solidFill>
+              <a:effectLst/>
+              <a:latin typeface="Arial" panose="020B0604020202020204" pitchFamily="34" charset="0"/>
+            </a:endParaRPr>
+          </a:p>
+        </p:txBody>
+      </p:sp>
+      <p:sp>
+        <p:nvSpPr>
+          <p:cNvPr id="6" name="Rectangle 3"/>
+          <p:cNvSpPr>
+            <a:spLocks noChangeArrowheads="1"/>
+          </p:cNvSpPr>
+          <p:nvPr/>
+        </p:nvSpPr>
+        <p:spPr bwMode="auto">
+          <a:xfrm>
+            <a:off x="323528" y="5157192"/>
+            <a:ext cx="5856258" cy="338554"/>
+          </a:xfrm>
+          <a:prstGeom prst="rect">
+            <a:avLst/>
+          </a:prstGeom>
+          <a:solidFill>
+            <a:srgbClr val="FFFFFF"/>
+          </a:solidFill>
+          <a:ln>
+            <a:noFill/>
+          </a:ln>
+          <a:effectLst/>
+          <a:extLst>
+            <a:ext uri="{91240B29-F687-4F45-9708-019B960494DF}">
+              <a14:hiddenLine xmlns:a14="http://schemas.microsoft.com/office/drawing/2010/main" w="9525">
+                <a:solidFill>
+                  <a:schemeClr val="tx1"/>
+                </a:solidFill>
+                <a:miter lim="800000"/>
+                <a:headEnd/>
+                <a:tailEnd/>
+              </a14:hiddenLine>
+            </a:ext>
+            <a:ext uri="{AF507438-7753-43E0-B8FC-AC1667EBCBE1}">
+              <a14:hiddenEffects xmlns:a14="http://schemas.microsoft.com/office/drawing/2010/main">
+                <a:effectLst>
+                  <a:outerShdw dist="35921" dir="2700000" algn="ctr" rotWithShape="0">
+                    <a:schemeClr val="bg2"/>
+                  </a:outerShdw>
+                </a:effectLst>
+              </a14:hiddenEffects>
+            </a:ext>
+          </a:extLst>
+        </p:spPr>
+        <p:txBody>
+          <a:bodyPr vert="horz" wrap="square" lIns="91440" tIns="45720" rIns="91440" bIns="45720" numCol="1" anchor="ctr" anchorCtr="0" compatLnSpc="1">
+            <a:prstTxWarp prst="textNoShape">
+              <a:avLst/>
+            </a:prstTxWarp>
+            <a:spAutoFit/>
+          </a:bodyPr>
+          <a:lstStyle/>
+          <a:p>
+            <a:pPr marL="0" marR="0" lvl="0" indent="0" algn="l" defTabSz="914400" rtl="0" eaLnBrk="0" fontAlgn="base" latinLnBrk="0" hangingPunct="0">
+              <a:lnSpc>
+                <a:spcPct val="100000"/>
+              </a:lnSpc>
+              <a:spcBef>
+                <a:spcPct val="0"/>
+              </a:spcBef>
+              <a:spcAft>
+                <a:spcPct val="0"/>
+              </a:spcAft>
+              <a:buClrTx/>
+              <a:buSzTx/>
+              <a:buFontTx/>
+              <a:buNone/>
+              <a:tabLst/>
+            </a:pPr>
+            <a:r>
+              <a:rPr kumimoji="0" lang="cs-CZ" altLang="cs-CZ" sz="1600" b="0" i="0" u="none" strike="noStrike" cap="none" normalizeH="0" baseline="0" dirty="0" err="1" smtClean="0">
+                <a:ln>
+                  <a:noFill/>
+                </a:ln>
+                <a:solidFill>
+                  <a:srgbClr val="000000"/>
+                </a:solidFill>
+                <a:effectLst/>
+                <a:latin typeface="Consolas" panose="020B0609020204030204" pitchFamily="49" charset="0"/>
+              </a:rPr>
+              <a:t>str</a:t>
+            </a:r>
+            <a:r>
+              <a:rPr kumimoji="0" lang="cs-CZ" altLang="cs-CZ" sz="1600" b="0" i="0" u="none" strike="noStrike" cap="none" normalizeH="0" baseline="0" dirty="0" smtClean="0">
+                <a:ln>
+                  <a:noFill/>
+                </a:ln>
+                <a:solidFill>
+                  <a:srgbClr val="000000"/>
+                </a:solidFill>
+                <a:effectLst/>
+                <a:latin typeface="Consolas" panose="020B0609020204030204" pitchFamily="49" charset="0"/>
+              </a:rPr>
+              <a:t>?.let </a:t>
+            </a:r>
+            <a:r>
+              <a:rPr kumimoji="0" lang="cs-CZ" altLang="cs-CZ" sz="1600" b="1" i="0" u="none" strike="noStrike" cap="none" normalizeH="0" baseline="0" dirty="0" smtClean="0">
+                <a:ln>
+                  <a:noFill/>
+                </a:ln>
+                <a:solidFill>
+                  <a:srgbClr val="000000"/>
+                </a:solidFill>
+                <a:effectLst/>
+                <a:latin typeface="Consolas" panose="020B0609020204030204" pitchFamily="49" charset="0"/>
+              </a:rPr>
+              <a:t>{ </a:t>
+            </a:r>
+            <a:r>
+              <a:rPr kumimoji="0" lang="cs-CZ" altLang="cs-CZ" sz="1600" b="0" i="0" u="none" strike="noStrike" cap="none" normalizeH="0" baseline="0" dirty="0" err="1" smtClean="0">
+                <a:ln>
+                  <a:noFill/>
+                </a:ln>
+                <a:solidFill>
+                  <a:srgbClr val="000000"/>
+                </a:solidFill>
+                <a:effectLst/>
+                <a:latin typeface="Consolas" panose="020B0609020204030204" pitchFamily="49" charset="0"/>
+              </a:rPr>
+              <a:t>print</a:t>
+            </a:r>
+            <a:r>
+              <a:rPr kumimoji="0" lang="cs-CZ" altLang="cs-CZ" sz="1600" b="0" i="0" u="none" strike="noStrike" cap="none" normalizeH="0" baseline="0" dirty="0" smtClean="0">
+                <a:ln>
+                  <a:noFill/>
+                </a:ln>
+                <a:solidFill>
+                  <a:srgbClr val="000000"/>
+                </a:solidFill>
+                <a:effectLst/>
+                <a:latin typeface="Consolas" panose="020B0609020204030204" pitchFamily="49" charset="0"/>
+              </a:rPr>
+              <a:t>(</a:t>
+            </a:r>
+            <a:r>
+              <a:rPr kumimoji="0" lang="cs-CZ" altLang="cs-CZ" sz="1600" b="0" i="0" u="none" strike="noStrike" cap="none" normalizeH="0" baseline="0" dirty="0" err="1" smtClean="0">
+                <a:ln>
+                  <a:noFill/>
+                </a:ln>
+                <a:solidFill>
+                  <a:srgbClr val="000000"/>
+                </a:solidFill>
+                <a:effectLst/>
+                <a:latin typeface="Consolas" panose="020B0609020204030204" pitchFamily="49" charset="0"/>
+              </a:rPr>
+              <a:t>it</a:t>
+            </a:r>
+            <a:r>
+              <a:rPr kumimoji="0" lang="cs-CZ" altLang="cs-CZ" sz="1600" b="0" i="0" u="none" strike="noStrike" cap="none" normalizeH="0" baseline="0" dirty="0" smtClean="0">
+                <a:ln>
+                  <a:noFill/>
+                </a:ln>
+                <a:solidFill>
+                  <a:srgbClr val="000000"/>
+                </a:solidFill>
+                <a:effectLst/>
+                <a:latin typeface="Consolas" panose="020B0609020204030204" pitchFamily="49" charset="0"/>
+              </a:rPr>
+              <a:t>) </a:t>
+            </a:r>
+            <a:r>
+              <a:rPr kumimoji="0" lang="cs-CZ" altLang="cs-CZ" sz="1600" b="1" i="0" u="none" strike="noStrike" cap="none" normalizeH="0" baseline="0" dirty="0" smtClean="0">
+                <a:ln>
+                  <a:noFill/>
+                </a:ln>
+                <a:solidFill>
+                  <a:srgbClr val="000000"/>
+                </a:solidFill>
+                <a:effectLst/>
+                <a:latin typeface="Consolas" panose="020B0609020204030204" pitchFamily="49" charset="0"/>
+              </a:rPr>
+              <a:t>}</a:t>
+            </a:r>
+            <a:endParaRPr kumimoji="0" lang="cs-CZ" altLang="cs-CZ" sz="1600" b="0" i="0" u="none" strike="noStrike" cap="none" normalizeH="0" baseline="0" dirty="0" smtClean="0">
+              <a:ln>
+                <a:noFill/>
+              </a:ln>
+              <a:solidFill>
+                <a:schemeClr val="tx1"/>
+              </a:solidFill>
+              <a:effectLst/>
+              <a:latin typeface="Arial" panose="020B0604020202020204" pitchFamily="34" charset="0"/>
+            </a:endParaRPr>
+          </a:p>
+        </p:txBody>
+      </p:sp>
+    </p:spTree>
+    <p:extLst>
+      <p:ext uri="{BB962C8B-B14F-4D97-AF65-F5344CB8AC3E}">
+        <p14:creationId xmlns:p14="http://schemas.microsoft.com/office/powerpoint/2010/main" val="639245741"/>
+      </p:ext>
+    </p:extLst>
+  </p:cSld>
+  <p:clrMapOvr>
+    <a:masterClrMapping/>
+  </p:clrMapOvr>
+  <p:timing>
+    <p:tnLst>
+      <p:par>
+        <p:cTn id="1" dur="indefinite" restart="never" nodeType="tmRoot">
+          <p:childTnLst>
+            <p:seq concurrent="1" nextAc="seek">
+              <p:cTn id="2" dur="indefinite" nodeType="mainSeq">
+                <p:childTnLst>
+                  <p:par>
+                    <p:cTn id="3" fill="hold">
+                      <p:stCondLst>
+                        <p:cond delay="indefinite"/>
+                      </p:stCondLst>
+                      <p:childTnLst>
+                        <p:par>
+                          <p:cTn id="4" fill="hold">
+                            <p:stCondLst>
+                              <p:cond delay="0"/>
+                            </p:stCondLst>
+                            <p:childTnLst>
+                              <p:par>
+                                <p:cTn id="5" presetID="10" presetClass="entr" presetSubtype="0" fill="hold" nodeType="clickEffect">
+                                  <p:stCondLst>
+                                    <p:cond delay="0"/>
+                                  </p:stCondLst>
+                                  <p:childTnLst>
+                                    <p:set>
+                                      <p:cBhvr>
+                                        <p:cTn id="6" dur="1" fill="hold">
+                                          <p:stCondLst>
+                                            <p:cond delay="0"/>
+                                          </p:stCondLst>
+                                        </p:cTn>
+                                        <p:tgtEl>
+                                          <p:spTgt spid="3">
+                                            <p:txEl>
+                                              <p:pRg st="0" end="0"/>
+                                            </p:txEl>
+                                          </p:spTgt>
+                                        </p:tgtEl>
+                                        <p:attrNameLst>
+                                          <p:attrName>style.visibility</p:attrName>
+                                        </p:attrNameLst>
+                                      </p:cBhvr>
+                                      <p:to>
+                                        <p:strVal val="visible"/>
+                                      </p:to>
+                                    </p:set>
+                                    <p:animEffect transition="in" filter="fade">
+                                      <p:cBhvr>
+                                        <p:cTn id="7" dur="500"/>
+                                        <p:tgtEl>
+                                          <p:spTgt spid="3">
+                                            <p:txEl>
+                                              <p:pRg st="0" end="0"/>
+                                            </p:txEl>
+                                          </p:spTgt>
+                                        </p:tgtEl>
+                                      </p:cBhvr>
+                                    </p:animEffect>
+                                  </p:childTnLst>
+                                </p:cTn>
+                              </p:par>
+                            </p:childTnLst>
+                          </p:cTn>
+                        </p:par>
+                      </p:childTnLst>
+                    </p:cTn>
+                  </p:par>
+                  <p:par>
+                    <p:cTn id="8" fill="hold">
+                      <p:stCondLst>
+                        <p:cond delay="indefinite"/>
+                      </p:stCondLst>
+                      <p:childTnLst>
+                        <p:par>
+                          <p:cTn id="9" fill="hold">
+                            <p:stCondLst>
+                              <p:cond delay="0"/>
+                            </p:stCondLst>
+                            <p:childTnLst>
+                              <p:par>
+                                <p:cTn id="10" presetID="10" presetClass="entr" presetSubtype="0" fill="hold" grpId="0" nodeType="clickEffect">
+                                  <p:stCondLst>
+                                    <p:cond delay="0"/>
+                                  </p:stCondLst>
+                                  <p:childTnLst>
+                                    <p:set>
+                                      <p:cBhvr>
+                                        <p:cTn id="11" dur="1" fill="hold">
+                                          <p:stCondLst>
+                                            <p:cond delay="0"/>
+                                          </p:stCondLst>
+                                        </p:cTn>
+                                        <p:tgtEl>
+                                          <p:spTgt spid="4"/>
+                                        </p:tgtEl>
+                                        <p:attrNameLst>
+                                          <p:attrName>style.visibility</p:attrName>
+                                        </p:attrNameLst>
+                                      </p:cBhvr>
+                                      <p:to>
+                                        <p:strVal val="visible"/>
+                                      </p:to>
+                                    </p:set>
+                                    <p:animEffect transition="in" filter="fade">
+                                      <p:cBhvr>
+                                        <p:cTn id="12" dur="500"/>
+                                        <p:tgtEl>
+                                          <p:spTgt spid="4"/>
+                                        </p:tgtEl>
+                                      </p:cBhvr>
+                                    </p:animEffect>
+                                  </p:childTnLst>
+                                </p:cTn>
+                              </p:par>
+                            </p:childTnLst>
+                          </p:cTn>
+                        </p:par>
+                      </p:childTnLst>
+                    </p:cTn>
+                  </p:par>
+                  <p:par>
+                    <p:cTn id="13" fill="hold">
+                      <p:stCondLst>
+                        <p:cond delay="indefinite"/>
+                      </p:stCondLst>
+                      <p:childTnLst>
+                        <p:par>
+                          <p:cTn id="14" fill="hold">
+                            <p:stCondLst>
+                              <p:cond delay="0"/>
+                            </p:stCondLst>
+                            <p:childTnLst>
+                              <p:par>
+                                <p:cTn id="15" presetID="10" presetClass="entr" presetSubtype="0" fill="hold" nodeType="clickEffect">
+                                  <p:stCondLst>
+                                    <p:cond delay="0"/>
+                                  </p:stCondLst>
+                                  <p:childTnLst>
+                                    <p:set>
+                                      <p:cBhvr>
+                                        <p:cTn id="16" dur="1" fill="hold">
+                                          <p:stCondLst>
+                                            <p:cond delay="0"/>
+                                          </p:stCondLst>
+                                        </p:cTn>
+                                        <p:tgtEl>
+                                          <p:spTgt spid="3">
+                                            <p:txEl>
+                                              <p:pRg st="1" end="1"/>
+                                            </p:txEl>
+                                          </p:spTgt>
+                                        </p:tgtEl>
+                                        <p:attrNameLst>
+                                          <p:attrName>style.visibility</p:attrName>
+                                        </p:attrNameLst>
+                                      </p:cBhvr>
+                                      <p:to>
+                                        <p:strVal val="visible"/>
+                                      </p:to>
+                                    </p:set>
+                                    <p:animEffect transition="in" filter="fade">
+                                      <p:cBhvr>
+                                        <p:cTn id="17" dur="500"/>
+                                        <p:tgtEl>
+                                          <p:spTgt spid="3">
+                                            <p:txEl>
+                                              <p:pRg st="1" end="1"/>
+                                            </p:txEl>
+                                          </p:spTgt>
+                                        </p:tgtEl>
+                                      </p:cBhvr>
+                                    </p:animEffect>
+                                  </p:childTnLst>
+                                </p:cTn>
+                              </p:par>
+                            </p:childTnLst>
+                          </p:cTn>
+                        </p:par>
+                      </p:childTnLst>
+                    </p:cTn>
+                  </p:par>
+                  <p:par>
+                    <p:cTn id="18" fill="hold">
+                      <p:stCondLst>
+                        <p:cond delay="indefinite"/>
+                      </p:stCondLst>
+                      <p:childTnLst>
+                        <p:par>
+                          <p:cTn id="19" fill="hold">
+                            <p:stCondLst>
+                              <p:cond delay="0"/>
+                            </p:stCondLst>
+                            <p:childTnLst>
+                              <p:par>
+                                <p:cTn id="20" presetID="10" presetClass="entr" presetSubtype="0" fill="hold" nodeType="clickEffect">
+                                  <p:stCondLst>
+                                    <p:cond delay="0"/>
+                                  </p:stCondLst>
+                                  <p:childTnLst>
+                                    <p:set>
+                                      <p:cBhvr>
+                                        <p:cTn id="21" dur="1" fill="hold">
+                                          <p:stCondLst>
+                                            <p:cond delay="0"/>
+                                          </p:stCondLst>
+                                        </p:cTn>
+                                        <p:tgtEl>
+                                          <p:spTgt spid="6">
+                                            <p:txEl>
+                                              <p:pRg st="0" end="0"/>
+                                            </p:txEl>
+                                          </p:spTgt>
+                                        </p:tgtEl>
+                                        <p:attrNameLst>
+                                          <p:attrName>style.visibility</p:attrName>
+                                        </p:attrNameLst>
+                                      </p:cBhvr>
+                                      <p:to>
+                                        <p:strVal val="visible"/>
+                                      </p:to>
+                                    </p:set>
+                                    <p:animEffect transition="in" filter="fade">
+                                      <p:cBhvr>
+                                        <p:cTn id="22" dur="500"/>
+                                        <p:tgtEl>
+                                          <p:spTgt spid="6">
+                                            <p:txEl>
+                                              <p:pRg st="0" end="0"/>
+                                            </p:txEl>
+                                          </p:spTgt>
+                                        </p:tgtEl>
+                                      </p:cBhvr>
+                                    </p:animEffect>
+                                  </p:childTnLst>
+                                </p:cTn>
+                              </p:par>
+                            </p:childTnLst>
+                          </p:cTn>
+                        </p:par>
+                      </p:childTnLst>
+                    </p:cTn>
+                  </p:par>
+                </p:childTnLst>
+              </p:cTn>
+              <p:prevCondLst>
+                <p:cond evt="onPrev" delay="0">
+                  <p:tgtEl>
+                    <p:sldTgt/>
+                  </p:tgtEl>
+                </p:cond>
+              </p:prevCondLst>
+              <p:nextCondLst>
+                <p:cond evt="onNext" delay="0">
+                  <p:tgtEl>
+                    <p:sldTgt/>
+                  </p:tgtEl>
+                </p:cond>
+              </p:nextCondLst>
+            </p:seq>
+          </p:childTnLst>
+        </p:cTn>
+      </p:par>
+    </p:tnLst>
+    <p:bldLst>
+      <p:bldP spid="4" grpId="0" animBg="1"/>
+    </p:bldLst>
+  </p:timing>
+</p:sld>
+</file>
+
+<file path=ppt/slides/slide11.xml><?xml version="1.0" encoding="utf-8"?>
+<p:sld xmlns:a="http://schemas.openxmlformats.org/drawingml/2006/main" xmlns:r="http://schemas.openxmlformats.org/officeDocument/2006/relationships" xmlns:p="http://schemas.openxmlformats.org/presentationml/2006/main">
+  <p:cSld>
+    <p:spTree>
+      <p:nvGrpSpPr>
+        <p:cNvPr id="1" name=""/>
+        <p:cNvGrpSpPr/>
+        <p:nvPr/>
+      </p:nvGrpSpPr>
+      <p:grpSpPr>
+        <a:xfrm>
+          <a:off x="0" y="0"/>
+          <a:ext cx="0" cy="0"/>
+          <a:chOff x="0" y="0"/>
+          <a:chExt cx="0" cy="0"/>
+        </a:xfrm>
+      </p:grpSpPr>
+      <p:sp>
+        <p:nvSpPr>
+          <p:cNvPr id="2" name="Nadpis 1"/>
+          <p:cNvSpPr>
+            <a:spLocks noGrp="1"/>
+          </p:cNvSpPr>
+          <p:nvPr>
+            <p:ph type="title"/>
+          </p:nvPr>
+        </p:nvSpPr>
+        <p:spPr/>
+        <p:txBody>
+          <a:bodyPr/>
+          <a:lstStyle/>
+          <a:p>
+            <a:r>
+              <a:rPr lang="cs-CZ" dirty="0" err="1" smtClean="0"/>
+              <a:t>Typical</a:t>
+            </a:r>
+            <a:r>
+              <a:rPr lang="cs-CZ" dirty="0" smtClean="0"/>
+              <a:t> </a:t>
+            </a:r>
+            <a:r>
+              <a:rPr lang="cs-CZ" dirty="0" err="1" smtClean="0"/>
+              <a:t>usecase</a:t>
+            </a:r>
+            <a:r>
+              <a:rPr lang="cs-CZ" dirty="0" smtClean="0"/>
+              <a:t/>
+            </a:r>
+            <a:br>
+              <a:rPr lang="cs-CZ" dirty="0" smtClean="0"/>
+            </a:br>
+            <a:r>
+              <a:rPr lang="cs-CZ" dirty="0" smtClean="0"/>
+              <a:t>- </a:t>
+            </a:r>
+            <a:r>
+              <a:rPr lang="cs-CZ" dirty="0" err="1" smtClean="0"/>
+              <a:t>apply</a:t>
+            </a:r>
+            <a:r>
+              <a:rPr lang="cs-CZ" dirty="0" smtClean="0"/>
+              <a:t>()</a:t>
+            </a:r>
+            <a:endParaRPr lang="cs-CZ" dirty="0"/>
+          </a:p>
+        </p:txBody>
+      </p:sp>
+      <p:sp>
+        <p:nvSpPr>
+          <p:cNvPr id="3" name="Zástupný symbol pro text 2"/>
+          <p:cNvSpPr>
+            <a:spLocks noGrp="1"/>
+          </p:cNvSpPr>
+          <p:nvPr>
+            <p:ph type="body" sz="quarter" idx="13"/>
+          </p:nvPr>
+        </p:nvSpPr>
+        <p:spPr>
+          <a:xfrm>
+            <a:off x="323528" y="1412777"/>
+            <a:ext cx="7560840" cy="648071"/>
+          </a:xfrm>
+        </p:spPr>
+        <p:txBody>
+          <a:bodyPr/>
+          <a:lstStyle/>
+          <a:p>
+            <a:r>
+              <a:rPr lang="cs-CZ" dirty="0"/>
+              <a:t>i</a:t>
+            </a:r>
+            <a:r>
+              <a:rPr lang="cs-CZ" dirty="0" smtClean="0"/>
+              <a:t>nicializace, nebo konfigurace objektu</a:t>
+            </a:r>
+            <a:endParaRPr lang="cs-CZ" dirty="0"/>
+          </a:p>
+        </p:txBody>
+      </p:sp>
+      <p:sp>
+        <p:nvSpPr>
+          <p:cNvPr id="4" name="Rectangle 1"/>
+          <p:cNvSpPr>
+            <a:spLocks noChangeArrowheads="1"/>
+          </p:cNvSpPr>
+          <p:nvPr/>
+        </p:nvSpPr>
+        <p:spPr bwMode="auto">
+          <a:xfrm>
+            <a:off x="323528" y="2420888"/>
+            <a:ext cx="5760640" cy="1077218"/>
+          </a:xfrm>
+          <a:prstGeom prst="rect">
+            <a:avLst/>
+          </a:prstGeom>
+          <a:solidFill>
+            <a:srgbClr val="FFFFFF"/>
+          </a:solidFill>
+          <a:ln>
+            <a:noFill/>
+          </a:ln>
+          <a:effectLst/>
+          <a:extLst>
+            <a:ext uri="{91240B29-F687-4F45-9708-019B960494DF}">
+              <a14:hiddenLine xmlns:a14="http://schemas.microsoft.com/office/drawing/2010/main" w="9525">
+                <a:solidFill>
+                  <a:schemeClr val="tx1"/>
+                </a:solidFill>
+                <a:miter lim="800000"/>
+                <a:headEnd/>
+                <a:tailEnd/>
+              </a14:hiddenLine>
+            </a:ext>
+            <a:ext uri="{AF507438-7753-43E0-B8FC-AC1667EBCBE1}">
+              <a14:hiddenEffects xmlns:a14="http://schemas.microsoft.com/office/drawing/2010/main">
+                <a:effectLst>
+                  <a:outerShdw dist="35921" dir="2700000" algn="ctr" rotWithShape="0">
+                    <a:schemeClr val="bg2"/>
+                  </a:outerShdw>
+                </a:effectLst>
+              </a14:hiddenEffects>
+            </a:ext>
+          </a:extLst>
+        </p:spPr>
+        <p:txBody>
+          <a:bodyPr vert="horz" wrap="square" lIns="91440" tIns="45720" rIns="91440" bIns="45720" numCol="1" anchor="ctr" anchorCtr="0" compatLnSpc="1">
+            <a:prstTxWarp prst="textNoShape">
+              <a:avLst/>
+            </a:prstTxWarp>
+            <a:spAutoFit/>
+          </a:bodyPr>
+          <a:lstStyle/>
+          <a:p>
+            <a:pPr marL="0" marR="0" lvl="0" indent="0" algn="l" defTabSz="914400" rtl="0" eaLnBrk="0" fontAlgn="base" latinLnBrk="0" hangingPunct="0">
+              <a:lnSpc>
+                <a:spcPct val="100000"/>
+              </a:lnSpc>
+              <a:spcBef>
+                <a:spcPct val="0"/>
+              </a:spcBef>
+              <a:spcAft>
+                <a:spcPct val="0"/>
+              </a:spcAft>
+              <a:buClrTx/>
+              <a:buSzTx/>
+              <a:buFontTx/>
+              <a:buNone/>
+              <a:tabLst/>
+            </a:pPr>
+            <a:r>
+              <a:rPr kumimoji="0" lang="cs-CZ" altLang="cs-CZ" sz="1600" b="1" i="0" u="none" strike="noStrike" cap="none" normalizeH="0" baseline="0" dirty="0" smtClean="0">
+                <a:ln>
+                  <a:noFill/>
+                </a:ln>
+                <a:solidFill>
+                  <a:srgbClr val="000080"/>
+                </a:solidFill>
+                <a:effectLst/>
+                <a:latin typeface="Consolas" panose="020B0609020204030204" pitchFamily="49" charset="0"/>
+              </a:rPr>
+              <a:t>val </a:t>
+            </a:r>
+            <a:r>
+              <a:rPr kumimoji="0" lang="cs-CZ" altLang="cs-CZ" sz="1600" b="0" i="0" u="none" strike="noStrike" cap="none" normalizeH="0" baseline="0" dirty="0" err="1" smtClean="0">
+                <a:ln>
+                  <a:noFill/>
+                </a:ln>
+                <a:solidFill>
+                  <a:srgbClr val="000000"/>
+                </a:solidFill>
+                <a:effectLst/>
+                <a:latin typeface="Consolas" panose="020B0609020204030204" pitchFamily="49" charset="0"/>
+              </a:rPr>
+              <a:t>andre</a:t>
+            </a:r>
+            <a:r>
+              <a:rPr kumimoji="0" lang="cs-CZ" altLang="cs-CZ" sz="1600" b="0" i="0" u="none" strike="noStrike" cap="none" normalizeH="0" baseline="0" dirty="0" smtClean="0">
+                <a:ln>
+                  <a:noFill/>
+                </a:ln>
+                <a:solidFill>
+                  <a:srgbClr val="000000"/>
+                </a:solidFill>
+                <a:effectLst/>
+                <a:latin typeface="Consolas" panose="020B0609020204030204" pitchFamily="49" charset="0"/>
+              </a:rPr>
+              <a:t> = Person()</a:t>
+            </a:r>
+            <a:br>
+              <a:rPr kumimoji="0" lang="cs-CZ" altLang="cs-CZ" sz="1600" b="0" i="0" u="none" strike="noStrike" cap="none" normalizeH="0" baseline="0" dirty="0" smtClean="0">
+                <a:ln>
+                  <a:noFill/>
+                </a:ln>
+                <a:solidFill>
+                  <a:srgbClr val="000000"/>
+                </a:solidFill>
+                <a:effectLst/>
+                <a:latin typeface="Consolas" panose="020B0609020204030204" pitchFamily="49" charset="0"/>
+              </a:rPr>
+            </a:br>
+            <a:r>
+              <a:rPr kumimoji="0" lang="cs-CZ" altLang="cs-CZ" sz="1600" b="0" i="0" u="none" strike="noStrike" cap="none" normalizeH="0" baseline="0" dirty="0" smtClean="0">
+                <a:ln>
+                  <a:noFill/>
+                </a:ln>
+                <a:solidFill>
+                  <a:srgbClr val="000000"/>
+                </a:solidFill>
+                <a:effectLst/>
+                <a:latin typeface="Consolas" panose="020B0609020204030204" pitchFamily="49" charset="0"/>
+              </a:rPr>
+              <a:t>andre.</a:t>
+            </a:r>
+            <a:r>
+              <a:rPr kumimoji="0" lang="cs-CZ" altLang="cs-CZ" sz="1600" b="0" i="1" u="none" strike="noStrike" cap="none" normalizeH="0" baseline="0" dirty="0" smtClean="0">
+                <a:ln>
+                  <a:noFill/>
+                </a:ln>
+                <a:solidFill>
+                  <a:srgbClr val="660E7A"/>
+                </a:solidFill>
+                <a:effectLst/>
+                <a:latin typeface="Consolas" panose="020B0609020204030204" pitchFamily="49" charset="0"/>
+              </a:rPr>
+              <a:t>name </a:t>
+            </a:r>
+            <a:r>
+              <a:rPr kumimoji="0" lang="cs-CZ" altLang="cs-CZ" sz="1600" b="0" i="0" u="none" strike="noStrike" cap="none" normalizeH="0" baseline="0" dirty="0" smtClean="0">
+                <a:ln>
+                  <a:noFill/>
+                </a:ln>
+                <a:solidFill>
+                  <a:srgbClr val="000000"/>
+                </a:solidFill>
+                <a:effectLst/>
+                <a:latin typeface="Consolas" panose="020B0609020204030204" pitchFamily="49" charset="0"/>
+              </a:rPr>
+              <a:t>= </a:t>
+            </a:r>
+            <a:r>
+              <a:rPr kumimoji="0" lang="cs-CZ" altLang="cs-CZ" sz="1600" b="1" i="0" u="none" strike="noStrike" cap="none" normalizeH="0" baseline="0" dirty="0" smtClean="0">
+                <a:ln>
+                  <a:noFill/>
+                </a:ln>
+                <a:solidFill>
+                  <a:srgbClr val="008000"/>
+                </a:solidFill>
+                <a:effectLst/>
+                <a:latin typeface="Consolas" panose="020B0609020204030204" pitchFamily="49" charset="0"/>
+              </a:rPr>
+              <a:t>"</a:t>
+            </a:r>
+            <a:r>
+              <a:rPr kumimoji="0" lang="cs-CZ" altLang="cs-CZ" sz="1600" b="1" i="0" u="none" strike="noStrike" cap="none" normalizeH="0" baseline="0" dirty="0" err="1" smtClean="0">
+                <a:ln>
+                  <a:noFill/>
+                </a:ln>
+                <a:solidFill>
+                  <a:srgbClr val="008000"/>
+                </a:solidFill>
+                <a:effectLst/>
+                <a:latin typeface="Consolas" panose="020B0609020204030204" pitchFamily="49" charset="0"/>
+              </a:rPr>
+              <a:t>andre</a:t>
+            </a:r>
+            <a:r>
+              <a:rPr kumimoji="0" lang="cs-CZ" altLang="cs-CZ" sz="1600" b="1" i="0" u="none" strike="noStrike" cap="none" normalizeH="0" baseline="0" dirty="0" smtClean="0">
+                <a:ln>
+                  <a:noFill/>
+                </a:ln>
+                <a:solidFill>
+                  <a:srgbClr val="008000"/>
+                </a:solidFill>
+                <a:effectLst/>
+                <a:latin typeface="Consolas" panose="020B0609020204030204" pitchFamily="49" charset="0"/>
+              </a:rPr>
+              <a:t>"</a:t>
+            </a:r>
+            <a:br>
+              <a:rPr kumimoji="0" lang="cs-CZ" altLang="cs-CZ" sz="1600" b="1" i="0" u="none" strike="noStrike" cap="none" normalizeH="0" baseline="0" dirty="0" smtClean="0">
+                <a:ln>
+                  <a:noFill/>
+                </a:ln>
+                <a:solidFill>
+                  <a:srgbClr val="008000"/>
+                </a:solidFill>
+                <a:effectLst/>
+                <a:latin typeface="Consolas" panose="020B0609020204030204" pitchFamily="49" charset="0"/>
+              </a:rPr>
+            </a:br>
+            <a:r>
+              <a:rPr kumimoji="0" lang="cs-CZ" altLang="cs-CZ" sz="1600" b="0" i="0" u="none" strike="noStrike" cap="none" normalizeH="0" baseline="0" dirty="0" err="1" smtClean="0">
+                <a:ln>
+                  <a:noFill/>
+                </a:ln>
+                <a:solidFill>
+                  <a:srgbClr val="000000"/>
+                </a:solidFill>
+                <a:effectLst/>
+                <a:latin typeface="Consolas" panose="020B0609020204030204" pitchFamily="49" charset="0"/>
+              </a:rPr>
+              <a:t>andre.</a:t>
+            </a:r>
+            <a:r>
+              <a:rPr kumimoji="0" lang="cs-CZ" altLang="cs-CZ" sz="1600" b="0" i="1" u="none" strike="noStrike" cap="none" normalizeH="0" baseline="0" dirty="0" err="1" smtClean="0">
+                <a:ln>
+                  <a:noFill/>
+                </a:ln>
+                <a:solidFill>
+                  <a:srgbClr val="660E7A"/>
+                </a:solidFill>
+                <a:effectLst/>
+                <a:latin typeface="Consolas" panose="020B0609020204030204" pitchFamily="49" charset="0"/>
+              </a:rPr>
+              <a:t>company</a:t>
+            </a:r>
+            <a:r>
+              <a:rPr kumimoji="0" lang="cs-CZ" altLang="cs-CZ" sz="1600" b="0" i="1" u="none" strike="noStrike" cap="none" normalizeH="0" baseline="0" dirty="0" smtClean="0">
+                <a:ln>
+                  <a:noFill/>
+                </a:ln>
+                <a:solidFill>
+                  <a:srgbClr val="660E7A"/>
+                </a:solidFill>
+                <a:effectLst/>
+                <a:latin typeface="Consolas" panose="020B0609020204030204" pitchFamily="49" charset="0"/>
+              </a:rPr>
+              <a:t> </a:t>
+            </a:r>
+            <a:r>
+              <a:rPr kumimoji="0" lang="cs-CZ" altLang="cs-CZ" sz="1600" b="0" i="0" u="none" strike="noStrike" cap="none" normalizeH="0" baseline="0" dirty="0" smtClean="0">
+                <a:ln>
+                  <a:noFill/>
+                </a:ln>
+                <a:solidFill>
+                  <a:srgbClr val="000000"/>
+                </a:solidFill>
+                <a:effectLst/>
+                <a:latin typeface="Consolas" panose="020B0609020204030204" pitchFamily="49" charset="0"/>
+              </a:rPr>
+              <a:t>= </a:t>
+            </a:r>
+            <a:r>
+              <a:rPr kumimoji="0" lang="cs-CZ" altLang="cs-CZ" sz="1600" b="1" i="0" u="none" strike="noStrike" cap="none" normalizeH="0" baseline="0" dirty="0" smtClean="0">
+                <a:ln>
+                  <a:noFill/>
+                </a:ln>
+                <a:solidFill>
+                  <a:srgbClr val="008000"/>
+                </a:solidFill>
+                <a:effectLst/>
+                <a:latin typeface="Consolas" panose="020B0609020204030204" pitchFamily="49" charset="0"/>
+              </a:rPr>
+              <a:t>"</a:t>
+            </a:r>
+            <a:r>
+              <a:rPr kumimoji="0" lang="cs-CZ" altLang="cs-CZ" sz="1600" b="1" i="0" u="none" strike="noStrike" cap="none" normalizeH="0" baseline="0" dirty="0" err="1" smtClean="0">
+                <a:ln>
+                  <a:noFill/>
+                </a:ln>
+                <a:solidFill>
+                  <a:srgbClr val="008000"/>
+                </a:solidFill>
+                <a:effectLst/>
+                <a:latin typeface="Consolas" panose="020B0609020204030204" pitchFamily="49" charset="0"/>
+              </a:rPr>
+              <a:t>Viacom</a:t>
+            </a:r>
+            <a:r>
+              <a:rPr kumimoji="0" lang="cs-CZ" altLang="cs-CZ" sz="1600" b="1" i="0" u="none" strike="noStrike" cap="none" normalizeH="0" baseline="0" dirty="0" smtClean="0">
+                <a:ln>
+                  <a:noFill/>
+                </a:ln>
+                <a:solidFill>
+                  <a:srgbClr val="008000"/>
+                </a:solidFill>
+                <a:effectLst/>
+                <a:latin typeface="Consolas" panose="020B0609020204030204" pitchFamily="49" charset="0"/>
+              </a:rPr>
+              <a:t>"</a:t>
+            </a:r>
+            <a:br>
+              <a:rPr kumimoji="0" lang="cs-CZ" altLang="cs-CZ" sz="1600" b="1" i="0" u="none" strike="noStrike" cap="none" normalizeH="0" baseline="0" dirty="0" smtClean="0">
+                <a:ln>
+                  <a:noFill/>
+                </a:ln>
+                <a:solidFill>
+                  <a:srgbClr val="008000"/>
+                </a:solidFill>
+                <a:effectLst/>
+                <a:latin typeface="Consolas" panose="020B0609020204030204" pitchFamily="49" charset="0"/>
+              </a:rPr>
+            </a:br>
+            <a:r>
+              <a:rPr kumimoji="0" lang="cs-CZ" altLang="cs-CZ" sz="1600" b="0" i="0" u="none" strike="noStrike" cap="none" normalizeH="0" baseline="0" dirty="0" err="1" smtClean="0">
+                <a:ln>
+                  <a:noFill/>
+                </a:ln>
+                <a:solidFill>
+                  <a:srgbClr val="000000"/>
+                </a:solidFill>
+                <a:effectLst/>
+                <a:latin typeface="Consolas" panose="020B0609020204030204" pitchFamily="49" charset="0"/>
+              </a:rPr>
+              <a:t>andre.</a:t>
+            </a:r>
+            <a:r>
+              <a:rPr kumimoji="0" lang="cs-CZ" altLang="cs-CZ" sz="1600" b="0" i="1" u="none" strike="noStrike" cap="none" normalizeH="0" baseline="0" dirty="0" err="1" smtClean="0">
+                <a:ln>
+                  <a:noFill/>
+                </a:ln>
+                <a:solidFill>
+                  <a:srgbClr val="660E7A"/>
+                </a:solidFill>
+                <a:effectLst/>
+                <a:latin typeface="Consolas" panose="020B0609020204030204" pitchFamily="49" charset="0"/>
+              </a:rPr>
+              <a:t>hobby</a:t>
+            </a:r>
+            <a:r>
+              <a:rPr kumimoji="0" lang="cs-CZ" altLang="cs-CZ" sz="1600" b="0" i="1" u="none" strike="noStrike" cap="none" normalizeH="0" baseline="0" dirty="0" smtClean="0">
+                <a:ln>
+                  <a:noFill/>
+                </a:ln>
+                <a:solidFill>
+                  <a:srgbClr val="660E7A"/>
+                </a:solidFill>
+                <a:effectLst/>
+                <a:latin typeface="Consolas" panose="020B0609020204030204" pitchFamily="49" charset="0"/>
+              </a:rPr>
+              <a:t> </a:t>
+            </a:r>
+            <a:r>
+              <a:rPr kumimoji="0" lang="cs-CZ" altLang="cs-CZ" sz="1600" b="0" i="0" u="none" strike="noStrike" cap="none" normalizeH="0" baseline="0" dirty="0" smtClean="0">
+                <a:ln>
+                  <a:noFill/>
+                </a:ln>
+                <a:solidFill>
+                  <a:srgbClr val="000000"/>
+                </a:solidFill>
+                <a:effectLst/>
+                <a:latin typeface="Consolas" panose="020B0609020204030204" pitchFamily="49" charset="0"/>
+              </a:rPr>
+              <a:t>= </a:t>
+            </a:r>
+            <a:r>
+              <a:rPr kumimoji="0" lang="cs-CZ" altLang="cs-CZ" sz="1600" b="1" i="0" u="none" strike="noStrike" cap="none" normalizeH="0" baseline="0" dirty="0" smtClean="0">
+                <a:ln>
+                  <a:noFill/>
+                </a:ln>
+                <a:solidFill>
+                  <a:srgbClr val="008000"/>
+                </a:solidFill>
+                <a:effectLst/>
+                <a:latin typeface="Consolas" panose="020B0609020204030204" pitchFamily="49" charset="0"/>
+              </a:rPr>
+              <a:t>"</a:t>
+            </a:r>
+            <a:r>
+              <a:rPr kumimoji="0" lang="cs-CZ" altLang="cs-CZ" sz="1600" b="1" i="0" u="none" strike="noStrike" cap="none" normalizeH="0" baseline="0" dirty="0" err="1" smtClean="0">
+                <a:ln>
+                  <a:noFill/>
+                </a:ln>
+                <a:solidFill>
+                  <a:srgbClr val="008000"/>
+                </a:solidFill>
+                <a:effectLst/>
+                <a:latin typeface="Consolas" panose="020B0609020204030204" pitchFamily="49" charset="0"/>
+              </a:rPr>
+              <a:t>losing</a:t>
+            </a:r>
+            <a:r>
+              <a:rPr kumimoji="0" lang="cs-CZ" altLang="cs-CZ" sz="1600" b="1" i="0" u="none" strike="noStrike" cap="none" normalizeH="0" baseline="0" dirty="0" smtClean="0">
+                <a:ln>
+                  <a:noFill/>
+                </a:ln>
+                <a:solidFill>
+                  <a:srgbClr val="008000"/>
+                </a:solidFill>
+                <a:effectLst/>
+                <a:latin typeface="Consolas" panose="020B0609020204030204" pitchFamily="49" charset="0"/>
+              </a:rPr>
+              <a:t> in ping pong"</a:t>
+            </a:r>
+            <a:endParaRPr kumimoji="0" lang="cs-CZ" altLang="cs-CZ" sz="1600" b="0" i="0" u="none" strike="noStrike" cap="none" normalizeH="0" baseline="0" dirty="0" smtClean="0">
+              <a:ln>
+                <a:noFill/>
+              </a:ln>
+              <a:solidFill>
+                <a:schemeClr val="tx1"/>
+              </a:solidFill>
+              <a:effectLst/>
+              <a:latin typeface="Arial" panose="020B0604020202020204" pitchFamily="34" charset="0"/>
+            </a:endParaRPr>
+          </a:p>
+        </p:txBody>
+      </p:sp>
+      <p:sp>
+        <p:nvSpPr>
+          <p:cNvPr id="5" name="Rectangle 2"/>
+          <p:cNvSpPr>
+            <a:spLocks noChangeArrowheads="1"/>
+          </p:cNvSpPr>
+          <p:nvPr/>
+        </p:nvSpPr>
+        <p:spPr bwMode="auto">
+          <a:xfrm>
+            <a:off x="323528" y="4148009"/>
+            <a:ext cx="3887603" cy="1323439"/>
+          </a:xfrm>
+          <a:prstGeom prst="rect">
+            <a:avLst/>
+          </a:prstGeom>
+          <a:solidFill>
+            <a:srgbClr val="FFFFFF"/>
+          </a:solidFill>
+          <a:ln>
+            <a:noFill/>
+          </a:ln>
+          <a:effectLst/>
+          <a:extLst>
+            <a:ext uri="{91240B29-F687-4F45-9708-019B960494DF}">
+              <a14:hiddenLine xmlns:a14="http://schemas.microsoft.com/office/drawing/2010/main" w="9525">
+                <a:solidFill>
+                  <a:schemeClr val="tx1"/>
+                </a:solidFill>
+                <a:miter lim="800000"/>
+                <a:headEnd/>
+                <a:tailEnd/>
+              </a14:hiddenLine>
+            </a:ext>
+            <a:ext uri="{AF507438-7753-43E0-B8FC-AC1667EBCBE1}">
+              <a14:hiddenEffects xmlns:a14="http://schemas.microsoft.com/office/drawing/2010/main">
+                <a:effectLst>
+                  <a:outerShdw dist="35921" dir="2700000" algn="ctr" rotWithShape="0">
+                    <a:schemeClr val="bg2"/>
+                  </a:outerShdw>
+                </a:effectLst>
+              </a14:hiddenEffects>
+            </a:ext>
+          </a:extLst>
+        </p:spPr>
+        <p:txBody>
+          <a:bodyPr vert="horz" wrap="none" lIns="91440" tIns="45720" rIns="91440" bIns="45720" numCol="1" anchor="ctr" anchorCtr="0" compatLnSpc="1">
+            <a:prstTxWarp prst="textNoShape">
+              <a:avLst/>
+            </a:prstTxWarp>
+            <a:spAutoFit/>
+          </a:bodyPr>
+          <a:lstStyle/>
+          <a:p>
+            <a:pPr marL="0" marR="0" lvl="0" indent="0" algn="l" defTabSz="914400" rtl="0" eaLnBrk="0" fontAlgn="base" latinLnBrk="0" hangingPunct="0">
+              <a:lnSpc>
+                <a:spcPct val="100000"/>
+              </a:lnSpc>
+              <a:spcBef>
+                <a:spcPct val="0"/>
+              </a:spcBef>
+              <a:spcAft>
+                <a:spcPct val="0"/>
+              </a:spcAft>
+              <a:buClrTx/>
+              <a:buSzTx/>
+              <a:buFontTx/>
+              <a:buNone/>
+              <a:tabLst/>
+            </a:pPr>
+            <a:r>
+              <a:rPr kumimoji="0" lang="cs-CZ" altLang="cs-CZ" sz="1600" b="1" i="0" u="none" strike="noStrike" cap="none" normalizeH="0" baseline="0" dirty="0" smtClean="0">
+                <a:ln>
+                  <a:noFill/>
+                </a:ln>
+                <a:solidFill>
+                  <a:srgbClr val="000080"/>
+                </a:solidFill>
+                <a:effectLst/>
+                <a:latin typeface="Consolas" panose="020B0609020204030204" pitchFamily="49" charset="0"/>
+              </a:rPr>
+              <a:t>val </a:t>
+            </a:r>
+            <a:r>
+              <a:rPr kumimoji="0" lang="cs-CZ" altLang="cs-CZ" sz="1600" b="0" i="1" u="none" strike="noStrike" cap="none" normalizeH="0" baseline="0" dirty="0" err="1" smtClean="0">
+                <a:ln>
+                  <a:noFill/>
+                </a:ln>
+                <a:solidFill>
+                  <a:srgbClr val="660E7A"/>
+                </a:solidFill>
+                <a:effectLst/>
+                <a:latin typeface="Consolas" panose="020B0609020204030204" pitchFamily="49" charset="0"/>
+              </a:rPr>
+              <a:t>andre</a:t>
+            </a:r>
+            <a:r>
+              <a:rPr kumimoji="0" lang="cs-CZ" altLang="cs-CZ" sz="1600" b="0" i="1" u="none" strike="noStrike" cap="none" normalizeH="0" baseline="0" dirty="0" smtClean="0">
+                <a:ln>
+                  <a:noFill/>
+                </a:ln>
+                <a:solidFill>
+                  <a:srgbClr val="660E7A"/>
+                </a:solidFill>
+                <a:effectLst/>
+                <a:latin typeface="Consolas" panose="020B0609020204030204" pitchFamily="49" charset="0"/>
+              </a:rPr>
+              <a:t> </a:t>
+            </a:r>
+            <a:r>
+              <a:rPr kumimoji="0" lang="cs-CZ" altLang="cs-CZ" sz="1600" b="0" i="0" u="none" strike="noStrike" cap="none" normalizeH="0" baseline="0" dirty="0" smtClean="0">
+                <a:ln>
+                  <a:noFill/>
+                </a:ln>
+                <a:solidFill>
+                  <a:srgbClr val="000000"/>
+                </a:solidFill>
+                <a:effectLst/>
+                <a:latin typeface="Consolas" panose="020B0609020204030204" pitchFamily="49" charset="0"/>
+              </a:rPr>
+              <a:t>= Person().</a:t>
+            </a:r>
+            <a:r>
+              <a:rPr kumimoji="0" lang="cs-CZ" altLang="cs-CZ" sz="1600" b="0" i="0" u="none" strike="noStrike" cap="none" normalizeH="0" baseline="0" dirty="0" err="1" smtClean="0">
+                <a:ln>
+                  <a:noFill/>
+                </a:ln>
+                <a:solidFill>
+                  <a:srgbClr val="000000"/>
+                </a:solidFill>
+                <a:effectLst/>
+                <a:latin typeface="Consolas" panose="020B0609020204030204" pitchFamily="49" charset="0"/>
+              </a:rPr>
+              <a:t>apply</a:t>
+            </a:r>
+            <a:r>
+              <a:rPr kumimoji="0" lang="cs-CZ" altLang="cs-CZ" sz="1600" b="0" i="0" u="none" strike="noStrike" cap="none" normalizeH="0" baseline="0" dirty="0" smtClean="0">
+                <a:ln>
+                  <a:noFill/>
+                </a:ln>
+                <a:solidFill>
+                  <a:srgbClr val="000000"/>
+                </a:solidFill>
+                <a:effectLst/>
+                <a:latin typeface="Consolas" panose="020B0609020204030204" pitchFamily="49" charset="0"/>
+              </a:rPr>
+              <a:t> </a:t>
+            </a:r>
+            <a:r>
+              <a:rPr kumimoji="0" lang="cs-CZ" altLang="cs-CZ" sz="1600" b="1" i="0" u="none" strike="noStrike" cap="none" normalizeH="0" baseline="0" dirty="0" smtClean="0">
+                <a:ln>
+                  <a:noFill/>
+                </a:ln>
+                <a:solidFill>
+                  <a:srgbClr val="000000"/>
+                </a:solidFill>
+                <a:effectLst/>
+                <a:latin typeface="Consolas" panose="020B0609020204030204" pitchFamily="49" charset="0"/>
+              </a:rPr>
+              <a:t>{</a:t>
+            </a:r>
+            <a:br>
+              <a:rPr kumimoji="0" lang="cs-CZ" altLang="cs-CZ" sz="1600" b="1" i="0" u="none" strike="noStrike" cap="none" normalizeH="0" baseline="0" dirty="0" smtClean="0">
+                <a:ln>
+                  <a:noFill/>
+                </a:ln>
+                <a:solidFill>
+                  <a:srgbClr val="000000"/>
+                </a:solidFill>
+                <a:effectLst/>
+                <a:latin typeface="Consolas" panose="020B0609020204030204" pitchFamily="49" charset="0"/>
+              </a:rPr>
+            </a:br>
+            <a:r>
+              <a:rPr kumimoji="0" lang="cs-CZ" altLang="cs-CZ" sz="1600" b="1" i="0" u="none" strike="noStrike" cap="none" normalizeH="0" baseline="0" dirty="0" smtClean="0">
+                <a:ln>
+                  <a:noFill/>
+                </a:ln>
+                <a:solidFill>
+                  <a:srgbClr val="000000"/>
+                </a:solidFill>
+                <a:effectLst/>
+                <a:latin typeface="Consolas" panose="020B0609020204030204" pitchFamily="49" charset="0"/>
+              </a:rPr>
+              <a:t>    </a:t>
+            </a:r>
+            <a:r>
+              <a:rPr kumimoji="0" lang="cs-CZ" altLang="cs-CZ" sz="1600" b="0" i="0" u="none" strike="noStrike" cap="none" normalizeH="0" baseline="0" dirty="0" err="1" smtClean="0">
+                <a:ln>
+                  <a:noFill/>
+                </a:ln>
+                <a:solidFill>
+                  <a:srgbClr val="000000"/>
+                </a:solidFill>
+                <a:effectLst/>
+                <a:latin typeface="Consolas" panose="020B0609020204030204" pitchFamily="49" charset="0"/>
+              </a:rPr>
+              <a:t>name</a:t>
+            </a:r>
+            <a:r>
+              <a:rPr kumimoji="0" lang="cs-CZ" altLang="cs-CZ" sz="1600" b="0" i="0" u="none" strike="noStrike" cap="none" normalizeH="0" baseline="0" dirty="0" smtClean="0">
+                <a:ln>
+                  <a:noFill/>
+                </a:ln>
+                <a:solidFill>
+                  <a:srgbClr val="000000"/>
+                </a:solidFill>
+                <a:effectLst/>
+                <a:latin typeface="Consolas" panose="020B0609020204030204" pitchFamily="49" charset="0"/>
+              </a:rPr>
+              <a:t> = </a:t>
+            </a:r>
+            <a:r>
+              <a:rPr kumimoji="0" lang="cs-CZ" altLang="cs-CZ" sz="1600" b="1" i="0" u="none" strike="noStrike" cap="none" normalizeH="0" baseline="0" dirty="0" smtClean="0">
+                <a:ln>
+                  <a:noFill/>
+                </a:ln>
+                <a:solidFill>
+                  <a:srgbClr val="008000"/>
+                </a:solidFill>
+                <a:effectLst/>
+                <a:latin typeface="Consolas" panose="020B0609020204030204" pitchFamily="49" charset="0"/>
+              </a:rPr>
+              <a:t>"</a:t>
+            </a:r>
+            <a:r>
+              <a:rPr kumimoji="0" lang="cs-CZ" altLang="cs-CZ" sz="1600" b="1" i="0" u="none" strike="noStrike" cap="none" normalizeH="0" baseline="0" dirty="0" err="1" smtClean="0">
+                <a:ln>
+                  <a:noFill/>
+                </a:ln>
+                <a:solidFill>
+                  <a:srgbClr val="008000"/>
+                </a:solidFill>
+                <a:effectLst/>
+                <a:latin typeface="Consolas" panose="020B0609020204030204" pitchFamily="49" charset="0"/>
+              </a:rPr>
+              <a:t>Andre</a:t>
+            </a:r>
+            <a:r>
+              <a:rPr kumimoji="0" lang="cs-CZ" altLang="cs-CZ" sz="1600" b="1" i="0" u="none" strike="noStrike" cap="none" normalizeH="0" baseline="0" dirty="0" smtClean="0">
+                <a:ln>
+                  <a:noFill/>
+                </a:ln>
+                <a:solidFill>
+                  <a:srgbClr val="008000"/>
+                </a:solidFill>
+                <a:effectLst/>
+                <a:latin typeface="Consolas" panose="020B0609020204030204" pitchFamily="49" charset="0"/>
+              </a:rPr>
+              <a:t>"</a:t>
+            </a:r>
+            <a:br>
+              <a:rPr kumimoji="0" lang="cs-CZ" altLang="cs-CZ" sz="1600" b="1" i="0" u="none" strike="noStrike" cap="none" normalizeH="0" baseline="0" dirty="0" smtClean="0">
+                <a:ln>
+                  <a:noFill/>
+                </a:ln>
+                <a:solidFill>
+                  <a:srgbClr val="008000"/>
+                </a:solidFill>
+                <a:effectLst/>
+                <a:latin typeface="Consolas" panose="020B0609020204030204" pitchFamily="49" charset="0"/>
+              </a:rPr>
+            </a:br>
+            <a:r>
+              <a:rPr kumimoji="0" lang="cs-CZ" altLang="cs-CZ" sz="1600" b="1" i="0" u="none" strike="noStrike" cap="none" normalizeH="0" baseline="0" dirty="0" smtClean="0">
+                <a:ln>
+                  <a:noFill/>
+                </a:ln>
+                <a:solidFill>
+                  <a:srgbClr val="008000"/>
+                </a:solidFill>
+                <a:effectLst/>
+                <a:latin typeface="Consolas" panose="020B0609020204030204" pitchFamily="49" charset="0"/>
+              </a:rPr>
+              <a:t>    </a:t>
+            </a:r>
+            <a:r>
+              <a:rPr kumimoji="0" lang="cs-CZ" altLang="cs-CZ" sz="1600" b="0" i="0" u="none" strike="noStrike" cap="none" normalizeH="0" baseline="0" dirty="0" err="1" smtClean="0">
+                <a:ln>
+                  <a:noFill/>
+                </a:ln>
+                <a:solidFill>
+                  <a:srgbClr val="000000"/>
+                </a:solidFill>
+                <a:effectLst/>
+                <a:latin typeface="Consolas" panose="020B0609020204030204" pitchFamily="49" charset="0"/>
+              </a:rPr>
+              <a:t>company</a:t>
+            </a:r>
+            <a:r>
+              <a:rPr kumimoji="0" lang="cs-CZ" altLang="cs-CZ" sz="1600" b="0" i="0" u="none" strike="noStrike" cap="none" normalizeH="0" baseline="0" dirty="0" smtClean="0">
+                <a:ln>
+                  <a:noFill/>
+                </a:ln>
+                <a:solidFill>
+                  <a:srgbClr val="000000"/>
+                </a:solidFill>
+                <a:effectLst/>
+                <a:latin typeface="Consolas" panose="020B0609020204030204" pitchFamily="49" charset="0"/>
+              </a:rPr>
+              <a:t> = </a:t>
+            </a:r>
+            <a:r>
+              <a:rPr kumimoji="0" lang="cs-CZ" altLang="cs-CZ" sz="1600" b="1" i="0" u="none" strike="noStrike" cap="none" normalizeH="0" baseline="0" dirty="0" smtClean="0">
+                <a:ln>
+                  <a:noFill/>
+                </a:ln>
+                <a:solidFill>
+                  <a:srgbClr val="008000"/>
+                </a:solidFill>
+                <a:effectLst/>
+                <a:latin typeface="Consolas" panose="020B0609020204030204" pitchFamily="49" charset="0"/>
+              </a:rPr>
+              <a:t>"</a:t>
+            </a:r>
+            <a:r>
+              <a:rPr kumimoji="0" lang="cs-CZ" altLang="cs-CZ" sz="1600" b="1" i="0" u="none" strike="noStrike" cap="none" normalizeH="0" baseline="0" dirty="0" err="1" smtClean="0">
+                <a:ln>
+                  <a:noFill/>
+                </a:ln>
+                <a:solidFill>
+                  <a:srgbClr val="008000"/>
+                </a:solidFill>
+                <a:effectLst/>
+                <a:latin typeface="Consolas" panose="020B0609020204030204" pitchFamily="49" charset="0"/>
+              </a:rPr>
+              <a:t>Viacom</a:t>
+            </a:r>
+            <a:r>
+              <a:rPr kumimoji="0" lang="cs-CZ" altLang="cs-CZ" sz="1600" b="1" i="0" u="none" strike="noStrike" cap="none" normalizeH="0" baseline="0" dirty="0" smtClean="0">
+                <a:ln>
+                  <a:noFill/>
+                </a:ln>
+                <a:solidFill>
+                  <a:srgbClr val="008000"/>
+                </a:solidFill>
+                <a:effectLst/>
+                <a:latin typeface="Consolas" panose="020B0609020204030204" pitchFamily="49" charset="0"/>
+              </a:rPr>
+              <a:t>"</a:t>
+            </a:r>
+            <a:br>
+              <a:rPr kumimoji="0" lang="cs-CZ" altLang="cs-CZ" sz="1600" b="1" i="0" u="none" strike="noStrike" cap="none" normalizeH="0" baseline="0" dirty="0" smtClean="0">
+                <a:ln>
+                  <a:noFill/>
+                </a:ln>
+                <a:solidFill>
+                  <a:srgbClr val="008000"/>
+                </a:solidFill>
+                <a:effectLst/>
+                <a:latin typeface="Consolas" panose="020B0609020204030204" pitchFamily="49" charset="0"/>
+              </a:rPr>
+            </a:br>
+            <a:r>
+              <a:rPr kumimoji="0" lang="cs-CZ" altLang="cs-CZ" sz="1600" b="1" i="0" u="none" strike="noStrike" cap="none" normalizeH="0" baseline="0" dirty="0" smtClean="0">
+                <a:ln>
+                  <a:noFill/>
+                </a:ln>
+                <a:solidFill>
+                  <a:srgbClr val="008000"/>
+                </a:solidFill>
+                <a:effectLst/>
+                <a:latin typeface="Consolas" panose="020B0609020204030204" pitchFamily="49" charset="0"/>
+              </a:rPr>
+              <a:t>    </a:t>
+            </a:r>
+            <a:r>
+              <a:rPr kumimoji="0" lang="cs-CZ" altLang="cs-CZ" sz="1600" b="0" i="0" u="none" strike="noStrike" cap="none" normalizeH="0" baseline="0" dirty="0" smtClean="0">
+                <a:ln>
+                  <a:noFill/>
+                </a:ln>
+                <a:solidFill>
+                  <a:srgbClr val="000000"/>
+                </a:solidFill>
+                <a:effectLst/>
+                <a:latin typeface="Consolas" panose="020B0609020204030204" pitchFamily="49" charset="0"/>
+              </a:rPr>
+              <a:t>hobby = </a:t>
+            </a:r>
+            <a:r>
+              <a:rPr kumimoji="0" lang="cs-CZ" altLang="cs-CZ" sz="1600" b="1" i="0" u="none" strike="noStrike" cap="none" normalizeH="0" baseline="0" dirty="0" smtClean="0">
+                <a:ln>
+                  <a:noFill/>
+                </a:ln>
+                <a:solidFill>
+                  <a:srgbClr val="008000"/>
+                </a:solidFill>
+                <a:effectLst/>
+                <a:latin typeface="Consolas" panose="020B0609020204030204" pitchFamily="49" charset="0"/>
+              </a:rPr>
+              <a:t>"</a:t>
+            </a:r>
+            <a:r>
+              <a:rPr kumimoji="0" lang="cs-CZ" altLang="cs-CZ" sz="1600" b="1" i="0" u="none" strike="noStrike" cap="none" normalizeH="0" baseline="0" dirty="0" err="1" smtClean="0">
+                <a:ln>
+                  <a:noFill/>
+                </a:ln>
+                <a:solidFill>
+                  <a:srgbClr val="008000"/>
+                </a:solidFill>
+                <a:effectLst/>
+                <a:latin typeface="Consolas" panose="020B0609020204030204" pitchFamily="49" charset="0"/>
+              </a:rPr>
+              <a:t>losing</a:t>
+            </a:r>
+            <a:r>
+              <a:rPr kumimoji="0" lang="cs-CZ" altLang="cs-CZ" sz="1600" b="1" i="0" u="none" strike="noStrike" cap="none" normalizeH="0" baseline="0" dirty="0" smtClean="0">
+                <a:ln>
+                  <a:noFill/>
+                </a:ln>
+                <a:solidFill>
+                  <a:srgbClr val="008000"/>
+                </a:solidFill>
+                <a:effectLst/>
+                <a:latin typeface="Consolas" panose="020B0609020204030204" pitchFamily="49" charset="0"/>
+              </a:rPr>
+              <a:t> in ping pong"</a:t>
+            </a:r>
+            <a:br>
+              <a:rPr kumimoji="0" lang="cs-CZ" altLang="cs-CZ" sz="1600" b="1" i="0" u="none" strike="noStrike" cap="none" normalizeH="0" baseline="0" dirty="0" smtClean="0">
+                <a:ln>
+                  <a:noFill/>
+                </a:ln>
+                <a:solidFill>
+                  <a:srgbClr val="008000"/>
+                </a:solidFill>
+                <a:effectLst/>
+                <a:latin typeface="Consolas" panose="020B0609020204030204" pitchFamily="49" charset="0"/>
+              </a:rPr>
+            </a:br>
+            <a:r>
+              <a:rPr kumimoji="0" lang="cs-CZ" altLang="cs-CZ" sz="1600" b="1" i="0" u="none" strike="noStrike" cap="none" normalizeH="0" baseline="0" dirty="0" smtClean="0">
+                <a:ln>
+                  <a:noFill/>
+                </a:ln>
+                <a:solidFill>
+                  <a:srgbClr val="000000"/>
+                </a:solidFill>
+                <a:effectLst/>
+                <a:latin typeface="Consolas" panose="020B0609020204030204" pitchFamily="49" charset="0"/>
+              </a:rPr>
+              <a:t>}</a:t>
+            </a:r>
+            <a:endParaRPr kumimoji="0" lang="cs-CZ" altLang="cs-CZ" sz="1600" b="0" i="0" u="none" strike="noStrike" cap="none" normalizeH="0" baseline="0" dirty="0" smtClean="0">
+              <a:ln>
+                <a:noFill/>
+              </a:ln>
+              <a:solidFill>
+                <a:schemeClr val="tx1"/>
+              </a:solidFill>
+              <a:effectLst/>
+              <a:latin typeface="Arial" panose="020B0604020202020204" pitchFamily="34" charset="0"/>
+            </a:endParaRPr>
+          </a:p>
+        </p:txBody>
+      </p:sp>
+    </p:spTree>
+    <p:extLst>
+      <p:ext uri="{BB962C8B-B14F-4D97-AF65-F5344CB8AC3E}">
+        <p14:creationId xmlns:p14="http://schemas.microsoft.com/office/powerpoint/2010/main" val="3777488583"/>
+      </p:ext>
+    </p:extLst>
+  </p:cSld>
+  <p:clrMapOvr>
+    <a:masterClrMapping/>
+  </p:clrMapOvr>
+  <p:timing>
+    <p:tnLst>
+      <p:par>
+        <p:cTn id="1" dur="indefinite" restart="never" nodeType="tmRoot">
+          <p:childTnLst>
+            <p:seq concurrent="1" nextAc="seek">
+              <p:cTn id="2" dur="indefinite" nodeType="mainSeq">
+                <p:childTnLst>
+                  <p:par>
+                    <p:cTn id="3" fill="hold">
+                      <p:stCondLst>
+                        <p:cond delay="indefinite"/>
+                      </p:stCondLst>
+                      <p:childTnLst>
+                        <p:par>
+                          <p:cTn id="4" fill="hold">
+                            <p:stCondLst>
+                              <p:cond delay="0"/>
+                            </p:stCondLst>
+                            <p:childTnLst>
+                              <p:par>
+                                <p:cTn id="5" presetID="10" presetClass="entr" presetSubtype="0" fill="hold" nodeType="clickEffect">
+                                  <p:stCondLst>
+                                    <p:cond delay="0"/>
+                                  </p:stCondLst>
+                                  <p:childTnLst>
+                                    <p:set>
+                                      <p:cBhvr>
+                                        <p:cTn id="6" dur="1" fill="hold">
+                                          <p:stCondLst>
+                                            <p:cond delay="0"/>
+                                          </p:stCondLst>
+                                        </p:cTn>
+                                        <p:tgtEl>
+                                          <p:spTgt spid="3">
+                                            <p:txEl>
+                                              <p:pRg st="0" end="0"/>
+                                            </p:txEl>
+                                          </p:spTgt>
+                                        </p:tgtEl>
+                                        <p:attrNameLst>
+                                          <p:attrName>style.visibility</p:attrName>
+                                        </p:attrNameLst>
+                                      </p:cBhvr>
+                                      <p:to>
+                                        <p:strVal val="visible"/>
+                                      </p:to>
+                                    </p:set>
+                                    <p:animEffect transition="in" filter="fade">
+                                      <p:cBhvr>
+                                        <p:cTn id="7" dur="500"/>
+                                        <p:tgtEl>
+                                          <p:spTgt spid="3">
+                                            <p:txEl>
+                                              <p:pRg st="0" end="0"/>
+                                            </p:txEl>
+                                          </p:spTgt>
+                                        </p:tgtEl>
+                                      </p:cBhvr>
+                                    </p:animEffect>
+                                  </p:childTnLst>
+                                </p:cTn>
+                              </p:par>
+                            </p:childTnLst>
+                          </p:cTn>
+                        </p:par>
+                      </p:childTnLst>
+                    </p:cTn>
+                  </p:par>
+                  <p:par>
+                    <p:cTn id="8" fill="hold">
+                      <p:stCondLst>
+                        <p:cond delay="indefinite"/>
+                      </p:stCondLst>
+                      <p:childTnLst>
+                        <p:par>
+                          <p:cTn id="9" fill="hold">
+                            <p:stCondLst>
+                              <p:cond delay="0"/>
+                            </p:stCondLst>
+                            <p:childTnLst>
+                              <p:par>
+                                <p:cTn id="10" presetID="10" presetClass="entr" presetSubtype="0" fill="hold" grpId="0" nodeType="clickEffect">
+                                  <p:stCondLst>
+                                    <p:cond delay="0"/>
+                                  </p:stCondLst>
+                                  <p:childTnLst>
+                                    <p:set>
+                                      <p:cBhvr>
+                                        <p:cTn id="11" dur="1" fill="hold">
+                                          <p:stCondLst>
+                                            <p:cond delay="0"/>
+                                          </p:stCondLst>
+                                        </p:cTn>
+                                        <p:tgtEl>
+                                          <p:spTgt spid="4"/>
+                                        </p:tgtEl>
+                                        <p:attrNameLst>
+                                          <p:attrName>style.visibility</p:attrName>
+                                        </p:attrNameLst>
+                                      </p:cBhvr>
+                                      <p:to>
+                                        <p:strVal val="visible"/>
+                                      </p:to>
+                                    </p:set>
+                                    <p:animEffect transition="in" filter="fade">
+                                      <p:cBhvr>
+                                        <p:cTn id="12" dur="500"/>
+                                        <p:tgtEl>
+                                          <p:spTgt spid="4"/>
+                                        </p:tgtEl>
+                                      </p:cBhvr>
+                                    </p:animEffect>
+                                  </p:childTnLst>
+                                </p:cTn>
+                              </p:par>
+                            </p:childTnLst>
+                          </p:cTn>
+                        </p:par>
+                      </p:childTnLst>
+                    </p:cTn>
+                  </p:par>
+                  <p:par>
+                    <p:cTn id="13" fill="hold">
+                      <p:stCondLst>
+                        <p:cond delay="indefinite"/>
+                      </p:stCondLst>
+                      <p:childTnLst>
+                        <p:par>
+                          <p:cTn id="14" fill="hold">
+                            <p:stCondLst>
+                              <p:cond delay="0"/>
+                            </p:stCondLst>
+                            <p:childTnLst>
+                              <p:par>
+                                <p:cTn id="15" presetID="10" presetClass="entr" presetSubtype="0" fill="hold" grpId="0" nodeType="clickEffect">
+                                  <p:stCondLst>
+                                    <p:cond delay="0"/>
+                                  </p:stCondLst>
+                                  <p:childTnLst>
+                                    <p:set>
+                                      <p:cBhvr>
+                                        <p:cTn id="16" dur="1" fill="hold">
+                                          <p:stCondLst>
+                                            <p:cond delay="0"/>
+                                          </p:stCondLst>
+                                        </p:cTn>
+                                        <p:tgtEl>
+                                          <p:spTgt spid="5"/>
+                                        </p:tgtEl>
+                                        <p:attrNameLst>
+                                          <p:attrName>style.visibility</p:attrName>
+                                        </p:attrNameLst>
+                                      </p:cBhvr>
+                                      <p:to>
+                                        <p:strVal val="visible"/>
+                                      </p:to>
+                                    </p:set>
+                                    <p:animEffect transition="in" filter="fade">
+                                      <p:cBhvr>
+                                        <p:cTn id="17" dur="500"/>
+                                        <p:tgtEl>
+                                          <p:spTgt spid="5"/>
+                                        </p:tgtEl>
+                                      </p:cBhvr>
+                                    </p:animEffect>
+                                  </p:childTnLst>
+                                </p:cTn>
+                              </p:par>
+                            </p:childTnLst>
+                          </p:cTn>
+                        </p:par>
+                      </p:childTnLst>
+                    </p:cTn>
+                  </p:par>
+                </p:childTnLst>
+              </p:cTn>
+              <p:prevCondLst>
+                <p:cond evt="onPrev" delay="0">
+                  <p:tgtEl>
+                    <p:sldTgt/>
+                  </p:tgtEl>
+                </p:cond>
+              </p:prevCondLst>
+              <p:nextCondLst>
+                <p:cond evt="onNext" delay="0">
+                  <p:tgtEl>
+                    <p:sldTgt/>
+                  </p:tgtEl>
+                </p:cond>
+              </p:nextCondLst>
+            </p:seq>
+          </p:childTnLst>
+        </p:cTn>
+      </p:par>
+    </p:tnLst>
+    <p:bldLst>
+      <p:bldP spid="4" grpId="0" animBg="1"/>
+      <p:bldP spid="5" grpId="0" animBg="1"/>
+    </p:bldLst>
+  </p:timing>
+</p:sld>
+</file>
+
+<file path=ppt/slides/slide12.xml><?xml version="1.0" encoding="utf-8"?>
+<p:sld xmlns:a="http://schemas.openxmlformats.org/drawingml/2006/main" xmlns:r="http://schemas.openxmlformats.org/officeDocument/2006/relationships" xmlns:p="http://schemas.openxmlformats.org/presentationml/2006/main">
+  <p:cSld>
+    <p:spTree>
+      <p:nvGrpSpPr>
+        <p:cNvPr id="1" name=""/>
+        <p:cNvGrpSpPr/>
+        <p:nvPr/>
+      </p:nvGrpSpPr>
+      <p:grpSpPr>
+        <a:xfrm>
+          <a:off x="0" y="0"/>
+          <a:ext cx="0" cy="0"/>
+          <a:chOff x="0" y="0"/>
+          <a:chExt cx="0" cy="0"/>
+        </a:xfrm>
+      </p:grpSpPr>
+      <p:sp>
+        <p:nvSpPr>
+          <p:cNvPr id="2" name="Nadpis 1"/>
+          <p:cNvSpPr>
+            <a:spLocks noGrp="1"/>
+          </p:cNvSpPr>
+          <p:nvPr>
+            <p:ph type="title"/>
+          </p:nvPr>
+        </p:nvSpPr>
+        <p:spPr/>
+        <p:txBody>
+          <a:bodyPr/>
+          <a:lstStyle/>
+          <a:p>
+            <a:r>
+              <a:rPr lang="cs-CZ" dirty="0" err="1" smtClean="0"/>
+              <a:t>Typical</a:t>
+            </a:r>
+            <a:r>
+              <a:rPr lang="cs-CZ" dirty="0" smtClean="0"/>
+              <a:t> </a:t>
+            </a:r>
+            <a:r>
+              <a:rPr lang="cs-CZ" dirty="0" err="1" smtClean="0"/>
+              <a:t>usecase</a:t>
+            </a:r>
+            <a:r>
+              <a:rPr lang="cs-CZ" dirty="0" smtClean="0"/>
+              <a:t/>
+            </a:r>
+            <a:br>
+              <a:rPr lang="cs-CZ" dirty="0" smtClean="0"/>
+            </a:br>
+            <a:r>
+              <a:rPr lang="cs-CZ" dirty="0" smtClean="0"/>
+              <a:t>- </a:t>
+            </a:r>
+            <a:r>
+              <a:rPr lang="cs-CZ" dirty="0" err="1" smtClean="0"/>
+              <a:t>also</a:t>
+            </a:r>
+            <a:r>
+              <a:rPr lang="cs-CZ" dirty="0" smtClean="0"/>
+              <a:t>()</a:t>
+            </a:r>
+            <a:endParaRPr lang="cs-CZ" dirty="0"/>
+          </a:p>
+        </p:txBody>
+      </p:sp>
+      <p:sp>
+        <p:nvSpPr>
+          <p:cNvPr id="3" name="Zástupný symbol pro text 2"/>
+          <p:cNvSpPr>
+            <a:spLocks noGrp="1"/>
+          </p:cNvSpPr>
+          <p:nvPr>
+            <p:ph type="body" sz="quarter" idx="13"/>
+          </p:nvPr>
+        </p:nvSpPr>
+        <p:spPr>
+          <a:xfrm>
+            <a:off x="323528" y="1412777"/>
+            <a:ext cx="7560840" cy="432047"/>
+          </a:xfrm>
+        </p:spPr>
+        <p:txBody>
+          <a:bodyPr/>
+          <a:lstStyle/>
+          <a:p>
+            <a:r>
+              <a:rPr lang="cs-CZ" dirty="0" smtClean="0"/>
+              <a:t>Vedlejší efekty při zřetězených voláních</a:t>
+            </a:r>
+            <a:endParaRPr lang="cs-CZ" dirty="0"/>
+          </a:p>
+        </p:txBody>
+      </p:sp>
+      <p:sp>
+        <p:nvSpPr>
+          <p:cNvPr id="4" name="Rectangle 1"/>
+          <p:cNvSpPr>
+            <a:spLocks noChangeArrowheads="1"/>
+          </p:cNvSpPr>
+          <p:nvPr/>
+        </p:nvSpPr>
+        <p:spPr bwMode="auto">
+          <a:xfrm>
+            <a:off x="323528" y="2416596"/>
+            <a:ext cx="5112568" cy="830997"/>
+          </a:xfrm>
+          <a:prstGeom prst="rect">
+            <a:avLst/>
+          </a:prstGeom>
+          <a:solidFill>
+            <a:srgbClr val="FFFFFF"/>
+          </a:solidFill>
+          <a:ln>
+            <a:noFill/>
+          </a:ln>
+          <a:effectLst/>
+          <a:extLst>
+            <a:ext uri="{91240B29-F687-4F45-9708-019B960494DF}">
+              <a14:hiddenLine xmlns:a14="http://schemas.microsoft.com/office/drawing/2010/main" w="9525">
+                <a:solidFill>
+                  <a:schemeClr val="tx1"/>
+                </a:solidFill>
+                <a:miter lim="800000"/>
+                <a:headEnd/>
+                <a:tailEnd/>
+              </a14:hiddenLine>
+            </a:ext>
+            <a:ext uri="{AF507438-7753-43E0-B8FC-AC1667EBCBE1}">
+              <a14:hiddenEffects xmlns:a14="http://schemas.microsoft.com/office/drawing/2010/main">
+                <a:effectLst>
+                  <a:outerShdw dist="35921" dir="2700000" algn="ctr" rotWithShape="0">
+                    <a:schemeClr val="bg2"/>
+                  </a:outerShdw>
+                </a:effectLst>
+              </a14:hiddenEffects>
+            </a:ext>
+          </a:extLst>
+        </p:spPr>
+        <p:txBody>
+          <a:bodyPr vert="horz" wrap="square" lIns="91440" tIns="45720" rIns="91440" bIns="45720" numCol="1" anchor="ctr" anchorCtr="0" compatLnSpc="1">
+            <a:prstTxWarp prst="textNoShape">
+              <a:avLst/>
+            </a:prstTxWarp>
+            <a:spAutoFit/>
+          </a:bodyPr>
+          <a:lstStyle/>
+          <a:p>
+            <a:pPr marL="0" marR="0" lvl="0" indent="0" algn="l" defTabSz="914400" rtl="0" eaLnBrk="0" fontAlgn="base" latinLnBrk="0" hangingPunct="0">
+              <a:lnSpc>
+                <a:spcPct val="100000"/>
+              </a:lnSpc>
+              <a:spcBef>
+                <a:spcPct val="0"/>
+              </a:spcBef>
+              <a:spcAft>
+                <a:spcPct val="0"/>
+              </a:spcAft>
+              <a:buClrTx/>
+              <a:buSzTx/>
+              <a:buFontTx/>
+              <a:buNone/>
+              <a:tabLst/>
+            </a:pPr>
+            <a:r>
+              <a:rPr kumimoji="0" lang="cs-CZ" altLang="cs-CZ" sz="1600" b="1" i="0" u="none" strike="noStrike" cap="none" normalizeH="0" baseline="0" dirty="0" smtClean="0">
+                <a:ln>
+                  <a:noFill/>
+                </a:ln>
+                <a:solidFill>
+                  <a:srgbClr val="000080"/>
+                </a:solidFill>
+                <a:effectLst/>
+                <a:latin typeface="Consolas" panose="020B0609020204030204" pitchFamily="49" charset="0"/>
+              </a:rPr>
+              <a:t>val </a:t>
+            </a:r>
+            <a:r>
+              <a:rPr kumimoji="0" lang="cs-CZ" altLang="cs-CZ" sz="1600" b="0" i="0" u="none" strike="noStrike" cap="none" normalizeH="0" baseline="0" dirty="0" err="1" smtClean="0">
+                <a:ln>
+                  <a:noFill/>
+                </a:ln>
+                <a:solidFill>
+                  <a:srgbClr val="000000"/>
+                </a:solidFill>
+                <a:effectLst/>
+                <a:latin typeface="Consolas" panose="020B0609020204030204" pitchFamily="49" charset="0"/>
+              </a:rPr>
+              <a:t>rawData</a:t>
+            </a:r>
+            <a:r>
+              <a:rPr kumimoji="0" lang="cs-CZ" altLang="cs-CZ" sz="1600" b="0" i="0" u="none" strike="noStrike" cap="none" normalizeH="0" baseline="0" dirty="0" smtClean="0">
+                <a:ln>
+                  <a:noFill/>
+                </a:ln>
+                <a:solidFill>
+                  <a:srgbClr val="000000"/>
+                </a:solidFill>
+                <a:effectLst/>
+                <a:latin typeface="Consolas" panose="020B0609020204030204" pitchFamily="49" charset="0"/>
+              </a:rPr>
+              <a:t> = </a:t>
+            </a:r>
+            <a:r>
+              <a:rPr kumimoji="0" lang="cs-CZ" altLang="cs-CZ" sz="1600" b="0" i="0" u="none" strike="noStrike" cap="none" normalizeH="0" baseline="0" dirty="0" err="1" smtClean="0">
+                <a:ln>
+                  <a:noFill/>
+                </a:ln>
+                <a:solidFill>
+                  <a:srgbClr val="000000"/>
+                </a:solidFill>
+                <a:effectLst/>
+                <a:latin typeface="Consolas" panose="020B0609020204030204" pitchFamily="49" charset="0"/>
+              </a:rPr>
+              <a:t>api.getData</a:t>
+            </a:r>
+            <a:r>
+              <a:rPr kumimoji="0" lang="cs-CZ" altLang="cs-CZ" sz="1600" b="0" i="0" u="none" strike="noStrike" cap="none" normalizeH="0" baseline="0" dirty="0" smtClean="0">
+                <a:ln>
+                  <a:noFill/>
+                </a:ln>
+                <a:solidFill>
+                  <a:srgbClr val="000000"/>
+                </a:solidFill>
+                <a:effectLst/>
+                <a:latin typeface="Consolas" panose="020B0609020204030204" pitchFamily="49" charset="0"/>
+              </a:rPr>
+              <a:t>()</a:t>
+            </a:r>
+            <a:br>
+              <a:rPr kumimoji="0" lang="cs-CZ" altLang="cs-CZ" sz="1600" b="0" i="0" u="none" strike="noStrike" cap="none" normalizeH="0" baseline="0" dirty="0" smtClean="0">
+                <a:ln>
+                  <a:noFill/>
+                </a:ln>
+                <a:solidFill>
+                  <a:srgbClr val="000000"/>
+                </a:solidFill>
+                <a:effectLst/>
+                <a:latin typeface="Consolas" panose="020B0609020204030204" pitchFamily="49" charset="0"/>
+              </a:rPr>
+            </a:br>
+            <a:r>
+              <a:rPr kumimoji="0" lang="cs-CZ" altLang="cs-CZ" sz="1600" b="0" i="0" u="none" strike="noStrike" cap="none" normalizeH="0" baseline="0" dirty="0" err="1" smtClean="0">
+                <a:ln>
+                  <a:noFill/>
+                </a:ln>
+                <a:solidFill>
+                  <a:srgbClr val="000000"/>
+                </a:solidFill>
+                <a:effectLst/>
+                <a:latin typeface="Consolas" panose="020B0609020204030204" pitchFamily="49" charset="0"/>
+              </a:rPr>
+              <a:t>Log.debug</a:t>
+            </a:r>
+            <a:r>
+              <a:rPr kumimoji="0" lang="cs-CZ" altLang="cs-CZ" sz="1600" b="0" i="0" u="none" strike="noStrike" cap="none" normalizeH="0" baseline="0" dirty="0" smtClean="0">
+                <a:ln>
+                  <a:noFill/>
+                </a:ln>
+                <a:solidFill>
+                  <a:srgbClr val="000000"/>
+                </a:solidFill>
+                <a:effectLst/>
+                <a:latin typeface="Consolas" panose="020B0609020204030204" pitchFamily="49" charset="0"/>
+              </a:rPr>
+              <a:t>(</a:t>
+            </a:r>
+            <a:r>
+              <a:rPr kumimoji="0" lang="cs-CZ" altLang="cs-CZ" sz="1600" b="0" i="0" u="none" strike="noStrike" cap="none" normalizeH="0" baseline="0" dirty="0" err="1" smtClean="0">
+                <a:ln>
+                  <a:noFill/>
+                </a:ln>
+                <a:solidFill>
+                  <a:srgbClr val="000000"/>
+                </a:solidFill>
+                <a:effectLst/>
+                <a:latin typeface="Consolas" panose="020B0609020204030204" pitchFamily="49" charset="0"/>
+              </a:rPr>
+              <a:t>rawData</a:t>
+            </a:r>
+            <a:r>
+              <a:rPr kumimoji="0" lang="cs-CZ" altLang="cs-CZ" sz="1600" b="0" i="0" u="none" strike="noStrike" cap="none" normalizeH="0" baseline="0" dirty="0" smtClean="0">
+                <a:ln>
+                  <a:noFill/>
+                </a:ln>
+                <a:solidFill>
+                  <a:srgbClr val="000000"/>
+                </a:solidFill>
+                <a:effectLst/>
+                <a:latin typeface="Consolas" panose="020B0609020204030204" pitchFamily="49" charset="0"/>
+              </a:rPr>
+              <a:t>)</a:t>
+            </a:r>
+            <a:br>
+              <a:rPr kumimoji="0" lang="cs-CZ" altLang="cs-CZ" sz="1600" b="0" i="0" u="none" strike="noStrike" cap="none" normalizeH="0" baseline="0" dirty="0" smtClean="0">
+                <a:ln>
+                  <a:noFill/>
+                </a:ln>
+                <a:solidFill>
+                  <a:srgbClr val="000000"/>
+                </a:solidFill>
+                <a:effectLst/>
+                <a:latin typeface="Consolas" panose="020B0609020204030204" pitchFamily="49" charset="0"/>
+              </a:rPr>
+            </a:br>
+            <a:r>
+              <a:rPr kumimoji="0" lang="cs-CZ" altLang="cs-CZ" sz="1600" b="0" i="0" u="none" strike="noStrike" cap="none" normalizeH="0" baseline="0" dirty="0" err="1" smtClean="0">
+                <a:ln>
+                  <a:noFill/>
+                </a:ln>
+                <a:solidFill>
+                  <a:srgbClr val="000000"/>
+                </a:solidFill>
+                <a:effectLst/>
+                <a:latin typeface="Consolas" panose="020B0609020204030204" pitchFamily="49" charset="0"/>
+              </a:rPr>
+              <a:t>rawData.map</a:t>
+            </a:r>
+            <a:r>
+              <a:rPr kumimoji="0" lang="cs-CZ" altLang="cs-CZ" sz="1600" b="0" i="0" u="none" strike="noStrike" cap="none" normalizeH="0" baseline="0" dirty="0" smtClean="0">
+                <a:ln>
+                  <a:noFill/>
+                </a:ln>
+                <a:solidFill>
+                  <a:srgbClr val="000000"/>
+                </a:solidFill>
+                <a:effectLst/>
+                <a:latin typeface="Consolas" panose="020B0609020204030204" pitchFamily="49" charset="0"/>
+              </a:rPr>
+              <a:t> </a:t>
+            </a:r>
+            <a:r>
+              <a:rPr kumimoji="0" lang="cs-CZ" altLang="cs-CZ" sz="1600" b="1" i="0" u="none" strike="noStrike" cap="none" normalizeH="0" baseline="0" dirty="0" smtClean="0">
+                <a:ln>
+                  <a:noFill/>
+                </a:ln>
+                <a:solidFill>
+                  <a:srgbClr val="000000"/>
+                </a:solidFill>
+                <a:effectLst/>
+                <a:latin typeface="Consolas" panose="020B0609020204030204" pitchFamily="49" charset="0"/>
+              </a:rPr>
+              <a:t>{  </a:t>
+            </a:r>
+            <a:r>
+              <a:rPr kumimoji="0" lang="cs-CZ" altLang="cs-CZ" sz="1600" b="0" i="1" u="none" strike="noStrike" cap="none" normalizeH="0" baseline="0" dirty="0" smtClean="0">
+                <a:ln>
+                  <a:noFill/>
+                </a:ln>
+                <a:solidFill>
+                  <a:srgbClr val="808080"/>
+                </a:solidFill>
+                <a:effectLst/>
+                <a:latin typeface="Consolas" panose="020B0609020204030204" pitchFamily="49" charset="0"/>
+              </a:rPr>
+              <a:t>/** </a:t>
+            </a:r>
+            <a:r>
+              <a:rPr kumimoji="0" lang="cs-CZ" altLang="cs-CZ" sz="1600" b="0" i="1" u="none" strike="noStrike" cap="none" normalizeH="0" baseline="0" dirty="0" err="1" smtClean="0">
+                <a:ln>
+                  <a:noFill/>
+                </a:ln>
+                <a:solidFill>
+                  <a:srgbClr val="808080"/>
+                </a:solidFill>
+                <a:effectLst/>
+                <a:latin typeface="Consolas" panose="020B0609020204030204" pitchFamily="49" charset="0"/>
+              </a:rPr>
+              <a:t>other</a:t>
+            </a:r>
+            <a:r>
+              <a:rPr kumimoji="0" lang="cs-CZ" altLang="cs-CZ" sz="1600" b="0" i="1" u="none" strike="noStrike" cap="none" normalizeH="0" baseline="0" dirty="0" smtClean="0">
+                <a:ln>
+                  <a:noFill/>
+                </a:ln>
+                <a:solidFill>
+                  <a:srgbClr val="808080"/>
+                </a:solidFill>
+                <a:effectLst/>
+                <a:latin typeface="Consolas" panose="020B0609020204030204" pitchFamily="49" charset="0"/>
+              </a:rPr>
+              <a:t> </a:t>
+            </a:r>
+            <a:r>
+              <a:rPr kumimoji="0" lang="cs-CZ" altLang="cs-CZ" sz="1600" b="0" i="1" u="none" strike="noStrike" cap="none" normalizeH="0" baseline="0" dirty="0" err="1" smtClean="0">
+                <a:ln>
+                  <a:noFill/>
+                </a:ln>
+                <a:solidFill>
+                  <a:srgbClr val="808080"/>
+                </a:solidFill>
+                <a:effectLst/>
+                <a:latin typeface="Consolas" panose="020B0609020204030204" pitchFamily="49" charset="0"/>
+              </a:rPr>
+              <a:t>stuff</a:t>
+            </a:r>
+            <a:r>
+              <a:rPr kumimoji="0" lang="cs-CZ" altLang="cs-CZ" sz="1600" b="0" i="1" u="none" strike="noStrike" cap="none" normalizeH="0" baseline="0" dirty="0" smtClean="0">
+                <a:ln>
+                  <a:noFill/>
+                </a:ln>
+                <a:solidFill>
+                  <a:srgbClr val="808080"/>
+                </a:solidFill>
+                <a:effectLst/>
+                <a:latin typeface="Consolas" panose="020B0609020204030204" pitchFamily="49" charset="0"/>
+              </a:rPr>
+              <a:t> */  </a:t>
+            </a:r>
+            <a:r>
+              <a:rPr kumimoji="0" lang="cs-CZ" altLang="cs-CZ" sz="1600" b="1" i="0" u="none" strike="noStrike" cap="none" normalizeH="0" baseline="0" dirty="0" smtClean="0">
+                <a:ln>
+                  <a:noFill/>
+                </a:ln>
+                <a:solidFill>
+                  <a:srgbClr val="000000"/>
+                </a:solidFill>
+                <a:effectLst/>
+                <a:latin typeface="Consolas" panose="020B0609020204030204" pitchFamily="49" charset="0"/>
+              </a:rPr>
+              <a:t>}</a:t>
+            </a:r>
+            <a:endParaRPr kumimoji="0" lang="cs-CZ" altLang="cs-CZ" sz="1600" b="0" i="0" u="none" strike="noStrike" cap="none" normalizeH="0" baseline="0" dirty="0" smtClean="0">
+              <a:ln>
+                <a:noFill/>
+              </a:ln>
+              <a:solidFill>
+                <a:schemeClr val="tx1"/>
+              </a:solidFill>
+              <a:effectLst/>
+              <a:latin typeface="Arial" panose="020B0604020202020204" pitchFamily="34" charset="0"/>
+            </a:endParaRPr>
+          </a:p>
+        </p:txBody>
+      </p:sp>
+      <p:sp>
+        <p:nvSpPr>
+          <p:cNvPr id="5" name="Rectangle 2"/>
+          <p:cNvSpPr>
+            <a:spLocks noChangeArrowheads="1"/>
+          </p:cNvSpPr>
+          <p:nvPr/>
+        </p:nvSpPr>
+        <p:spPr bwMode="auto">
+          <a:xfrm>
+            <a:off x="323528" y="3819365"/>
+            <a:ext cx="4112023" cy="830997"/>
+          </a:xfrm>
+          <a:prstGeom prst="rect">
+            <a:avLst/>
+          </a:prstGeom>
+          <a:solidFill>
+            <a:srgbClr val="FFFFFF"/>
+          </a:solidFill>
+          <a:ln>
+            <a:noFill/>
+          </a:ln>
+          <a:effectLst/>
+          <a:extLst>
+            <a:ext uri="{91240B29-F687-4F45-9708-019B960494DF}">
+              <a14:hiddenLine xmlns:a14="http://schemas.microsoft.com/office/drawing/2010/main" w="9525">
+                <a:solidFill>
+                  <a:schemeClr val="tx1"/>
+                </a:solidFill>
+                <a:miter lim="800000"/>
+                <a:headEnd/>
+                <a:tailEnd/>
+              </a14:hiddenLine>
+            </a:ext>
+            <a:ext uri="{AF507438-7753-43E0-B8FC-AC1667EBCBE1}">
+              <a14:hiddenEffects xmlns:a14="http://schemas.microsoft.com/office/drawing/2010/main">
+                <a:effectLst>
+                  <a:outerShdw dist="35921" dir="2700000" algn="ctr" rotWithShape="0">
+                    <a:schemeClr val="bg2"/>
+                  </a:outerShdw>
+                </a:effectLst>
+              </a14:hiddenEffects>
+            </a:ext>
+          </a:extLst>
+        </p:spPr>
+        <p:txBody>
+          <a:bodyPr vert="horz" wrap="none" lIns="91440" tIns="45720" rIns="91440" bIns="45720" numCol="1" anchor="ctr" anchorCtr="0" compatLnSpc="1">
+            <a:prstTxWarp prst="textNoShape">
+              <a:avLst/>
+            </a:prstTxWarp>
+            <a:spAutoFit/>
+          </a:bodyPr>
+          <a:lstStyle/>
+          <a:p>
+            <a:pPr marL="0" marR="0" lvl="0" indent="0" algn="l" defTabSz="914400" rtl="0" eaLnBrk="0" fontAlgn="base" latinLnBrk="0" hangingPunct="0">
+              <a:lnSpc>
+                <a:spcPct val="100000"/>
+              </a:lnSpc>
+              <a:spcBef>
+                <a:spcPct val="0"/>
+              </a:spcBef>
+              <a:spcAft>
+                <a:spcPct val="0"/>
+              </a:spcAft>
+              <a:buClrTx/>
+              <a:buSzTx/>
+              <a:buFontTx/>
+              <a:buNone/>
+              <a:tabLst/>
+            </a:pPr>
+            <a:r>
+              <a:rPr kumimoji="0" lang="cs-CZ" altLang="cs-CZ" sz="1600" b="0" i="0" u="none" strike="noStrike" cap="none" normalizeH="0" baseline="0" dirty="0" err="1" smtClean="0">
+                <a:ln>
+                  <a:noFill/>
+                </a:ln>
+                <a:solidFill>
+                  <a:srgbClr val="000000"/>
+                </a:solidFill>
+                <a:effectLst/>
+                <a:latin typeface="Consolas" panose="020B0609020204030204" pitchFamily="49" charset="0"/>
+              </a:rPr>
+              <a:t>api.getData</a:t>
+            </a:r>
+            <a:r>
+              <a:rPr kumimoji="0" lang="cs-CZ" altLang="cs-CZ" sz="1600" b="0" i="0" u="none" strike="noStrike" cap="none" normalizeH="0" baseline="0" dirty="0" smtClean="0">
+                <a:ln>
+                  <a:noFill/>
+                </a:ln>
+                <a:solidFill>
+                  <a:srgbClr val="000000"/>
+                </a:solidFill>
+                <a:effectLst/>
+                <a:latin typeface="Consolas" panose="020B0609020204030204" pitchFamily="49" charset="0"/>
+              </a:rPr>
+              <a:t>()</a:t>
+            </a:r>
+            <a:br>
+              <a:rPr kumimoji="0" lang="cs-CZ" altLang="cs-CZ" sz="1600" b="0" i="0" u="none" strike="noStrike" cap="none" normalizeH="0" baseline="0" dirty="0" smtClean="0">
+                <a:ln>
+                  <a:noFill/>
+                </a:ln>
+                <a:solidFill>
+                  <a:srgbClr val="000000"/>
+                </a:solidFill>
+                <a:effectLst/>
+                <a:latin typeface="Consolas" panose="020B0609020204030204" pitchFamily="49" charset="0"/>
+              </a:rPr>
+            </a:br>
+            <a:r>
+              <a:rPr kumimoji="0" lang="cs-CZ" altLang="cs-CZ" sz="1600" b="0" i="0" u="none" strike="noStrike" cap="none" normalizeH="0" baseline="0" dirty="0" smtClean="0">
+                <a:ln>
+                  <a:noFill/>
+                </a:ln>
+                <a:solidFill>
+                  <a:srgbClr val="000000"/>
+                </a:solidFill>
+                <a:effectLst/>
+                <a:latin typeface="Consolas" panose="020B0609020204030204" pitchFamily="49" charset="0"/>
+              </a:rPr>
+              <a:t>        .</a:t>
+            </a:r>
+            <a:r>
+              <a:rPr kumimoji="0" lang="cs-CZ" altLang="cs-CZ" sz="1600" b="0" i="0" u="none" strike="noStrike" cap="none" normalizeH="0" baseline="0" dirty="0" err="1" smtClean="0">
+                <a:ln>
+                  <a:noFill/>
+                </a:ln>
+                <a:solidFill>
+                  <a:srgbClr val="000000"/>
+                </a:solidFill>
+                <a:effectLst/>
+                <a:latin typeface="Consolas" panose="020B0609020204030204" pitchFamily="49" charset="0"/>
+              </a:rPr>
+              <a:t>also</a:t>
+            </a:r>
+            <a:r>
+              <a:rPr kumimoji="0" lang="cs-CZ" altLang="cs-CZ" sz="1600" b="0" i="0" u="none" strike="noStrike" cap="none" normalizeH="0" baseline="0" dirty="0" smtClean="0">
+                <a:ln>
+                  <a:noFill/>
+                </a:ln>
+                <a:solidFill>
+                  <a:srgbClr val="000000"/>
+                </a:solidFill>
+                <a:effectLst/>
+                <a:latin typeface="Consolas" panose="020B0609020204030204" pitchFamily="49" charset="0"/>
+              </a:rPr>
+              <a:t> </a:t>
+            </a:r>
+            <a:r>
+              <a:rPr kumimoji="0" lang="cs-CZ" altLang="cs-CZ" sz="1600" b="1" i="0" u="none" strike="noStrike" cap="none" normalizeH="0" baseline="0" dirty="0" smtClean="0">
+                <a:ln>
+                  <a:noFill/>
+                </a:ln>
+                <a:solidFill>
+                  <a:srgbClr val="000000"/>
+                </a:solidFill>
+                <a:effectLst/>
+                <a:latin typeface="Consolas" panose="020B0609020204030204" pitchFamily="49" charset="0"/>
+              </a:rPr>
+              <a:t>{ </a:t>
+            </a:r>
+            <a:r>
+              <a:rPr kumimoji="0" lang="cs-CZ" altLang="cs-CZ" sz="1600" b="0" i="0" u="none" strike="noStrike" cap="none" normalizeH="0" baseline="0" dirty="0" err="1" smtClean="0">
+                <a:ln>
+                  <a:noFill/>
+                </a:ln>
+                <a:solidFill>
+                  <a:srgbClr val="000000"/>
+                </a:solidFill>
+                <a:effectLst/>
+                <a:latin typeface="Consolas" panose="020B0609020204030204" pitchFamily="49" charset="0"/>
+              </a:rPr>
+              <a:t>Log.debug</a:t>
+            </a:r>
+            <a:r>
+              <a:rPr kumimoji="0" lang="cs-CZ" altLang="cs-CZ" sz="1600" b="0" i="0" u="none" strike="noStrike" cap="none" normalizeH="0" baseline="0" dirty="0" smtClean="0">
+                <a:ln>
+                  <a:noFill/>
+                </a:ln>
+                <a:solidFill>
+                  <a:srgbClr val="000000"/>
+                </a:solidFill>
+                <a:effectLst/>
+                <a:latin typeface="Consolas" panose="020B0609020204030204" pitchFamily="49" charset="0"/>
+              </a:rPr>
+              <a:t>(</a:t>
+            </a:r>
+            <a:r>
+              <a:rPr kumimoji="0" lang="cs-CZ" altLang="cs-CZ" sz="1600" b="0" i="0" u="none" strike="noStrike" cap="none" normalizeH="0" baseline="0" dirty="0" err="1" smtClean="0">
+                <a:ln>
+                  <a:noFill/>
+                </a:ln>
+                <a:solidFill>
+                  <a:srgbClr val="000000"/>
+                </a:solidFill>
+                <a:effectLst/>
+                <a:latin typeface="Consolas" panose="020B0609020204030204" pitchFamily="49" charset="0"/>
+              </a:rPr>
+              <a:t>it</a:t>
+            </a:r>
+            <a:r>
+              <a:rPr kumimoji="0" lang="cs-CZ" altLang="cs-CZ" sz="1600" b="0" i="0" u="none" strike="noStrike" cap="none" normalizeH="0" baseline="0" dirty="0" smtClean="0">
+                <a:ln>
+                  <a:noFill/>
+                </a:ln>
+                <a:solidFill>
+                  <a:srgbClr val="000000"/>
+                </a:solidFill>
+                <a:effectLst/>
+                <a:latin typeface="Consolas" panose="020B0609020204030204" pitchFamily="49" charset="0"/>
+              </a:rPr>
+              <a:t>) </a:t>
+            </a:r>
+            <a:r>
+              <a:rPr kumimoji="0" lang="cs-CZ" altLang="cs-CZ" sz="1600" b="1" i="0" u="none" strike="noStrike" cap="none" normalizeH="0" baseline="0" dirty="0" smtClean="0">
+                <a:ln>
+                  <a:noFill/>
+                </a:ln>
+                <a:solidFill>
+                  <a:srgbClr val="000000"/>
+                </a:solidFill>
+                <a:effectLst/>
+                <a:latin typeface="Consolas" panose="020B0609020204030204" pitchFamily="49" charset="0"/>
+              </a:rPr>
+              <a:t>}</a:t>
+            </a:r>
+            <a:br>
+              <a:rPr kumimoji="0" lang="cs-CZ" altLang="cs-CZ" sz="1600" b="1" i="0" u="none" strike="noStrike" cap="none" normalizeH="0" baseline="0" dirty="0" smtClean="0">
+                <a:ln>
+                  <a:noFill/>
+                </a:ln>
+                <a:solidFill>
+                  <a:srgbClr val="000000"/>
+                </a:solidFill>
+                <a:effectLst/>
+                <a:latin typeface="Consolas" panose="020B0609020204030204" pitchFamily="49" charset="0"/>
+              </a:rPr>
+            </a:br>
+            <a:r>
+              <a:rPr kumimoji="0" lang="cs-CZ" altLang="cs-CZ" sz="1600" b="1" i="0" u="none" strike="noStrike" cap="none" normalizeH="0" baseline="0" dirty="0" smtClean="0">
+                <a:ln>
+                  <a:noFill/>
+                </a:ln>
+                <a:solidFill>
+                  <a:srgbClr val="000000"/>
+                </a:solidFill>
+                <a:effectLst/>
+                <a:latin typeface="Consolas" panose="020B0609020204030204" pitchFamily="49" charset="0"/>
+              </a:rPr>
+              <a:t>        </a:t>
+            </a:r>
+            <a:r>
+              <a:rPr kumimoji="0" lang="cs-CZ" altLang="cs-CZ" sz="1600" b="0" i="0" u="none" strike="noStrike" cap="none" normalizeH="0" baseline="0" dirty="0" smtClean="0">
+                <a:ln>
+                  <a:noFill/>
+                </a:ln>
+                <a:solidFill>
+                  <a:srgbClr val="000000"/>
+                </a:solidFill>
+                <a:effectLst/>
+                <a:latin typeface="Consolas" panose="020B0609020204030204" pitchFamily="49" charset="0"/>
+              </a:rPr>
+              <a:t>.map </a:t>
+            </a:r>
+            <a:r>
+              <a:rPr kumimoji="0" lang="cs-CZ" altLang="cs-CZ" sz="1600" b="1" i="0" u="none" strike="noStrike" cap="none" normalizeH="0" baseline="0" dirty="0" smtClean="0">
+                <a:ln>
+                  <a:noFill/>
+                </a:ln>
+                <a:solidFill>
+                  <a:srgbClr val="000000"/>
+                </a:solidFill>
+                <a:effectLst/>
+                <a:latin typeface="Consolas" panose="020B0609020204030204" pitchFamily="49" charset="0"/>
+              </a:rPr>
+              <a:t>{ </a:t>
+            </a:r>
+            <a:r>
+              <a:rPr kumimoji="0" lang="cs-CZ" altLang="cs-CZ" sz="1600" b="0" i="1" u="none" strike="noStrike" cap="none" normalizeH="0" baseline="0" dirty="0" smtClean="0">
+                <a:ln>
+                  <a:noFill/>
+                </a:ln>
+                <a:solidFill>
+                  <a:srgbClr val="808080"/>
+                </a:solidFill>
+                <a:effectLst/>
+                <a:latin typeface="Consolas" panose="020B0609020204030204" pitchFamily="49" charset="0"/>
+              </a:rPr>
+              <a:t>/** </a:t>
+            </a:r>
+            <a:r>
+              <a:rPr kumimoji="0" lang="cs-CZ" altLang="cs-CZ" sz="1600" b="0" i="1" u="none" strike="noStrike" cap="none" normalizeH="0" baseline="0" dirty="0" err="1" smtClean="0">
+                <a:ln>
+                  <a:noFill/>
+                </a:ln>
+                <a:solidFill>
+                  <a:srgbClr val="808080"/>
+                </a:solidFill>
+                <a:effectLst/>
+                <a:latin typeface="Consolas" panose="020B0609020204030204" pitchFamily="49" charset="0"/>
+              </a:rPr>
+              <a:t>other</a:t>
+            </a:r>
+            <a:r>
+              <a:rPr kumimoji="0" lang="cs-CZ" altLang="cs-CZ" sz="1600" b="0" i="1" u="none" strike="noStrike" cap="none" normalizeH="0" baseline="0" dirty="0" smtClean="0">
+                <a:ln>
+                  <a:noFill/>
+                </a:ln>
+                <a:solidFill>
+                  <a:srgbClr val="808080"/>
+                </a:solidFill>
+                <a:effectLst/>
+                <a:latin typeface="Consolas" panose="020B0609020204030204" pitchFamily="49" charset="0"/>
+              </a:rPr>
+              <a:t> </a:t>
+            </a:r>
+            <a:r>
+              <a:rPr kumimoji="0" lang="cs-CZ" altLang="cs-CZ" sz="1600" b="0" i="1" u="none" strike="noStrike" cap="none" normalizeH="0" baseline="0" dirty="0" err="1" smtClean="0">
+                <a:ln>
+                  <a:noFill/>
+                </a:ln>
+                <a:solidFill>
+                  <a:srgbClr val="808080"/>
+                </a:solidFill>
+                <a:effectLst/>
+                <a:latin typeface="Consolas" panose="020B0609020204030204" pitchFamily="49" charset="0"/>
+              </a:rPr>
+              <a:t>stuff</a:t>
+            </a:r>
+            <a:r>
+              <a:rPr kumimoji="0" lang="cs-CZ" altLang="cs-CZ" sz="1600" b="0" i="1" u="none" strike="noStrike" cap="none" normalizeH="0" baseline="0" dirty="0" smtClean="0">
+                <a:ln>
+                  <a:noFill/>
+                </a:ln>
+                <a:solidFill>
+                  <a:srgbClr val="808080"/>
+                </a:solidFill>
+                <a:effectLst/>
+                <a:latin typeface="Consolas" panose="020B0609020204030204" pitchFamily="49" charset="0"/>
+              </a:rPr>
+              <a:t> */ </a:t>
+            </a:r>
+            <a:r>
+              <a:rPr kumimoji="0" lang="cs-CZ" altLang="cs-CZ" sz="1600" b="1" i="0" u="none" strike="noStrike" cap="none" normalizeH="0" baseline="0" dirty="0" smtClean="0">
+                <a:ln>
+                  <a:noFill/>
+                </a:ln>
+                <a:solidFill>
+                  <a:srgbClr val="000000"/>
+                </a:solidFill>
+                <a:effectLst/>
+                <a:latin typeface="Consolas" panose="020B0609020204030204" pitchFamily="49" charset="0"/>
+              </a:rPr>
+              <a:t>}</a:t>
+            </a:r>
+            <a:endParaRPr kumimoji="0" lang="cs-CZ" altLang="cs-CZ" sz="1600" b="0" i="0" u="none" strike="noStrike" cap="none" normalizeH="0" baseline="0" dirty="0" smtClean="0">
+              <a:ln>
+                <a:noFill/>
+              </a:ln>
+              <a:solidFill>
+                <a:schemeClr val="tx1"/>
+              </a:solidFill>
+              <a:effectLst/>
+              <a:latin typeface="Arial" panose="020B0604020202020204" pitchFamily="34" charset="0"/>
+            </a:endParaRPr>
+          </a:p>
+        </p:txBody>
+      </p:sp>
+    </p:spTree>
+    <p:extLst>
+      <p:ext uri="{BB962C8B-B14F-4D97-AF65-F5344CB8AC3E}">
+        <p14:creationId xmlns:p14="http://schemas.microsoft.com/office/powerpoint/2010/main" val="3070797006"/>
+      </p:ext>
+    </p:extLst>
+  </p:cSld>
+  <p:clrMapOvr>
+    <a:masterClrMapping/>
+  </p:clrMapOvr>
+  <p:timing>
+    <p:tnLst>
+      <p:par>
+        <p:cTn id="1" dur="indefinite" restart="never" nodeType="tmRoot">
+          <p:childTnLst>
+            <p:seq concurrent="1" nextAc="seek">
+              <p:cTn id="2" dur="indefinite" nodeType="mainSeq">
+                <p:childTnLst>
+                  <p:par>
+                    <p:cTn id="3" fill="hold">
+                      <p:stCondLst>
+                        <p:cond delay="indefinite"/>
+                      </p:stCondLst>
+                      <p:childTnLst>
+                        <p:par>
+                          <p:cTn id="4" fill="hold">
+                            <p:stCondLst>
+                              <p:cond delay="0"/>
+                            </p:stCondLst>
+                            <p:childTnLst>
+                              <p:par>
+                                <p:cTn id="5" presetID="10" presetClass="entr" presetSubtype="0" fill="hold" nodeType="clickEffect">
+                                  <p:stCondLst>
+                                    <p:cond delay="0"/>
+                                  </p:stCondLst>
+                                  <p:childTnLst>
+                                    <p:set>
+                                      <p:cBhvr>
+                                        <p:cTn id="6" dur="1" fill="hold">
+                                          <p:stCondLst>
+                                            <p:cond delay="0"/>
+                                          </p:stCondLst>
+                                        </p:cTn>
+                                        <p:tgtEl>
+                                          <p:spTgt spid="3">
+                                            <p:txEl>
+                                              <p:pRg st="0" end="0"/>
+                                            </p:txEl>
+                                          </p:spTgt>
+                                        </p:tgtEl>
+                                        <p:attrNameLst>
+                                          <p:attrName>style.visibility</p:attrName>
+                                        </p:attrNameLst>
+                                      </p:cBhvr>
+                                      <p:to>
+                                        <p:strVal val="visible"/>
+                                      </p:to>
+                                    </p:set>
+                                    <p:animEffect transition="in" filter="fade">
+                                      <p:cBhvr>
+                                        <p:cTn id="7" dur="500"/>
+                                        <p:tgtEl>
+                                          <p:spTgt spid="3">
+                                            <p:txEl>
+                                              <p:pRg st="0" end="0"/>
+                                            </p:txEl>
+                                          </p:spTgt>
+                                        </p:tgtEl>
+                                      </p:cBhvr>
+                                    </p:animEffect>
+                                  </p:childTnLst>
+                                </p:cTn>
+                              </p:par>
+                            </p:childTnLst>
+                          </p:cTn>
+                        </p:par>
+                      </p:childTnLst>
+                    </p:cTn>
+                  </p:par>
+                  <p:par>
+                    <p:cTn id="8" fill="hold">
+                      <p:stCondLst>
+                        <p:cond delay="indefinite"/>
+                      </p:stCondLst>
+                      <p:childTnLst>
+                        <p:par>
+                          <p:cTn id="9" fill="hold">
+                            <p:stCondLst>
+                              <p:cond delay="0"/>
+                            </p:stCondLst>
+                            <p:childTnLst>
+                              <p:par>
+                                <p:cTn id="10" presetID="10" presetClass="entr" presetSubtype="0" fill="hold" grpId="0" nodeType="clickEffect">
+                                  <p:stCondLst>
+                                    <p:cond delay="0"/>
+                                  </p:stCondLst>
+                                  <p:childTnLst>
+                                    <p:set>
+                                      <p:cBhvr>
+                                        <p:cTn id="11" dur="1" fill="hold">
+                                          <p:stCondLst>
+                                            <p:cond delay="0"/>
+                                          </p:stCondLst>
+                                        </p:cTn>
+                                        <p:tgtEl>
+                                          <p:spTgt spid="4"/>
+                                        </p:tgtEl>
+                                        <p:attrNameLst>
+                                          <p:attrName>style.visibility</p:attrName>
+                                        </p:attrNameLst>
+                                      </p:cBhvr>
+                                      <p:to>
+                                        <p:strVal val="visible"/>
+                                      </p:to>
+                                    </p:set>
+                                    <p:animEffect transition="in" filter="fade">
+                                      <p:cBhvr>
+                                        <p:cTn id="12" dur="500"/>
+                                        <p:tgtEl>
+                                          <p:spTgt spid="4"/>
+                                        </p:tgtEl>
+                                      </p:cBhvr>
+                                    </p:animEffect>
+                                  </p:childTnLst>
+                                </p:cTn>
+                              </p:par>
+                            </p:childTnLst>
+                          </p:cTn>
+                        </p:par>
+                      </p:childTnLst>
+                    </p:cTn>
+                  </p:par>
+                  <p:par>
+                    <p:cTn id="13" fill="hold">
+                      <p:stCondLst>
+                        <p:cond delay="indefinite"/>
+                      </p:stCondLst>
+                      <p:childTnLst>
+                        <p:par>
+                          <p:cTn id="14" fill="hold">
+                            <p:stCondLst>
+                              <p:cond delay="0"/>
+                            </p:stCondLst>
+                            <p:childTnLst>
+                              <p:par>
+                                <p:cTn id="15" presetID="10" presetClass="entr" presetSubtype="0" fill="hold" grpId="0" nodeType="clickEffect">
+                                  <p:stCondLst>
+                                    <p:cond delay="0"/>
+                                  </p:stCondLst>
+                                  <p:childTnLst>
+                                    <p:set>
+                                      <p:cBhvr>
+                                        <p:cTn id="16" dur="1" fill="hold">
+                                          <p:stCondLst>
+                                            <p:cond delay="0"/>
+                                          </p:stCondLst>
+                                        </p:cTn>
+                                        <p:tgtEl>
+                                          <p:spTgt spid="5"/>
+                                        </p:tgtEl>
+                                        <p:attrNameLst>
+                                          <p:attrName>style.visibility</p:attrName>
+                                        </p:attrNameLst>
+                                      </p:cBhvr>
+                                      <p:to>
+                                        <p:strVal val="visible"/>
+                                      </p:to>
+                                    </p:set>
+                                    <p:animEffect transition="in" filter="fade">
+                                      <p:cBhvr>
+                                        <p:cTn id="17" dur="500"/>
+                                        <p:tgtEl>
+                                          <p:spTgt spid="5"/>
+                                        </p:tgtEl>
+                                      </p:cBhvr>
+                                    </p:animEffect>
+                                  </p:childTnLst>
+                                </p:cTn>
+                              </p:par>
+                            </p:childTnLst>
+                          </p:cTn>
+                        </p:par>
+                      </p:childTnLst>
+                    </p:cTn>
+                  </p:par>
+                </p:childTnLst>
+              </p:cTn>
+              <p:prevCondLst>
+                <p:cond evt="onPrev" delay="0">
+                  <p:tgtEl>
+                    <p:sldTgt/>
+                  </p:tgtEl>
+                </p:cond>
+              </p:prevCondLst>
+              <p:nextCondLst>
+                <p:cond evt="onNext" delay="0">
+                  <p:tgtEl>
+                    <p:sldTgt/>
+                  </p:tgtEl>
+                </p:cond>
+              </p:nextCondLst>
+            </p:seq>
+          </p:childTnLst>
+        </p:cTn>
+      </p:par>
+    </p:tnLst>
+    <p:bldLst>
+      <p:bldP spid="4" grpId="0" animBg="1"/>
+      <p:bldP spid="5" grpId="0" animBg="1"/>
+    </p:bldLst>
+  </p:timing>
+</p:sld>
+</file>
+
+<file path=ppt/slides/slide13.xml><?xml version="1.0" encoding="utf-8"?>
+<p:sld xmlns:a="http://schemas.openxmlformats.org/drawingml/2006/main" xmlns:r="http://schemas.openxmlformats.org/officeDocument/2006/relationships" xmlns:p="http://schemas.openxmlformats.org/presentationml/2006/main">
+  <p:cSld>
+    <p:spTree>
+      <p:nvGrpSpPr>
+        <p:cNvPr id="1" name=""/>
+        <p:cNvGrpSpPr/>
+        <p:nvPr/>
+      </p:nvGrpSpPr>
+      <p:grpSpPr>
+        <a:xfrm>
+          <a:off x="0" y="0"/>
+          <a:ext cx="0" cy="0"/>
+          <a:chOff x="0" y="0"/>
+          <a:chExt cx="0" cy="0"/>
+        </a:xfrm>
+      </p:grpSpPr>
+      <p:sp>
+        <p:nvSpPr>
+          <p:cNvPr id="2" name="Nadpis 1"/>
+          <p:cNvSpPr>
+            <a:spLocks noGrp="1"/>
+          </p:cNvSpPr>
+          <p:nvPr>
+            <p:ph type="title"/>
+          </p:nvPr>
+        </p:nvSpPr>
+        <p:spPr/>
+        <p:txBody>
+          <a:bodyPr/>
+          <a:lstStyle/>
+          <a:p>
+            <a:r>
+              <a:rPr lang="cs-CZ" dirty="0" err="1" smtClean="0"/>
+              <a:t>Typical</a:t>
+            </a:r>
+            <a:r>
+              <a:rPr lang="cs-CZ" dirty="0" smtClean="0"/>
+              <a:t> </a:t>
+            </a:r>
+            <a:r>
+              <a:rPr lang="cs-CZ" dirty="0" err="1" smtClean="0"/>
+              <a:t>usecase</a:t>
+            </a:r>
+            <a:r>
+              <a:rPr lang="cs-CZ" dirty="0" smtClean="0"/>
+              <a:t/>
+            </a:r>
+            <a:br>
+              <a:rPr lang="cs-CZ" dirty="0" smtClean="0"/>
+            </a:br>
+            <a:r>
+              <a:rPr lang="cs-CZ" dirty="0" smtClean="0"/>
+              <a:t>- </a:t>
+            </a:r>
+            <a:r>
+              <a:rPr lang="cs-CZ" dirty="0" err="1" smtClean="0"/>
+              <a:t>with</a:t>
+            </a:r>
+            <a:r>
+              <a:rPr lang="cs-CZ" dirty="0" smtClean="0"/>
+              <a:t>()</a:t>
+            </a:r>
+            <a:endParaRPr lang="cs-CZ" dirty="0"/>
+          </a:p>
+        </p:txBody>
+      </p:sp>
+      <p:sp>
+        <p:nvSpPr>
+          <p:cNvPr id="3" name="Zástupný symbol pro text 2"/>
+          <p:cNvSpPr>
+            <a:spLocks noGrp="1"/>
+          </p:cNvSpPr>
+          <p:nvPr>
+            <p:ph type="body" sz="quarter" idx="13"/>
+          </p:nvPr>
+        </p:nvSpPr>
+        <p:spPr>
+          <a:xfrm>
+            <a:off x="323528" y="1412777"/>
+            <a:ext cx="7560840" cy="432047"/>
+          </a:xfrm>
+        </p:spPr>
+        <p:txBody>
+          <a:bodyPr/>
+          <a:lstStyle/>
+          <a:p>
+            <a:r>
+              <a:rPr lang="cs-CZ" dirty="0" smtClean="0"/>
+              <a:t>Logické seskupení volání operací na objektu</a:t>
+            </a:r>
+            <a:endParaRPr lang="cs-CZ" dirty="0"/>
+          </a:p>
+        </p:txBody>
+      </p:sp>
+      <p:sp>
+        <p:nvSpPr>
+          <p:cNvPr id="5" name="Rectangle 2"/>
+          <p:cNvSpPr>
+            <a:spLocks noChangeArrowheads="1"/>
+          </p:cNvSpPr>
+          <p:nvPr/>
+        </p:nvSpPr>
+        <p:spPr bwMode="auto">
+          <a:xfrm>
+            <a:off x="323528" y="2355766"/>
+            <a:ext cx="5971762" cy="830997"/>
+          </a:xfrm>
+          <a:prstGeom prst="rect">
+            <a:avLst/>
+          </a:prstGeom>
+          <a:solidFill>
+            <a:srgbClr val="FFFFFF"/>
+          </a:solidFill>
+          <a:ln>
+            <a:noFill/>
+          </a:ln>
+          <a:effectLst/>
+          <a:extLst>
+            <a:ext uri="{91240B29-F687-4F45-9708-019B960494DF}">
+              <a14:hiddenLine xmlns:a14="http://schemas.microsoft.com/office/drawing/2010/main" w="9525">
+                <a:solidFill>
+                  <a:schemeClr val="tx1"/>
+                </a:solidFill>
+                <a:miter lim="800000"/>
+                <a:headEnd/>
+                <a:tailEnd/>
+              </a14:hiddenLine>
+            </a:ext>
+            <a:ext uri="{AF507438-7753-43E0-B8FC-AC1667EBCBE1}">
+              <a14:hiddenEffects xmlns:a14="http://schemas.microsoft.com/office/drawing/2010/main">
+                <a:effectLst>
+                  <a:outerShdw dist="35921" dir="2700000" algn="ctr" rotWithShape="0">
+                    <a:schemeClr val="bg2"/>
+                  </a:outerShdw>
+                </a:effectLst>
+              </a14:hiddenEffects>
+            </a:ext>
+          </a:extLst>
+        </p:spPr>
+        <p:txBody>
+          <a:bodyPr vert="horz" wrap="square" lIns="91440" tIns="45720" rIns="91440" bIns="45720" numCol="1" anchor="ctr" anchorCtr="0" compatLnSpc="1">
+            <a:prstTxWarp prst="textNoShape">
+              <a:avLst/>
+            </a:prstTxWarp>
+            <a:spAutoFit/>
+          </a:bodyPr>
+          <a:lstStyle/>
+          <a:p>
+            <a:pPr marL="0" marR="0" lvl="0" indent="0" algn="l" defTabSz="914400" rtl="0" eaLnBrk="0" fontAlgn="base" latinLnBrk="0" hangingPunct="0">
+              <a:lnSpc>
+                <a:spcPct val="100000"/>
+              </a:lnSpc>
+              <a:spcBef>
+                <a:spcPct val="0"/>
+              </a:spcBef>
+              <a:spcAft>
+                <a:spcPct val="0"/>
+              </a:spcAft>
+              <a:buClrTx/>
+              <a:buSzTx/>
+              <a:buFontTx/>
+              <a:buNone/>
+              <a:tabLst/>
+            </a:pPr>
+            <a:r>
+              <a:rPr kumimoji="0" lang="cs-CZ" altLang="cs-CZ" sz="1600" b="0" i="0" u="none" strike="noStrike" cap="none" normalizeH="0" baseline="0" dirty="0" err="1" smtClean="0">
+                <a:ln>
+                  <a:noFill/>
+                </a:ln>
+                <a:solidFill>
+                  <a:srgbClr val="000000"/>
+                </a:solidFill>
+                <a:effectLst/>
+                <a:latin typeface="Consolas" panose="020B0609020204030204" pitchFamily="49" charset="0"/>
+              </a:rPr>
+              <a:t>messageBoard.init</a:t>
+            </a:r>
+            <a:r>
+              <a:rPr kumimoji="0" lang="cs-CZ" altLang="cs-CZ" sz="1600" b="0" i="0" u="none" strike="noStrike" cap="none" normalizeH="0" baseline="0" dirty="0" smtClean="0">
+                <a:ln>
+                  <a:noFill/>
+                </a:ln>
+                <a:solidFill>
+                  <a:srgbClr val="000000"/>
+                </a:solidFill>
+                <a:effectLst/>
+                <a:latin typeface="Consolas" panose="020B0609020204030204" pitchFamily="49" charset="0"/>
+              </a:rPr>
+              <a:t>(“https:</a:t>
+            </a:r>
+            <a:r>
+              <a:rPr kumimoji="0" lang="cs-CZ" altLang="cs-CZ" sz="1600" b="0" i="1" u="none" strike="noStrike" cap="none" normalizeH="0" baseline="0" dirty="0" smtClean="0">
+                <a:ln>
+                  <a:noFill/>
+                </a:ln>
+                <a:solidFill>
+                  <a:srgbClr val="808080"/>
+                </a:solidFill>
+                <a:effectLst/>
+                <a:latin typeface="Consolas" panose="020B0609020204030204" pitchFamily="49" charset="0"/>
+              </a:rPr>
+              <a:t>//url.com”)</a:t>
+            </a:r>
+            <a:br>
+              <a:rPr kumimoji="0" lang="cs-CZ" altLang="cs-CZ" sz="1600" b="0" i="1" u="none" strike="noStrike" cap="none" normalizeH="0" baseline="0" dirty="0" smtClean="0">
+                <a:ln>
+                  <a:noFill/>
+                </a:ln>
+                <a:solidFill>
+                  <a:srgbClr val="808080"/>
+                </a:solidFill>
+                <a:effectLst/>
+                <a:latin typeface="Consolas" panose="020B0609020204030204" pitchFamily="49" charset="0"/>
+              </a:rPr>
+            </a:br>
+            <a:r>
+              <a:rPr kumimoji="0" lang="cs-CZ" altLang="cs-CZ" sz="1600" b="0" i="0" u="none" strike="noStrike" cap="none" normalizeH="0" baseline="0" dirty="0" err="1" smtClean="0">
+                <a:ln>
+                  <a:noFill/>
+                </a:ln>
+                <a:solidFill>
+                  <a:srgbClr val="000000"/>
+                </a:solidFill>
+                <a:effectLst/>
+                <a:latin typeface="Consolas" panose="020B0609020204030204" pitchFamily="49" charset="0"/>
+              </a:rPr>
+              <a:t>messageBoard.login</a:t>
+            </a:r>
+            <a:r>
+              <a:rPr kumimoji="0" lang="cs-CZ" altLang="cs-CZ" sz="1600" b="0" i="0" u="none" strike="noStrike" cap="none" normalizeH="0" baseline="0" dirty="0" smtClean="0">
+                <a:ln>
+                  <a:noFill/>
+                </a:ln>
+                <a:solidFill>
+                  <a:srgbClr val="000000"/>
+                </a:solidFill>
+                <a:effectLst/>
+                <a:latin typeface="Consolas" panose="020B0609020204030204" pitchFamily="49" charset="0"/>
+              </a:rPr>
+              <a:t>(token)</a:t>
+            </a:r>
+            <a:br>
+              <a:rPr kumimoji="0" lang="cs-CZ" altLang="cs-CZ" sz="1600" b="0" i="0" u="none" strike="noStrike" cap="none" normalizeH="0" baseline="0" dirty="0" smtClean="0">
+                <a:ln>
+                  <a:noFill/>
+                </a:ln>
+                <a:solidFill>
+                  <a:srgbClr val="000000"/>
+                </a:solidFill>
+                <a:effectLst/>
+                <a:latin typeface="Consolas" panose="020B0609020204030204" pitchFamily="49" charset="0"/>
+              </a:rPr>
+            </a:br>
+            <a:r>
+              <a:rPr kumimoji="0" lang="cs-CZ" altLang="cs-CZ" sz="1600" b="0" i="0" u="none" strike="noStrike" cap="none" normalizeH="0" baseline="0" dirty="0" err="1" smtClean="0">
+                <a:ln>
+                  <a:noFill/>
+                </a:ln>
+                <a:solidFill>
+                  <a:srgbClr val="000000"/>
+                </a:solidFill>
+                <a:effectLst/>
+                <a:latin typeface="Consolas" panose="020B0609020204030204" pitchFamily="49" charset="0"/>
+              </a:rPr>
+              <a:t>messageBoard.post</a:t>
+            </a:r>
+            <a:r>
+              <a:rPr kumimoji="0" lang="cs-CZ" altLang="cs-CZ" sz="1600" b="0" i="0" u="none" strike="noStrike" cap="none" normalizeH="0" baseline="0" dirty="0" smtClean="0">
+                <a:ln>
+                  <a:noFill/>
+                </a:ln>
+                <a:solidFill>
+                  <a:srgbClr val="000000"/>
+                </a:solidFill>
+                <a:effectLst/>
+                <a:latin typeface="Consolas" panose="020B0609020204030204" pitchFamily="49" charset="0"/>
+              </a:rPr>
+              <a:t>(“</a:t>
+            </a:r>
+            <a:r>
+              <a:rPr kumimoji="0" lang="cs-CZ" altLang="cs-CZ" sz="1600" b="0" i="0" u="none" strike="noStrike" cap="none" normalizeH="0" baseline="0" dirty="0" err="1" smtClean="0">
+                <a:ln>
+                  <a:noFill/>
+                </a:ln>
+                <a:solidFill>
+                  <a:srgbClr val="000000"/>
+                </a:solidFill>
+                <a:effectLst/>
+                <a:latin typeface="Consolas" panose="020B0609020204030204" pitchFamily="49" charset="0"/>
+              </a:rPr>
+              <a:t>Kotlin’s</a:t>
+            </a:r>
+            <a:r>
+              <a:rPr kumimoji="0" lang="cs-CZ" altLang="cs-CZ" sz="1600" b="0" i="0" u="none" strike="noStrike" cap="none" normalizeH="0" baseline="0" dirty="0" smtClean="0">
+                <a:ln>
+                  <a:noFill/>
+                </a:ln>
+                <a:solidFill>
+                  <a:srgbClr val="000000"/>
+                </a:solidFill>
+                <a:effectLst/>
+                <a:latin typeface="Consolas" panose="020B0609020204030204" pitchFamily="49" charset="0"/>
+              </a:rPr>
+              <a:t> a </a:t>
+            </a:r>
+            <a:r>
+              <a:rPr kumimoji="0" lang="cs-CZ" altLang="cs-CZ" sz="1600" b="0" i="0" u="none" strike="noStrike" cap="none" normalizeH="0" baseline="0" dirty="0" err="1" smtClean="0">
+                <a:ln>
+                  <a:noFill/>
+                </a:ln>
+                <a:solidFill>
+                  <a:srgbClr val="000000"/>
+                </a:solidFill>
+                <a:effectLst/>
+                <a:latin typeface="Consolas" panose="020B0609020204030204" pitchFamily="49" charset="0"/>
+              </a:rPr>
+              <a:t>way</a:t>
+            </a:r>
+            <a:r>
+              <a:rPr kumimoji="0" lang="cs-CZ" altLang="cs-CZ" sz="1600" b="0" i="0" u="none" strike="noStrike" cap="none" normalizeH="0" baseline="0" dirty="0" smtClean="0">
+                <a:ln>
+                  <a:noFill/>
+                </a:ln>
+                <a:solidFill>
+                  <a:srgbClr val="000000"/>
+                </a:solidFill>
+                <a:effectLst/>
+                <a:latin typeface="Consolas" panose="020B0609020204030204" pitchFamily="49" charset="0"/>
+              </a:rPr>
+              <a:t> </a:t>
+            </a:r>
+            <a:r>
+              <a:rPr kumimoji="0" lang="cs-CZ" altLang="cs-CZ" sz="1600" b="0" i="0" u="none" strike="noStrike" cap="none" normalizeH="0" baseline="0" dirty="0" err="1" smtClean="0">
+                <a:ln>
+                  <a:noFill/>
+                </a:ln>
+                <a:solidFill>
+                  <a:srgbClr val="000000"/>
+                </a:solidFill>
+                <a:effectLst/>
+                <a:latin typeface="Consolas" panose="020B0609020204030204" pitchFamily="49" charset="0"/>
+              </a:rPr>
+              <a:t>of</a:t>
+            </a:r>
+            <a:r>
+              <a:rPr kumimoji="0" lang="cs-CZ" altLang="cs-CZ" sz="1600" b="0" i="0" u="none" strike="noStrike" cap="none" normalizeH="0" baseline="0" dirty="0" smtClean="0">
+                <a:ln>
+                  <a:noFill/>
+                </a:ln>
+                <a:solidFill>
+                  <a:srgbClr val="000000"/>
+                </a:solidFill>
+                <a:effectLst/>
+                <a:latin typeface="Consolas" panose="020B0609020204030204" pitchFamily="49" charset="0"/>
+              </a:rPr>
+              <a:t> </a:t>
+            </a:r>
+            <a:r>
+              <a:rPr kumimoji="0" lang="cs-CZ" altLang="cs-CZ" sz="1600" b="0" i="0" u="none" strike="noStrike" cap="none" normalizeH="0" baseline="0" dirty="0" err="1" smtClean="0">
+                <a:ln>
+                  <a:noFill/>
+                </a:ln>
+                <a:solidFill>
+                  <a:srgbClr val="000000"/>
+                </a:solidFill>
+                <a:effectLst/>
+                <a:latin typeface="Consolas" panose="020B0609020204030204" pitchFamily="49" charset="0"/>
+              </a:rPr>
+              <a:t>life</a:t>
+            </a:r>
+            <a:r>
+              <a:rPr kumimoji="0" lang="cs-CZ" altLang="cs-CZ" sz="1600" b="0" i="0" u="none" strike="noStrike" cap="none" normalizeH="0" baseline="0" dirty="0" smtClean="0">
+                <a:ln>
+                  <a:noFill/>
+                </a:ln>
+                <a:solidFill>
+                  <a:srgbClr val="000000"/>
+                </a:solidFill>
+                <a:effectLst/>
+                <a:latin typeface="Consolas" panose="020B0609020204030204" pitchFamily="49" charset="0"/>
+              </a:rPr>
+              <a:t> </a:t>
+            </a:r>
+            <a:r>
+              <a:rPr kumimoji="0" lang="cs-CZ" altLang="cs-CZ" sz="1600" b="0" i="0" u="none" strike="noStrike" cap="none" normalizeH="0" baseline="0" dirty="0" err="1" smtClean="0">
+                <a:ln>
+                  <a:noFill/>
+                </a:ln>
+                <a:solidFill>
+                  <a:srgbClr val="000000"/>
+                </a:solidFill>
+                <a:effectLst/>
+                <a:latin typeface="Consolas" panose="020B0609020204030204" pitchFamily="49" charset="0"/>
+              </a:rPr>
+              <a:t>bro</a:t>
+            </a:r>
+            <a:r>
+              <a:rPr kumimoji="0" lang="cs-CZ" altLang="cs-CZ" sz="1600" b="1" i="0" u="none" strike="noStrike" cap="none" normalizeH="0" baseline="0" dirty="0" smtClean="0">
+                <a:ln>
+                  <a:noFill/>
+                </a:ln>
+                <a:solidFill>
+                  <a:srgbClr val="008000"/>
+                </a:solidFill>
+                <a:effectLst/>
+                <a:latin typeface="Consolas" panose="020B0609020204030204" pitchFamily="49" charset="0"/>
+              </a:rPr>
+              <a:t>")</a:t>
+            </a:r>
+            <a:endParaRPr kumimoji="0" lang="cs-CZ" altLang="cs-CZ" sz="1600" b="0" i="0" u="none" strike="noStrike" cap="none" normalizeH="0" baseline="0" dirty="0" smtClean="0">
+              <a:ln>
+                <a:noFill/>
+              </a:ln>
+              <a:solidFill>
+                <a:schemeClr val="tx1"/>
+              </a:solidFill>
+              <a:effectLst/>
+              <a:latin typeface="Arial" panose="020B0604020202020204" pitchFamily="34" charset="0"/>
+            </a:endParaRPr>
+          </a:p>
+        </p:txBody>
+      </p:sp>
+      <p:sp>
+        <p:nvSpPr>
+          <p:cNvPr id="6" name="Rectangle 3"/>
+          <p:cNvSpPr>
+            <a:spLocks noChangeArrowheads="1"/>
+          </p:cNvSpPr>
+          <p:nvPr/>
+        </p:nvSpPr>
+        <p:spPr bwMode="auto">
+          <a:xfrm>
+            <a:off x="323528" y="3697705"/>
+            <a:ext cx="6983961" cy="1323439"/>
+          </a:xfrm>
+          <a:prstGeom prst="rect">
+            <a:avLst/>
+          </a:prstGeom>
+          <a:solidFill>
+            <a:srgbClr val="FFFFFF"/>
+          </a:solidFill>
+          <a:ln>
+            <a:noFill/>
+          </a:ln>
+          <a:effectLst/>
+          <a:extLst>
+            <a:ext uri="{91240B29-F687-4F45-9708-019B960494DF}">
+              <a14:hiddenLine xmlns:a14="http://schemas.microsoft.com/office/drawing/2010/main" w="9525">
+                <a:solidFill>
+                  <a:schemeClr val="tx1"/>
+                </a:solidFill>
+                <a:miter lim="800000"/>
+                <a:headEnd/>
+                <a:tailEnd/>
+              </a14:hiddenLine>
+            </a:ext>
+            <a:ext uri="{AF507438-7753-43E0-B8FC-AC1667EBCBE1}">
+              <a14:hiddenEffects xmlns:a14="http://schemas.microsoft.com/office/drawing/2010/main">
+                <a:effectLst>
+                  <a:outerShdw dist="35921" dir="2700000" algn="ctr" rotWithShape="0">
+                    <a:schemeClr val="bg2"/>
+                  </a:outerShdw>
+                </a:effectLst>
+              </a14:hiddenEffects>
+            </a:ext>
+          </a:extLst>
+        </p:spPr>
+        <p:txBody>
+          <a:bodyPr vert="horz" wrap="square" lIns="91440" tIns="45720" rIns="91440" bIns="45720" numCol="1" anchor="ctr" anchorCtr="0" compatLnSpc="1">
+            <a:prstTxWarp prst="textNoShape">
+              <a:avLst/>
+            </a:prstTxWarp>
+            <a:spAutoFit/>
+          </a:bodyPr>
+          <a:lstStyle/>
+          <a:p>
+            <a:pPr marL="0" marR="0" lvl="0" indent="0" algn="l" defTabSz="914400" rtl="0" eaLnBrk="0" fontAlgn="base" latinLnBrk="0" hangingPunct="0">
+              <a:lnSpc>
+                <a:spcPct val="100000"/>
+              </a:lnSpc>
+              <a:spcBef>
+                <a:spcPct val="0"/>
+              </a:spcBef>
+              <a:spcAft>
+                <a:spcPct val="0"/>
+              </a:spcAft>
+              <a:buClrTx/>
+              <a:buSzTx/>
+              <a:buFontTx/>
+              <a:buNone/>
+              <a:tabLst/>
+            </a:pPr>
+            <a:r>
+              <a:rPr kumimoji="0" lang="cs-CZ" altLang="cs-CZ" sz="1600" b="0" i="1" u="none" strike="noStrike" cap="none" normalizeH="0" baseline="0" dirty="0" err="1" smtClean="0">
+                <a:ln>
+                  <a:noFill/>
+                </a:ln>
+                <a:solidFill>
+                  <a:srgbClr val="000000"/>
+                </a:solidFill>
+                <a:effectLst/>
+                <a:latin typeface="Consolas" panose="020B0609020204030204" pitchFamily="49" charset="0"/>
+              </a:rPr>
+              <a:t>with</a:t>
+            </a:r>
+            <a:r>
+              <a:rPr kumimoji="0" lang="cs-CZ" altLang="cs-CZ" sz="1600" b="0" i="0" u="none" strike="noStrike" cap="none" normalizeH="0" baseline="0" dirty="0" smtClean="0">
+                <a:ln>
+                  <a:noFill/>
+                </a:ln>
+                <a:solidFill>
+                  <a:srgbClr val="000000"/>
+                </a:solidFill>
+                <a:effectLst/>
+                <a:latin typeface="Consolas" panose="020B0609020204030204" pitchFamily="49" charset="0"/>
+              </a:rPr>
+              <a:t>(</a:t>
+            </a:r>
+            <a:r>
+              <a:rPr kumimoji="0" lang="cs-CZ" altLang="cs-CZ" sz="1600" b="0" i="0" u="none" strike="noStrike" cap="none" normalizeH="0" baseline="0" dirty="0" err="1" smtClean="0">
+                <a:ln>
+                  <a:noFill/>
+                </a:ln>
+                <a:solidFill>
+                  <a:srgbClr val="000000"/>
+                </a:solidFill>
+                <a:effectLst/>
+                <a:latin typeface="Consolas" panose="020B0609020204030204" pitchFamily="49" charset="0"/>
+              </a:rPr>
+              <a:t>messageBoard</a:t>
+            </a:r>
+            <a:r>
+              <a:rPr kumimoji="0" lang="cs-CZ" altLang="cs-CZ" sz="1600" b="0" i="0" u="none" strike="noStrike" cap="none" normalizeH="0" baseline="0" dirty="0" smtClean="0">
+                <a:ln>
+                  <a:noFill/>
+                </a:ln>
+                <a:solidFill>
+                  <a:srgbClr val="000000"/>
+                </a:solidFill>
+                <a:effectLst/>
+                <a:latin typeface="Consolas" panose="020B0609020204030204" pitchFamily="49" charset="0"/>
+              </a:rPr>
+              <a:t>) </a:t>
+            </a:r>
+            <a:r>
+              <a:rPr kumimoji="0" lang="cs-CZ" altLang="cs-CZ" sz="1600" b="1" i="0" u="none" strike="noStrike" cap="none" normalizeH="0" baseline="0" dirty="0" smtClean="0">
+                <a:ln>
+                  <a:noFill/>
+                </a:ln>
+                <a:solidFill>
+                  <a:srgbClr val="000000"/>
+                </a:solidFill>
+                <a:effectLst/>
+                <a:latin typeface="Consolas" panose="020B0609020204030204" pitchFamily="49" charset="0"/>
+              </a:rPr>
+              <a:t>{</a:t>
+            </a:r>
+            <a:br>
+              <a:rPr kumimoji="0" lang="cs-CZ" altLang="cs-CZ" sz="1600" b="1" i="0" u="none" strike="noStrike" cap="none" normalizeH="0" baseline="0" dirty="0" smtClean="0">
+                <a:ln>
+                  <a:noFill/>
+                </a:ln>
+                <a:solidFill>
+                  <a:srgbClr val="000000"/>
+                </a:solidFill>
+                <a:effectLst/>
+                <a:latin typeface="Consolas" panose="020B0609020204030204" pitchFamily="49" charset="0"/>
+              </a:rPr>
+            </a:br>
+            <a:r>
+              <a:rPr kumimoji="0" lang="cs-CZ" altLang="cs-CZ" sz="1600" b="1" i="0" u="none" strike="noStrike" cap="none" normalizeH="0" baseline="0" dirty="0" smtClean="0">
+                <a:ln>
+                  <a:noFill/>
+                </a:ln>
+                <a:solidFill>
+                  <a:srgbClr val="000000"/>
+                </a:solidFill>
+                <a:effectLst/>
+                <a:latin typeface="Consolas" panose="020B0609020204030204" pitchFamily="49" charset="0"/>
+              </a:rPr>
+              <a:t>    </a:t>
+            </a:r>
+            <a:r>
+              <a:rPr kumimoji="0" lang="cs-CZ" altLang="cs-CZ" sz="1600" b="0" i="0" u="none" strike="noStrike" cap="none" normalizeH="0" baseline="0" dirty="0" err="1" smtClean="0">
+                <a:ln>
+                  <a:noFill/>
+                </a:ln>
+                <a:solidFill>
+                  <a:srgbClr val="000000"/>
+                </a:solidFill>
+                <a:effectLst/>
+                <a:latin typeface="Consolas" panose="020B0609020204030204" pitchFamily="49" charset="0"/>
+              </a:rPr>
+              <a:t>init</a:t>
+            </a:r>
+            <a:r>
+              <a:rPr kumimoji="0" lang="cs-CZ" altLang="cs-CZ" sz="1600" b="0" i="0" u="none" strike="noStrike" cap="none" normalizeH="0" baseline="0" dirty="0" smtClean="0">
+                <a:ln>
+                  <a:noFill/>
+                </a:ln>
+                <a:solidFill>
+                  <a:srgbClr val="000000"/>
+                </a:solidFill>
+                <a:effectLst/>
+                <a:latin typeface="Consolas" panose="020B0609020204030204" pitchFamily="49" charset="0"/>
+              </a:rPr>
+              <a:t>(“https:</a:t>
+            </a:r>
+            <a:r>
+              <a:rPr kumimoji="0" lang="cs-CZ" altLang="cs-CZ" sz="1600" b="0" i="1" u="none" strike="noStrike" cap="none" normalizeH="0" baseline="0" dirty="0" smtClean="0">
+                <a:ln>
+                  <a:noFill/>
+                </a:ln>
+                <a:solidFill>
+                  <a:srgbClr val="808080"/>
+                </a:solidFill>
+                <a:effectLst/>
+                <a:latin typeface="Consolas" panose="020B0609020204030204" pitchFamily="49" charset="0"/>
+              </a:rPr>
+              <a:t>//url.com”)</a:t>
+            </a:r>
+            <a:br>
+              <a:rPr kumimoji="0" lang="cs-CZ" altLang="cs-CZ" sz="1600" b="0" i="1" u="none" strike="noStrike" cap="none" normalizeH="0" baseline="0" dirty="0" smtClean="0">
+                <a:ln>
+                  <a:noFill/>
+                </a:ln>
+                <a:solidFill>
+                  <a:srgbClr val="808080"/>
+                </a:solidFill>
+                <a:effectLst/>
+                <a:latin typeface="Consolas" panose="020B0609020204030204" pitchFamily="49" charset="0"/>
+              </a:rPr>
+            </a:br>
+            <a:r>
+              <a:rPr kumimoji="0" lang="cs-CZ" altLang="cs-CZ" sz="1600" b="0" i="1" u="none" strike="noStrike" cap="none" normalizeH="0" baseline="0" dirty="0" smtClean="0">
+                <a:ln>
+                  <a:noFill/>
+                </a:ln>
+                <a:solidFill>
+                  <a:srgbClr val="808080"/>
+                </a:solidFill>
+                <a:effectLst/>
+                <a:latin typeface="Consolas" panose="020B0609020204030204" pitchFamily="49" charset="0"/>
+              </a:rPr>
+              <a:t>    </a:t>
+            </a:r>
+            <a:r>
+              <a:rPr kumimoji="0" lang="cs-CZ" altLang="cs-CZ" sz="1600" b="0" i="0" u="none" strike="noStrike" cap="none" normalizeH="0" baseline="0" dirty="0" err="1" smtClean="0">
+                <a:ln>
+                  <a:noFill/>
+                </a:ln>
+                <a:solidFill>
+                  <a:srgbClr val="000000"/>
+                </a:solidFill>
+                <a:effectLst/>
+                <a:latin typeface="Consolas" panose="020B0609020204030204" pitchFamily="49" charset="0"/>
+              </a:rPr>
+              <a:t>login</a:t>
+            </a:r>
+            <a:r>
+              <a:rPr kumimoji="0" lang="cs-CZ" altLang="cs-CZ" sz="1600" b="0" i="0" u="none" strike="noStrike" cap="none" normalizeH="0" baseline="0" dirty="0" smtClean="0">
+                <a:ln>
+                  <a:noFill/>
+                </a:ln>
+                <a:solidFill>
+                  <a:srgbClr val="000000"/>
+                </a:solidFill>
+                <a:effectLst/>
+                <a:latin typeface="Consolas" panose="020B0609020204030204" pitchFamily="49" charset="0"/>
+              </a:rPr>
+              <a:t>(</a:t>
+            </a:r>
+            <a:r>
+              <a:rPr kumimoji="0" lang="cs-CZ" altLang="cs-CZ" sz="1600" b="0" i="1" u="none" strike="noStrike" cap="none" normalizeH="0" baseline="0" dirty="0" smtClean="0">
+                <a:ln>
+                  <a:noFill/>
+                </a:ln>
+                <a:solidFill>
+                  <a:srgbClr val="660E7A"/>
+                </a:solidFill>
+                <a:effectLst/>
+                <a:latin typeface="Consolas" panose="020B0609020204030204" pitchFamily="49" charset="0"/>
+              </a:rPr>
+              <a:t>token</a:t>
+            </a:r>
+            <a:r>
+              <a:rPr kumimoji="0" lang="cs-CZ" altLang="cs-CZ" sz="1600" b="0" i="0" u="none" strike="noStrike" cap="none" normalizeH="0" baseline="0" dirty="0" smtClean="0">
+                <a:ln>
+                  <a:noFill/>
+                </a:ln>
+                <a:solidFill>
+                  <a:srgbClr val="000000"/>
+                </a:solidFill>
+                <a:effectLst/>
+                <a:latin typeface="Consolas" panose="020B0609020204030204" pitchFamily="49" charset="0"/>
+              </a:rPr>
+              <a:t>)</a:t>
+            </a:r>
+            <a:br>
+              <a:rPr kumimoji="0" lang="cs-CZ" altLang="cs-CZ" sz="1600" b="0" i="0" u="none" strike="noStrike" cap="none" normalizeH="0" baseline="0" dirty="0" smtClean="0">
+                <a:ln>
+                  <a:noFill/>
+                </a:ln>
+                <a:solidFill>
+                  <a:srgbClr val="000000"/>
+                </a:solidFill>
+                <a:effectLst/>
+                <a:latin typeface="Consolas" panose="020B0609020204030204" pitchFamily="49" charset="0"/>
+              </a:rPr>
+            </a:br>
+            <a:r>
+              <a:rPr kumimoji="0" lang="cs-CZ" altLang="cs-CZ" sz="1600" b="0" i="0" u="none" strike="noStrike" cap="none" normalizeH="0" baseline="0" dirty="0" smtClean="0">
+                <a:ln>
+                  <a:noFill/>
+                </a:ln>
+                <a:solidFill>
+                  <a:srgbClr val="000000"/>
+                </a:solidFill>
+                <a:effectLst/>
+                <a:latin typeface="Consolas" panose="020B0609020204030204" pitchFamily="49" charset="0"/>
+              </a:rPr>
+              <a:t>    post(“</a:t>
+            </a:r>
+            <a:r>
+              <a:rPr kumimoji="0" lang="cs-CZ" altLang="cs-CZ" sz="1600" b="0" i="0" u="none" strike="noStrike" cap="none" normalizeH="0" baseline="0" dirty="0" err="1" smtClean="0">
+                <a:ln>
+                  <a:noFill/>
+                </a:ln>
+                <a:solidFill>
+                  <a:srgbClr val="000000"/>
+                </a:solidFill>
+                <a:effectLst/>
+                <a:latin typeface="Consolas" panose="020B0609020204030204" pitchFamily="49" charset="0"/>
+              </a:rPr>
+              <a:t>Kotlin’s</a:t>
+            </a:r>
+            <a:r>
+              <a:rPr kumimoji="0" lang="cs-CZ" altLang="cs-CZ" sz="1600" b="0" i="0" u="none" strike="noStrike" cap="none" normalizeH="0" baseline="0" dirty="0" smtClean="0">
+                <a:ln>
+                  <a:noFill/>
+                </a:ln>
+                <a:solidFill>
+                  <a:srgbClr val="000000"/>
+                </a:solidFill>
+                <a:effectLst/>
+                <a:latin typeface="Consolas" panose="020B0609020204030204" pitchFamily="49" charset="0"/>
+              </a:rPr>
+              <a:t> </a:t>
+            </a:r>
+            <a:r>
+              <a:rPr kumimoji="0" lang="cs-CZ" altLang="cs-CZ" sz="1600" b="0" i="1" u="none" strike="noStrike" cap="none" normalizeH="0" baseline="0" dirty="0" smtClean="0">
+                <a:ln>
+                  <a:noFill/>
+                </a:ln>
+                <a:solidFill>
+                  <a:srgbClr val="660E7A"/>
+                </a:solidFill>
+                <a:effectLst/>
+                <a:latin typeface="Consolas" panose="020B0609020204030204" pitchFamily="49" charset="0"/>
+              </a:rPr>
+              <a:t>a </a:t>
+            </a:r>
+            <a:r>
+              <a:rPr kumimoji="0" lang="cs-CZ" altLang="cs-CZ" sz="1600" b="0" i="0" u="none" strike="noStrike" cap="none" normalizeH="0" baseline="0" dirty="0" err="1" smtClean="0">
+                <a:ln>
+                  <a:noFill/>
+                </a:ln>
+                <a:solidFill>
+                  <a:srgbClr val="000000"/>
+                </a:solidFill>
+                <a:effectLst/>
+                <a:latin typeface="Consolas" panose="020B0609020204030204" pitchFamily="49" charset="0"/>
+              </a:rPr>
+              <a:t>way</a:t>
+            </a:r>
+            <a:r>
+              <a:rPr kumimoji="0" lang="cs-CZ" altLang="cs-CZ" sz="1600" b="0" i="0" u="none" strike="noStrike" cap="none" normalizeH="0" baseline="0" dirty="0" smtClean="0">
+                <a:ln>
+                  <a:noFill/>
+                </a:ln>
+                <a:solidFill>
+                  <a:srgbClr val="000000"/>
+                </a:solidFill>
+                <a:effectLst/>
+                <a:latin typeface="Consolas" panose="020B0609020204030204" pitchFamily="49" charset="0"/>
+              </a:rPr>
+              <a:t> </a:t>
+            </a:r>
+            <a:r>
+              <a:rPr kumimoji="0" lang="cs-CZ" altLang="cs-CZ" sz="1600" b="0" i="1" u="none" strike="noStrike" cap="none" normalizeH="0" baseline="0" dirty="0" err="1" smtClean="0">
+                <a:ln>
+                  <a:noFill/>
+                </a:ln>
+                <a:solidFill>
+                  <a:srgbClr val="660E7A"/>
+                </a:solidFill>
+                <a:effectLst/>
+                <a:latin typeface="Consolas" panose="020B0609020204030204" pitchFamily="49" charset="0"/>
+              </a:rPr>
+              <a:t>of</a:t>
+            </a:r>
+            <a:r>
+              <a:rPr kumimoji="0" lang="cs-CZ" altLang="cs-CZ" sz="1600" b="0" i="1" u="none" strike="noStrike" cap="none" normalizeH="0" baseline="0" dirty="0" smtClean="0">
+                <a:ln>
+                  <a:noFill/>
+                </a:ln>
+                <a:solidFill>
+                  <a:srgbClr val="660E7A"/>
+                </a:solidFill>
+                <a:effectLst/>
+                <a:latin typeface="Consolas" panose="020B0609020204030204" pitchFamily="49" charset="0"/>
+              </a:rPr>
+              <a:t> </a:t>
+            </a:r>
+            <a:r>
+              <a:rPr kumimoji="0" lang="cs-CZ" altLang="cs-CZ" sz="1600" b="0" i="0" u="none" strike="noStrike" cap="none" normalizeH="0" baseline="0" dirty="0" err="1" smtClean="0">
+                <a:ln>
+                  <a:noFill/>
+                </a:ln>
+                <a:solidFill>
+                  <a:srgbClr val="000000"/>
+                </a:solidFill>
+                <a:effectLst/>
+                <a:latin typeface="Consolas" panose="020B0609020204030204" pitchFamily="49" charset="0"/>
+              </a:rPr>
+              <a:t>life</a:t>
+            </a:r>
+            <a:r>
+              <a:rPr kumimoji="0" lang="cs-CZ" altLang="cs-CZ" sz="1600" b="0" i="0" u="none" strike="noStrike" cap="none" normalizeH="0" baseline="0" dirty="0" smtClean="0">
+                <a:ln>
+                  <a:noFill/>
+                </a:ln>
+                <a:solidFill>
+                  <a:srgbClr val="000000"/>
+                </a:solidFill>
+                <a:effectLst/>
+                <a:latin typeface="Consolas" panose="020B0609020204030204" pitchFamily="49" charset="0"/>
+              </a:rPr>
+              <a:t> </a:t>
+            </a:r>
+            <a:r>
+              <a:rPr kumimoji="0" lang="cs-CZ" altLang="cs-CZ" sz="1600" b="0" i="1" u="none" strike="noStrike" cap="none" normalizeH="0" baseline="0" dirty="0" err="1" smtClean="0">
+                <a:ln>
+                  <a:noFill/>
+                </a:ln>
+                <a:solidFill>
+                  <a:srgbClr val="660E7A"/>
+                </a:solidFill>
+                <a:effectLst/>
+                <a:latin typeface="Consolas" panose="020B0609020204030204" pitchFamily="49" charset="0"/>
+              </a:rPr>
+              <a:t>bro</a:t>
+            </a:r>
+            <a:r>
+              <a:rPr kumimoji="0" lang="cs-CZ" altLang="cs-CZ" sz="1600" b="1" i="0" u="none" strike="noStrike" cap="none" normalizeH="0" baseline="0" dirty="0" smtClean="0">
+                <a:ln>
+                  <a:noFill/>
+                </a:ln>
+                <a:solidFill>
+                  <a:srgbClr val="008000"/>
+                </a:solidFill>
+                <a:effectLst/>
+                <a:latin typeface="Consolas" panose="020B0609020204030204" pitchFamily="49" charset="0"/>
+              </a:rPr>
+              <a:t>")</a:t>
+            </a:r>
+            <a:br>
+              <a:rPr kumimoji="0" lang="cs-CZ" altLang="cs-CZ" sz="1600" b="1" i="0" u="none" strike="noStrike" cap="none" normalizeH="0" baseline="0" dirty="0" smtClean="0">
+                <a:ln>
+                  <a:noFill/>
+                </a:ln>
+                <a:solidFill>
+                  <a:srgbClr val="008000"/>
+                </a:solidFill>
+                <a:effectLst/>
+                <a:latin typeface="Consolas" panose="020B0609020204030204" pitchFamily="49" charset="0"/>
+              </a:rPr>
+            </a:br>
+            <a:r>
+              <a:rPr kumimoji="0" lang="cs-CZ" altLang="cs-CZ" sz="1600" b="1" i="0" u="none" strike="noStrike" cap="none" normalizeH="0" baseline="0" dirty="0" smtClean="0">
+                <a:ln>
+                  <a:noFill/>
+                </a:ln>
+                <a:solidFill>
+                  <a:srgbClr val="000000"/>
+                </a:solidFill>
+                <a:effectLst/>
+                <a:latin typeface="Consolas" panose="020B0609020204030204" pitchFamily="49" charset="0"/>
+              </a:rPr>
+              <a:t>}</a:t>
+            </a:r>
+            <a:endParaRPr kumimoji="0" lang="cs-CZ" altLang="cs-CZ" sz="1600" b="0" i="0" u="none" strike="noStrike" cap="none" normalizeH="0" baseline="0" dirty="0" smtClean="0">
+              <a:ln>
+                <a:noFill/>
+              </a:ln>
+              <a:solidFill>
+                <a:schemeClr val="tx1"/>
+              </a:solidFill>
+              <a:effectLst/>
+              <a:latin typeface="Arial" panose="020B0604020202020204" pitchFamily="34" charset="0"/>
+            </a:endParaRPr>
+          </a:p>
+        </p:txBody>
+      </p:sp>
+    </p:spTree>
+    <p:extLst>
+      <p:ext uri="{BB962C8B-B14F-4D97-AF65-F5344CB8AC3E}">
+        <p14:creationId xmlns:p14="http://schemas.microsoft.com/office/powerpoint/2010/main" val="2610833072"/>
+      </p:ext>
+    </p:extLst>
+  </p:cSld>
+  <p:clrMapOvr>
+    <a:masterClrMapping/>
+  </p:clrMapOvr>
+  <p:timing>
+    <p:tnLst>
+      <p:par>
+        <p:cTn id="1" dur="indefinite" restart="never" nodeType="tmRoot">
+          <p:childTnLst>
+            <p:seq concurrent="1" nextAc="seek">
+              <p:cTn id="2" dur="indefinite" nodeType="mainSeq">
+                <p:childTnLst>
+                  <p:par>
+                    <p:cTn id="3" fill="hold">
+                      <p:stCondLst>
+                        <p:cond delay="indefinite"/>
+                      </p:stCondLst>
+                      <p:childTnLst>
+                        <p:par>
+                          <p:cTn id="4" fill="hold">
+                            <p:stCondLst>
+                              <p:cond delay="0"/>
+                            </p:stCondLst>
+                            <p:childTnLst>
+                              <p:par>
+                                <p:cTn id="5" presetID="10" presetClass="entr" presetSubtype="0" fill="hold" nodeType="clickEffect">
+                                  <p:stCondLst>
+                                    <p:cond delay="0"/>
+                                  </p:stCondLst>
+                                  <p:childTnLst>
+                                    <p:set>
+                                      <p:cBhvr>
+                                        <p:cTn id="6" dur="1" fill="hold">
+                                          <p:stCondLst>
+                                            <p:cond delay="0"/>
+                                          </p:stCondLst>
+                                        </p:cTn>
+                                        <p:tgtEl>
+                                          <p:spTgt spid="3">
+                                            <p:txEl>
+                                              <p:pRg st="0" end="0"/>
+                                            </p:txEl>
+                                          </p:spTgt>
+                                        </p:tgtEl>
+                                        <p:attrNameLst>
+                                          <p:attrName>style.visibility</p:attrName>
+                                        </p:attrNameLst>
+                                      </p:cBhvr>
+                                      <p:to>
+                                        <p:strVal val="visible"/>
+                                      </p:to>
+                                    </p:set>
+                                    <p:animEffect transition="in" filter="fade">
+                                      <p:cBhvr>
+                                        <p:cTn id="7" dur="500"/>
+                                        <p:tgtEl>
+                                          <p:spTgt spid="3">
+                                            <p:txEl>
+                                              <p:pRg st="0" end="0"/>
+                                            </p:txEl>
+                                          </p:spTgt>
+                                        </p:tgtEl>
+                                      </p:cBhvr>
+                                    </p:animEffect>
+                                  </p:childTnLst>
+                                </p:cTn>
+                              </p:par>
+                            </p:childTnLst>
+                          </p:cTn>
+                        </p:par>
+                      </p:childTnLst>
+                    </p:cTn>
+                  </p:par>
+                  <p:par>
+                    <p:cTn id="8" fill="hold">
+                      <p:stCondLst>
+                        <p:cond delay="indefinite"/>
+                      </p:stCondLst>
+                      <p:childTnLst>
+                        <p:par>
+                          <p:cTn id="9" fill="hold">
+                            <p:stCondLst>
+                              <p:cond delay="0"/>
+                            </p:stCondLst>
+                            <p:childTnLst>
+                              <p:par>
+                                <p:cTn id="10" presetID="10" presetClass="entr" presetSubtype="0" fill="hold" grpId="0" nodeType="clickEffect">
+                                  <p:stCondLst>
+                                    <p:cond delay="0"/>
+                                  </p:stCondLst>
+                                  <p:childTnLst>
+                                    <p:set>
+                                      <p:cBhvr>
+                                        <p:cTn id="11" dur="1" fill="hold">
+                                          <p:stCondLst>
+                                            <p:cond delay="0"/>
+                                          </p:stCondLst>
+                                        </p:cTn>
+                                        <p:tgtEl>
+                                          <p:spTgt spid="5"/>
+                                        </p:tgtEl>
+                                        <p:attrNameLst>
+                                          <p:attrName>style.visibility</p:attrName>
+                                        </p:attrNameLst>
+                                      </p:cBhvr>
+                                      <p:to>
+                                        <p:strVal val="visible"/>
+                                      </p:to>
+                                    </p:set>
+                                    <p:animEffect transition="in" filter="fade">
+                                      <p:cBhvr>
+                                        <p:cTn id="12" dur="500"/>
+                                        <p:tgtEl>
+                                          <p:spTgt spid="5"/>
+                                        </p:tgtEl>
+                                      </p:cBhvr>
+                                    </p:animEffect>
+                                  </p:childTnLst>
+                                </p:cTn>
+                              </p:par>
+                            </p:childTnLst>
+                          </p:cTn>
+                        </p:par>
+                      </p:childTnLst>
+                    </p:cTn>
+                  </p:par>
+                  <p:par>
+                    <p:cTn id="13" fill="hold">
+                      <p:stCondLst>
+                        <p:cond delay="indefinite"/>
+                      </p:stCondLst>
+                      <p:childTnLst>
+                        <p:par>
+                          <p:cTn id="14" fill="hold">
+                            <p:stCondLst>
+                              <p:cond delay="0"/>
+                            </p:stCondLst>
+                            <p:childTnLst>
+                              <p:par>
+                                <p:cTn id="15" presetID="10" presetClass="entr" presetSubtype="0" fill="hold" grpId="0" nodeType="clickEffect">
+                                  <p:stCondLst>
+                                    <p:cond delay="0"/>
+                                  </p:stCondLst>
+                                  <p:childTnLst>
+                                    <p:set>
+                                      <p:cBhvr>
+                                        <p:cTn id="16" dur="1" fill="hold">
+                                          <p:stCondLst>
+                                            <p:cond delay="0"/>
+                                          </p:stCondLst>
+                                        </p:cTn>
+                                        <p:tgtEl>
+                                          <p:spTgt spid="6"/>
+                                        </p:tgtEl>
+                                        <p:attrNameLst>
+                                          <p:attrName>style.visibility</p:attrName>
+                                        </p:attrNameLst>
+                                      </p:cBhvr>
+                                      <p:to>
+                                        <p:strVal val="visible"/>
+                                      </p:to>
+                                    </p:set>
+                                    <p:animEffect transition="in" filter="fade">
+                                      <p:cBhvr>
+                                        <p:cTn id="17" dur="500"/>
+                                        <p:tgtEl>
+                                          <p:spTgt spid="6"/>
+                                        </p:tgtEl>
+                                      </p:cBhvr>
+                                    </p:animEffect>
+                                  </p:childTnLst>
+                                </p:cTn>
+                              </p:par>
+                            </p:childTnLst>
+                          </p:cTn>
+                        </p:par>
+                      </p:childTnLst>
+                    </p:cTn>
+                  </p:par>
+                </p:childTnLst>
+              </p:cTn>
+              <p:prevCondLst>
+                <p:cond evt="onPrev" delay="0">
+                  <p:tgtEl>
+                    <p:sldTgt/>
+                  </p:tgtEl>
+                </p:cond>
+              </p:prevCondLst>
+              <p:nextCondLst>
+                <p:cond evt="onNext" delay="0">
+                  <p:tgtEl>
+                    <p:sldTgt/>
+                  </p:tgtEl>
+                </p:cond>
+              </p:nextCondLst>
+            </p:seq>
+          </p:childTnLst>
+        </p:cTn>
+      </p:par>
+    </p:tnLst>
+    <p:bldLst>
+      <p:bldP spid="5" grpId="0" animBg="1"/>
+      <p:bldP spid="6" grpId="0" animBg="1"/>
+    </p:bldLst>
+  </p:timing>
+</p:sld>
+</file>
+
+<file path=ppt/slides/slide14.xml><?xml version="1.0" encoding="utf-8"?>
+<p:sld xmlns:a="http://schemas.openxmlformats.org/drawingml/2006/main" xmlns:r="http://schemas.openxmlformats.org/officeDocument/2006/relationships" xmlns:p="http://schemas.openxmlformats.org/presentationml/2006/main">
+  <p:cSld>
+    <p:spTree>
+      <p:nvGrpSpPr>
+        <p:cNvPr id="1" name=""/>
+        <p:cNvGrpSpPr/>
+        <p:nvPr/>
+      </p:nvGrpSpPr>
+      <p:grpSpPr>
+        <a:xfrm>
+          <a:off x="0" y="0"/>
+          <a:ext cx="0" cy="0"/>
+          <a:chOff x="0" y="0"/>
+          <a:chExt cx="0" cy="0"/>
+        </a:xfrm>
+      </p:grpSpPr>
+      <p:sp>
+        <p:nvSpPr>
+          <p:cNvPr id="2" name="Nadpis 1"/>
+          <p:cNvSpPr>
+            <a:spLocks noGrp="1"/>
+          </p:cNvSpPr>
+          <p:nvPr>
+            <p:ph type="title"/>
+          </p:nvPr>
+        </p:nvSpPr>
+        <p:spPr/>
+        <p:txBody>
+          <a:bodyPr/>
+          <a:lstStyle/>
+          <a:p>
+            <a:r>
+              <a:rPr lang="cs-CZ" dirty="0" err="1" smtClean="0"/>
+              <a:t>Typical</a:t>
+            </a:r>
+            <a:r>
+              <a:rPr lang="cs-CZ" dirty="0" smtClean="0"/>
+              <a:t> </a:t>
+            </a:r>
+            <a:r>
+              <a:rPr lang="cs-CZ" dirty="0" err="1" smtClean="0"/>
+              <a:t>usecase</a:t>
+            </a:r>
+            <a:r>
+              <a:rPr lang="cs-CZ" dirty="0" smtClean="0"/>
+              <a:t/>
+            </a:r>
+            <a:br>
+              <a:rPr lang="cs-CZ" dirty="0" smtClean="0"/>
+            </a:br>
+            <a:r>
+              <a:rPr lang="cs-CZ" dirty="0" smtClean="0"/>
+              <a:t>- run()</a:t>
+            </a:r>
+            <a:endParaRPr lang="cs-CZ" dirty="0"/>
+          </a:p>
+        </p:txBody>
+      </p:sp>
+      <p:sp>
+        <p:nvSpPr>
+          <p:cNvPr id="3" name="Zástupný symbol pro text 2"/>
+          <p:cNvSpPr>
+            <a:spLocks noGrp="1"/>
+          </p:cNvSpPr>
+          <p:nvPr>
+            <p:ph type="body" sz="quarter" idx="13"/>
+          </p:nvPr>
+        </p:nvSpPr>
+        <p:spPr>
+          <a:xfrm>
+            <a:off x="323528" y="1412777"/>
+            <a:ext cx="7560840" cy="432047"/>
+          </a:xfrm>
+        </p:spPr>
+        <p:txBody>
+          <a:bodyPr/>
+          <a:lstStyle/>
+          <a:p>
+            <a:r>
+              <a:rPr lang="cs-CZ" dirty="0" smtClean="0"/>
+              <a:t>Stejný jako let, ale umožňuje přístup přes </a:t>
+            </a:r>
+            <a:r>
+              <a:rPr lang="cs-CZ" dirty="0" err="1" smtClean="0"/>
+              <a:t>receiver</a:t>
+            </a:r>
+            <a:endParaRPr lang="cs-CZ" dirty="0"/>
+          </a:p>
+        </p:txBody>
+      </p:sp>
+      <p:sp>
+        <p:nvSpPr>
+          <p:cNvPr id="4" name="Rectangle 3"/>
+          <p:cNvSpPr>
+            <a:spLocks noChangeArrowheads="1"/>
+          </p:cNvSpPr>
+          <p:nvPr/>
+        </p:nvSpPr>
+        <p:spPr bwMode="auto">
+          <a:xfrm>
+            <a:off x="251520" y="2035587"/>
+            <a:ext cx="6795810" cy="338554"/>
+          </a:xfrm>
+          <a:prstGeom prst="rect">
+            <a:avLst/>
+          </a:prstGeom>
+          <a:solidFill>
+            <a:srgbClr val="FFFFFF"/>
+          </a:solidFill>
+          <a:ln>
+            <a:noFill/>
+          </a:ln>
+          <a:effectLst/>
+          <a:extLst>
+            <a:ext uri="{91240B29-F687-4F45-9708-019B960494DF}">
+              <a14:hiddenLine xmlns:a14="http://schemas.microsoft.com/office/drawing/2010/main" w="9525">
+                <a:solidFill>
+                  <a:schemeClr val="tx1"/>
+                </a:solidFill>
+                <a:miter lim="800000"/>
+                <a:headEnd/>
+                <a:tailEnd/>
+              </a14:hiddenLine>
+            </a:ext>
+            <a:ext uri="{AF507438-7753-43E0-B8FC-AC1667EBCBE1}">
+              <a14:hiddenEffects xmlns:a14="http://schemas.microsoft.com/office/drawing/2010/main">
+                <a:effectLst>
+                  <a:outerShdw dist="35921" dir="2700000" algn="ctr" rotWithShape="0">
+                    <a:schemeClr val="bg2"/>
+                  </a:outerShdw>
+                </a:effectLst>
+              </a14:hiddenEffects>
+            </a:ext>
+          </a:extLst>
+        </p:spPr>
+        <p:txBody>
+          <a:bodyPr vert="horz" wrap="square" lIns="91440" tIns="45720" rIns="91440" bIns="45720" numCol="1" anchor="ctr" anchorCtr="0" compatLnSpc="1">
+            <a:prstTxWarp prst="textNoShape">
+              <a:avLst/>
+            </a:prstTxWarp>
+            <a:spAutoFit/>
+          </a:bodyPr>
+          <a:lstStyle/>
+          <a:p>
+            <a:pPr marL="0" marR="0" lvl="0" indent="0" algn="l" defTabSz="914400" rtl="0" eaLnBrk="0" fontAlgn="base" latinLnBrk="0" hangingPunct="0">
+              <a:lnSpc>
+                <a:spcPct val="100000"/>
+              </a:lnSpc>
+              <a:spcBef>
+                <a:spcPct val="0"/>
+              </a:spcBef>
+              <a:spcAft>
+                <a:spcPct val="0"/>
+              </a:spcAft>
+              <a:buClrTx/>
+              <a:buSzTx/>
+              <a:buFontTx/>
+              <a:buNone/>
+              <a:tabLst/>
+            </a:pPr>
+            <a:r>
+              <a:rPr kumimoji="0" lang="cs-CZ" altLang="cs-CZ" sz="1600" b="1" i="0" u="none" strike="noStrike" cap="none" normalizeH="0" baseline="0" dirty="0" smtClean="0">
+                <a:ln>
+                  <a:noFill/>
+                </a:ln>
+                <a:solidFill>
+                  <a:srgbClr val="000080"/>
+                </a:solidFill>
+                <a:effectLst/>
+                <a:latin typeface="Courier New" panose="02070309020205020404" pitchFamily="49" charset="0"/>
+                <a:cs typeface="Courier New" panose="02070309020205020404" pitchFamily="49" charset="0"/>
+              </a:rPr>
+              <a:t>public </a:t>
+            </a:r>
+            <a:r>
+              <a:rPr kumimoji="0" lang="cs-CZ" altLang="cs-CZ" sz="1600" b="1" i="0" u="none" strike="noStrike" cap="none" normalizeH="0" baseline="0" dirty="0" err="1" smtClean="0">
+                <a:ln>
+                  <a:noFill/>
+                </a:ln>
+                <a:solidFill>
+                  <a:srgbClr val="000080"/>
+                </a:solidFill>
+                <a:effectLst/>
+                <a:latin typeface="Courier New" panose="02070309020205020404" pitchFamily="49" charset="0"/>
+                <a:cs typeface="Courier New" panose="02070309020205020404" pitchFamily="49" charset="0"/>
+              </a:rPr>
+              <a:t>inline</a:t>
+            </a:r>
+            <a:r>
+              <a:rPr kumimoji="0" lang="cs-CZ" altLang="cs-CZ" sz="1600" b="1" i="0" u="none" strike="noStrike" cap="none" normalizeH="0" baseline="0" dirty="0" smtClean="0">
+                <a:ln>
+                  <a:noFill/>
+                </a:ln>
+                <a:solidFill>
+                  <a:srgbClr val="000080"/>
+                </a:solidFill>
+                <a:effectLst/>
+                <a:latin typeface="Courier New" panose="02070309020205020404" pitchFamily="49" charset="0"/>
+                <a:cs typeface="Courier New" panose="02070309020205020404" pitchFamily="49" charset="0"/>
+              </a:rPr>
+              <a:t> </a:t>
+            </a:r>
+            <a:r>
+              <a:rPr kumimoji="0" lang="cs-CZ" altLang="cs-CZ" sz="1600" b="1" i="0" u="none" strike="noStrike" cap="none" normalizeH="0" baseline="0" dirty="0" err="1" smtClean="0">
+                <a:ln>
+                  <a:noFill/>
+                </a:ln>
+                <a:solidFill>
+                  <a:srgbClr val="000080"/>
+                </a:solidFill>
+                <a:effectLst/>
+                <a:latin typeface="Courier New" panose="02070309020205020404" pitchFamily="49" charset="0"/>
+                <a:cs typeface="Courier New" panose="02070309020205020404" pitchFamily="49" charset="0"/>
+              </a:rPr>
+              <a:t>fun</a:t>
+            </a:r>
+            <a:r>
+              <a:rPr kumimoji="0" lang="cs-CZ" altLang="cs-CZ" sz="1600" b="1" i="0" u="none" strike="noStrike" cap="none" normalizeH="0" baseline="0" dirty="0" smtClean="0">
+                <a:ln>
+                  <a:noFill/>
+                </a:ln>
+                <a:solidFill>
+                  <a:srgbClr val="000080"/>
+                </a:solidFill>
+                <a:effectLst/>
+                <a:latin typeface="Courier New" panose="02070309020205020404" pitchFamily="49" charset="0"/>
+                <a:cs typeface="Courier New" panose="02070309020205020404" pitchFamily="49" charset="0"/>
+              </a:rPr>
+              <a:t> </a:t>
+            </a:r>
+            <a:r>
+              <a:rPr kumimoji="0" lang="cs-CZ" altLang="cs-CZ" sz="1600" b="0" i="0" u="none" strike="noStrike" cap="none" normalizeH="0" baseline="0" dirty="0" smtClean="0">
+                <a:ln>
+                  <a:noFill/>
+                </a:ln>
+                <a:solidFill>
+                  <a:srgbClr val="000000"/>
+                </a:solidFill>
+                <a:effectLst/>
+                <a:latin typeface="Courier New" panose="02070309020205020404" pitchFamily="49" charset="0"/>
+                <a:cs typeface="Courier New" panose="02070309020205020404" pitchFamily="49" charset="0"/>
+              </a:rPr>
+              <a:t>&lt;</a:t>
+            </a:r>
+            <a:r>
+              <a:rPr kumimoji="0" lang="cs-CZ" altLang="cs-CZ" sz="1600" b="0" i="0" u="none" strike="noStrike" cap="none" normalizeH="0" baseline="0" dirty="0" smtClean="0">
+                <a:ln>
+                  <a:noFill/>
+                </a:ln>
+                <a:solidFill>
+                  <a:srgbClr val="20999D"/>
+                </a:solidFill>
+                <a:effectLst/>
+                <a:latin typeface="Courier New" panose="02070309020205020404" pitchFamily="49" charset="0"/>
+                <a:cs typeface="Courier New" panose="02070309020205020404" pitchFamily="49" charset="0"/>
+              </a:rPr>
+              <a:t>T</a:t>
+            </a:r>
+            <a:r>
+              <a:rPr kumimoji="0" lang="cs-CZ" altLang="cs-CZ" sz="1600" b="0" i="0" u="none" strike="noStrike" cap="none" normalizeH="0" baseline="0" dirty="0" smtClean="0">
+                <a:ln>
+                  <a:noFill/>
+                </a:ln>
+                <a:solidFill>
+                  <a:srgbClr val="000000"/>
+                </a:solidFill>
+                <a:effectLst/>
+                <a:latin typeface="Courier New" panose="02070309020205020404" pitchFamily="49" charset="0"/>
+                <a:cs typeface="Courier New" panose="02070309020205020404" pitchFamily="49" charset="0"/>
+              </a:rPr>
+              <a:t>, </a:t>
+            </a:r>
+            <a:r>
+              <a:rPr kumimoji="0" lang="cs-CZ" altLang="cs-CZ" sz="1600" b="0" i="0" u="none" strike="noStrike" cap="none" normalizeH="0" baseline="0" dirty="0" smtClean="0">
+                <a:ln>
+                  <a:noFill/>
+                </a:ln>
+                <a:solidFill>
+                  <a:srgbClr val="20999D"/>
+                </a:solidFill>
+                <a:effectLst/>
+                <a:latin typeface="Courier New" panose="02070309020205020404" pitchFamily="49" charset="0"/>
+                <a:cs typeface="Courier New" panose="02070309020205020404" pitchFamily="49" charset="0"/>
+              </a:rPr>
+              <a:t>R</a:t>
+            </a:r>
+            <a:r>
+              <a:rPr kumimoji="0" lang="cs-CZ" altLang="cs-CZ" sz="1600" b="0" i="0" u="none" strike="noStrike" cap="none" normalizeH="0" baseline="0" dirty="0" smtClean="0">
+                <a:ln>
+                  <a:noFill/>
+                </a:ln>
+                <a:solidFill>
+                  <a:srgbClr val="000000"/>
+                </a:solidFill>
+                <a:effectLst/>
+                <a:latin typeface="Courier New" panose="02070309020205020404" pitchFamily="49" charset="0"/>
+                <a:cs typeface="Courier New" panose="02070309020205020404" pitchFamily="49" charset="0"/>
+              </a:rPr>
+              <a:t>&gt; </a:t>
+            </a:r>
+            <a:r>
+              <a:rPr kumimoji="0" lang="cs-CZ" altLang="cs-CZ" sz="1600" b="0" i="0" u="none" strike="noStrike" cap="none" normalizeH="0" baseline="0" dirty="0" err="1" smtClean="0">
+                <a:ln>
+                  <a:noFill/>
+                </a:ln>
+                <a:solidFill>
+                  <a:srgbClr val="20999D"/>
+                </a:solidFill>
+                <a:effectLst/>
+                <a:latin typeface="Courier New" panose="02070309020205020404" pitchFamily="49" charset="0"/>
+                <a:cs typeface="Courier New" panose="02070309020205020404" pitchFamily="49" charset="0"/>
+              </a:rPr>
+              <a:t>T</a:t>
+            </a:r>
+            <a:r>
+              <a:rPr kumimoji="0" lang="cs-CZ" altLang="cs-CZ" sz="1600" b="0" i="0" u="none" strike="noStrike" cap="none" normalizeH="0" baseline="0" dirty="0" err="1" smtClean="0">
+                <a:ln>
+                  <a:noFill/>
+                </a:ln>
+                <a:solidFill>
+                  <a:srgbClr val="000000"/>
+                </a:solidFill>
+                <a:effectLst/>
+                <a:latin typeface="Courier New" panose="02070309020205020404" pitchFamily="49" charset="0"/>
+                <a:cs typeface="Courier New" panose="02070309020205020404" pitchFamily="49" charset="0"/>
+              </a:rPr>
+              <a:t>.let</a:t>
+            </a:r>
+            <a:r>
+              <a:rPr kumimoji="0" lang="cs-CZ" altLang="cs-CZ" sz="1600" b="0" i="0" u="none" strike="noStrike" cap="none" normalizeH="0" baseline="0" dirty="0" smtClean="0">
+                <a:ln>
+                  <a:noFill/>
+                </a:ln>
+                <a:solidFill>
+                  <a:srgbClr val="000000"/>
+                </a:solidFill>
+                <a:effectLst/>
+                <a:latin typeface="Courier New" panose="02070309020205020404" pitchFamily="49" charset="0"/>
+                <a:cs typeface="Courier New" panose="02070309020205020404" pitchFamily="49" charset="0"/>
+              </a:rPr>
+              <a:t>(</a:t>
+            </a:r>
+            <a:r>
+              <a:rPr kumimoji="0" lang="cs-CZ" altLang="cs-CZ" sz="1600" b="0" i="0" u="none" strike="noStrike" cap="none" normalizeH="0" baseline="0" dirty="0" err="1" smtClean="0">
+                <a:ln>
+                  <a:noFill/>
+                </a:ln>
+                <a:solidFill>
+                  <a:srgbClr val="000000"/>
+                </a:solidFill>
+                <a:effectLst/>
+                <a:latin typeface="Courier New" panose="02070309020205020404" pitchFamily="49" charset="0"/>
+                <a:cs typeface="Courier New" panose="02070309020205020404" pitchFamily="49" charset="0"/>
+              </a:rPr>
+              <a:t>block</a:t>
+            </a:r>
+            <a:r>
+              <a:rPr kumimoji="0" lang="cs-CZ" altLang="cs-CZ" sz="1600" b="0" i="0" u="none" strike="noStrike" cap="none" normalizeH="0" baseline="0" dirty="0" smtClean="0">
+                <a:ln>
+                  <a:noFill/>
+                </a:ln>
+                <a:solidFill>
+                  <a:srgbClr val="000000"/>
+                </a:solidFill>
+                <a:effectLst/>
+                <a:latin typeface="Courier New" panose="02070309020205020404" pitchFamily="49" charset="0"/>
+                <a:cs typeface="Courier New" panose="02070309020205020404" pitchFamily="49" charset="0"/>
+              </a:rPr>
+              <a:t>: (</a:t>
+            </a:r>
+            <a:r>
+              <a:rPr kumimoji="0" lang="cs-CZ" altLang="cs-CZ" sz="1600" b="0" i="0" u="none" strike="noStrike" cap="none" normalizeH="0" baseline="0" dirty="0" smtClean="0">
+                <a:ln>
+                  <a:noFill/>
+                </a:ln>
+                <a:solidFill>
+                  <a:srgbClr val="20999D"/>
+                </a:solidFill>
+                <a:effectLst/>
+                <a:latin typeface="Courier New" panose="02070309020205020404" pitchFamily="49" charset="0"/>
+                <a:cs typeface="Courier New" panose="02070309020205020404" pitchFamily="49" charset="0"/>
+              </a:rPr>
+              <a:t>T</a:t>
+            </a:r>
+            <a:r>
+              <a:rPr kumimoji="0" lang="cs-CZ" altLang="cs-CZ" sz="1600" b="0" i="0" u="none" strike="noStrike" cap="none" normalizeH="0" baseline="0" dirty="0" smtClean="0">
+                <a:ln>
+                  <a:noFill/>
+                </a:ln>
+                <a:solidFill>
+                  <a:srgbClr val="000000"/>
+                </a:solidFill>
+                <a:effectLst/>
+                <a:latin typeface="Courier New" panose="02070309020205020404" pitchFamily="49" charset="0"/>
+                <a:cs typeface="Courier New" panose="02070309020205020404" pitchFamily="49" charset="0"/>
+              </a:rPr>
+              <a:t>) -&gt; </a:t>
+            </a:r>
+            <a:r>
+              <a:rPr kumimoji="0" lang="cs-CZ" altLang="cs-CZ" sz="1600" b="0" i="0" u="none" strike="noStrike" cap="none" normalizeH="0" baseline="0" dirty="0" smtClean="0">
+                <a:ln>
+                  <a:noFill/>
+                </a:ln>
+                <a:solidFill>
+                  <a:srgbClr val="20999D"/>
+                </a:solidFill>
+                <a:effectLst/>
+                <a:latin typeface="Courier New" panose="02070309020205020404" pitchFamily="49" charset="0"/>
+                <a:cs typeface="Courier New" panose="02070309020205020404" pitchFamily="49" charset="0"/>
+              </a:rPr>
+              <a:t>R</a:t>
+            </a:r>
+            <a:r>
+              <a:rPr kumimoji="0" lang="cs-CZ" altLang="cs-CZ" sz="1600" b="0" i="0" u="none" strike="noStrike" cap="none" normalizeH="0" baseline="0" dirty="0" smtClean="0">
+                <a:ln>
+                  <a:noFill/>
+                </a:ln>
+                <a:solidFill>
+                  <a:srgbClr val="000000"/>
+                </a:solidFill>
+                <a:effectLst/>
+                <a:latin typeface="Courier New" panose="02070309020205020404" pitchFamily="49" charset="0"/>
+                <a:cs typeface="Courier New" panose="02070309020205020404" pitchFamily="49" charset="0"/>
+              </a:rPr>
+              <a:t>): </a:t>
+            </a:r>
+            <a:r>
+              <a:rPr kumimoji="0" lang="cs-CZ" altLang="cs-CZ" sz="1600" b="0" i="0" u="none" strike="noStrike" cap="none" normalizeH="0" baseline="0" dirty="0" smtClean="0">
+                <a:ln>
+                  <a:noFill/>
+                </a:ln>
+                <a:solidFill>
+                  <a:srgbClr val="20999D"/>
+                </a:solidFill>
+                <a:effectLst/>
+                <a:latin typeface="Courier New" panose="02070309020205020404" pitchFamily="49" charset="0"/>
+                <a:cs typeface="Courier New" panose="02070309020205020404" pitchFamily="49" charset="0"/>
+              </a:rPr>
+              <a:t>R</a:t>
+            </a:r>
+            <a:endParaRPr kumimoji="0" lang="cs-CZ" altLang="cs-CZ" sz="1600" b="0" i="0" u="none" strike="noStrike" cap="none" normalizeH="0" baseline="0" dirty="0" smtClean="0">
+              <a:ln>
+                <a:noFill/>
+              </a:ln>
+              <a:solidFill>
+                <a:schemeClr val="tx1"/>
+              </a:solidFill>
+              <a:effectLst/>
+              <a:latin typeface="Arial" panose="020B0604020202020204" pitchFamily="34" charset="0"/>
+            </a:endParaRPr>
+          </a:p>
+        </p:txBody>
+      </p:sp>
+      <p:sp>
+        <p:nvSpPr>
+          <p:cNvPr id="5" name="Rectangle 5"/>
+          <p:cNvSpPr>
+            <a:spLocks noChangeArrowheads="1"/>
+          </p:cNvSpPr>
+          <p:nvPr/>
+        </p:nvSpPr>
+        <p:spPr bwMode="auto">
+          <a:xfrm>
+            <a:off x="251520" y="2496066"/>
+            <a:ext cx="6479659" cy="338554"/>
+          </a:xfrm>
+          <a:prstGeom prst="rect">
+            <a:avLst/>
+          </a:prstGeom>
+          <a:solidFill>
+            <a:srgbClr val="FFFFFF"/>
+          </a:solidFill>
+          <a:ln>
+            <a:noFill/>
+          </a:ln>
+          <a:effectLst/>
+          <a:extLst>
+            <a:ext uri="{91240B29-F687-4F45-9708-019B960494DF}">
+              <a14:hiddenLine xmlns:a14="http://schemas.microsoft.com/office/drawing/2010/main" w="9525">
+                <a:solidFill>
+                  <a:schemeClr val="tx1"/>
+                </a:solidFill>
+                <a:miter lim="800000"/>
+                <a:headEnd/>
+                <a:tailEnd/>
+              </a14:hiddenLine>
+            </a:ext>
+            <a:ext uri="{AF507438-7753-43E0-B8FC-AC1667EBCBE1}">
+              <a14:hiddenEffects xmlns:a14="http://schemas.microsoft.com/office/drawing/2010/main">
+                <a:effectLst>
+                  <a:outerShdw dist="35921" dir="2700000" algn="ctr" rotWithShape="0">
+                    <a:schemeClr val="bg2"/>
+                  </a:outerShdw>
+                </a:effectLst>
+              </a14:hiddenEffects>
+            </a:ext>
+          </a:extLst>
+        </p:spPr>
+        <p:txBody>
+          <a:bodyPr vert="horz" wrap="none" lIns="91440" tIns="45720" rIns="91440" bIns="45720" numCol="1" anchor="ctr" anchorCtr="0" compatLnSpc="1">
+            <a:prstTxWarp prst="textNoShape">
+              <a:avLst/>
+            </a:prstTxWarp>
+            <a:spAutoFit/>
+          </a:bodyPr>
+          <a:lstStyle/>
+          <a:p>
+            <a:pPr marL="0" marR="0" lvl="0" indent="0" algn="l" defTabSz="914400" rtl="0" eaLnBrk="0" fontAlgn="base" latinLnBrk="0" hangingPunct="0">
+              <a:lnSpc>
+                <a:spcPct val="100000"/>
+              </a:lnSpc>
+              <a:spcBef>
+                <a:spcPct val="0"/>
+              </a:spcBef>
+              <a:spcAft>
+                <a:spcPct val="0"/>
+              </a:spcAft>
+              <a:buClrTx/>
+              <a:buSzTx/>
+              <a:buFontTx/>
+              <a:buNone/>
+              <a:tabLst/>
+            </a:pPr>
+            <a:r>
+              <a:rPr kumimoji="0" lang="cs-CZ" altLang="cs-CZ" sz="1600" b="1" i="0" u="none" strike="noStrike" cap="none" normalizeH="0" baseline="0" dirty="0" smtClean="0">
+                <a:ln>
+                  <a:noFill/>
+                </a:ln>
+                <a:solidFill>
+                  <a:srgbClr val="000080"/>
+                </a:solidFill>
+                <a:effectLst/>
+                <a:latin typeface="Courier New" panose="02070309020205020404" pitchFamily="49" charset="0"/>
+                <a:cs typeface="Courier New" panose="02070309020205020404" pitchFamily="49" charset="0"/>
+              </a:rPr>
+              <a:t>public </a:t>
+            </a:r>
+            <a:r>
+              <a:rPr kumimoji="0" lang="cs-CZ" altLang="cs-CZ" sz="1600" b="1" i="0" u="none" strike="noStrike" cap="none" normalizeH="0" baseline="0" dirty="0" err="1" smtClean="0">
+                <a:ln>
+                  <a:noFill/>
+                </a:ln>
+                <a:solidFill>
+                  <a:srgbClr val="000080"/>
+                </a:solidFill>
+                <a:effectLst/>
+                <a:latin typeface="Courier New" panose="02070309020205020404" pitchFamily="49" charset="0"/>
+                <a:cs typeface="Courier New" panose="02070309020205020404" pitchFamily="49" charset="0"/>
+              </a:rPr>
+              <a:t>inline</a:t>
+            </a:r>
+            <a:r>
+              <a:rPr kumimoji="0" lang="cs-CZ" altLang="cs-CZ" sz="1600" b="1" i="0" u="none" strike="noStrike" cap="none" normalizeH="0" baseline="0" dirty="0" smtClean="0">
+                <a:ln>
+                  <a:noFill/>
+                </a:ln>
+                <a:solidFill>
+                  <a:srgbClr val="000080"/>
+                </a:solidFill>
+                <a:effectLst/>
+                <a:latin typeface="Courier New" panose="02070309020205020404" pitchFamily="49" charset="0"/>
+                <a:cs typeface="Courier New" panose="02070309020205020404" pitchFamily="49" charset="0"/>
+              </a:rPr>
+              <a:t> </a:t>
+            </a:r>
+            <a:r>
+              <a:rPr kumimoji="0" lang="cs-CZ" altLang="cs-CZ" sz="1600" b="1" i="0" u="none" strike="noStrike" cap="none" normalizeH="0" baseline="0" dirty="0" err="1" smtClean="0">
+                <a:ln>
+                  <a:noFill/>
+                </a:ln>
+                <a:solidFill>
+                  <a:srgbClr val="000080"/>
+                </a:solidFill>
+                <a:effectLst/>
+                <a:latin typeface="Courier New" panose="02070309020205020404" pitchFamily="49" charset="0"/>
+                <a:cs typeface="Courier New" panose="02070309020205020404" pitchFamily="49" charset="0"/>
+              </a:rPr>
+              <a:t>fun</a:t>
+            </a:r>
+            <a:r>
+              <a:rPr kumimoji="0" lang="cs-CZ" altLang="cs-CZ" sz="1600" b="1" i="0" u="none" strike="noStrike" cap="none" normalizeH="0" baseline="0" dirty="0" smtClean="0">
+                <a:ln>
+                  <a:noFill/>
+                </a:ln>
+                <a:solidFill>
+                  <a:srgbClr val="000080"/>
+                </a:solidFill>
+                <a:effectLst/>
+                <a:latin typeface="Courier New" panose="02070309020205020404" pitchFamily="49" charset="0"/>
+                <a:cs typeface="Courier New" panose="02070309020205020404" pitchFamily="49" charset="0"/>
+              </a:rPr>
+              <a:t> </a:t>
+            </a:r>
+            <a:r>
+              <a:rPr kumimoji="0" lang="cs-CZ" altLang="cs-CZ" sz="1600" b="0" i="0" u="none" strike="noStrike" cap="none" normalizeH="0" baseline="0" dirty="0" smtClean="0">
+                <a:ln>
+                  <a:noFill/>
+                </a:ln>
+                <a:solidFill>
+                  <a:srgbClr val="000000"/>
+                </a:solidFill>
+                <a:effectLst/>
+                <a:latin typeface="Courier New" panose="02070309020205020404" pitchFamily="49" charset="0"/>
+                <a:cs typeface="Courier New" panose="02070309020205020404" pitchFamily="49" charset="0"/>
+              </a:rPr>
+              <a:t>&lt;</a:t>
+            </a:r>
+            <a:r>
+              <a:rPr kumimoji="0" lang="cs-CZ" altLang="cs-CZ" sz="1600" b="0" i="0" u="none" strike="noStrike" cap="none" normalizeH="0" baseline="0" dirty="0" smtClean="0">
+                <a:ln>
+                  <a:noFill/>
+                </a:ln>
+                <a:solidFill>
+                  <a:srgbClr val="20999D"/>
+                </a:solidFill>
+                <a:effectLst/>
+                <a:latin typeface="Courier New" panose="02070309020205020404" pitchFamily="49" charset="0"/>
+                <a:cs typeface="Courier New" panose="02070309020205020404" pitchFamily="49" charset="0"/>
+              </a:rPr>
+              <a:t>T</a:t>
+            </a:r>
+            <a:r>
+              <a:rPr kumimoji="0" lang="cs-CZ" altLang="cs-CZ" sz="1600" b="0" i="0" u="none" strike="noStrike" cap="none" normalizeH="0" baseline="0" dirty="0" smtClean="0">
+                <a:ln>
+                  <a:noFill/>
+                </a:ln>
+                <a:solidFill>
+                  <a:srgbClr val="000000"/>
+                </a:solidFill>
+                <a:effectLst/>
+                <a:latin typeface="Courier New" panose="02070309020205020404" pitchFamily="49" charset="0"/>
+                <a:cs typeface="Courier New" panose="02070309020205020404" pitchFamily="49" charset="0"/>
+              </a:rPr>
+              <a:t>, </a:t>
+            </a:r>
+            <a:r>
+              <a:rPr kumimoji="0" lang="cs-CZ" altLang="cs-CZ" sz="1600" b="0" i="0" u="none" strike="noStrike" cap="none" normalizeH="0" baseline="0" dirty="0" smtClean="0">
+                <a:ln>
+                  <a:noFill/>
+                </a:ln>
+                <a:solidFill>
+                  <a:srgbClr val="20999D"/>
+                </a:solidFill>
+                <a:effectLst/>
+                <a:latin typeface="Courier New" panose="02070309020205020404" pitchFamily="49" charset="0"/>
+                <a:cs typeface="Courier New" panose="02070309020205020404" pitchFamily="49" charset="0"/>
+              </a:rPr>
+              <a:t>R</a:t>
+            </a:r>
+            <a:r>
+              <a:rPr kumimoji="0" lang="cs-CZ" altLang="cs-CZ" sz="1600" b="0" i="0" u="none" strike="noStrike" cap="none" normalizeH="0" baseline="0" dirty="0" smtClean="0">
+                <a:ln>
+                  <a:noFill/>
+                </a:ln>
+                <a:solidFill>
+                  <a:srgbClr val="000000"/>
+                </a:solidFill>
+                <a:effectLst/>
+                <a:latin typeface="Courier New" panose="02070309020205020404" pitchFamily="49" charset="0"/>
+                <a:cs typeface="Courier New" panose="02070309020205020404" pitchFamily="49" charset="0"/>
+              </a:rPr>
+              <a:t>&gt; </a:t>
+            </a:r>
+            <a:r>
+              <a:rPr kumimoji="0" lang="cs-CZ" altLang="cs-CZ" sz="1600" b="0" i="0" u="none" strike="noStrike" cap="none" normalizeH="0" baseline="0" dirty="0" err="1" smtClean="0">
+                <a:ln>
+                  <a:noFill/>
+                </a:ln>
+                <a:solidFill>
+                  <a:srgbClr val="20999D"/>
+                </a:solidFill>
+                <a:effectLst/>
+                <a:latin typeface="Courier New" panose="02070309020205020404" pitchFamily="49" charset="0"/>
+                <a:cs typeface="Courier New" panose="02070309020205020404" pitchFamily="49" charset="0"/>
+              </a:rPr>
+              <a:t>T</a:t>
+            </a:r>
+            <a:r>
+              <a:rPr kumimoji="0" lang="cs-CZ" altLang="cs-CZ" sz="1600" b="0" i="0" u="none" strike="noStrike" cap="none" normalizeH="0" baseline="0" dirty="0" err="1" smtClean="0">
+                <a:ln>
+                  <a:noFill/>
+                </a:ln>
+                <a:solidFill>
+                  <a:srgbClr val="000000"/>
+                </a:solidFill>
+                <a:effectLst/>
+                <a:latin typeface="Courier New" panose="02070309020205020404" pitchFamily="49" charset="0"/>
+                <a:cs typeface="Courier New" panose="02070309020205020404" pitchFamily="49" charset="0"/>
+              </a:rPr>
+              <a:t>.run</a:t>
+            </a:r>
+            <a:r>
+              <a:rPr kumimoji="0" lang="cs-CZ" altLang="cs-CZ" sz="1600" b="0" i="0" u="none" strike="noStrike" cap="none" normalizeH="0" baseline="0" dirty="0" smtClean="0">
+                <a:ln>
+                  <a:noFill/>
+                </a:ln>
+                <a:solidFill>
+                  <a:srgbClr val="000000"/>
+                </a:solidFill>
+                <a:effectLst/>
+                <a:latin typeface="Courier New" panose="02070309020205020404" pitchFamily="49" charset="0"/>
+                <a:cs typeface="Courier New" panose="02070309020205020404" pitchFamily="49" charset="0"/>
+              </a:rPr>
+              <a:t>(</a:t>
+            </a:r>
+            <a:r>
+              <a:rPr kumimoji="0" lang="cs-CZ" altLang="cs-CZ" sz="1600" b="0" i="0" u="none" strike="noStrike" cap="none" normalizeH="0" baseline="0" dirty="0" err="1" smtClean="0">
+                <a:ln>
+                  <a:noFill/>
+                </a:ln>
+                <a:solidFill>
+                  <a:srgbClr val="000000"/>
+                </a:solidFill>
+                <a:effectLst/>
+                <a:latin typeface="Courier New" panose="02070309020205020404" pitchFamily="49" charset="0"/>
+                <a:cs typeface="Courier New" panose="02070309020205020404" pitchFamily="49" charset="0"/>
+              </a:rPr>
+              <a:t>block</a:t>
+            </a:r>
+            <a:r>
+              <a:rPr kumimoji="0" lang="cs-CZ" altLang="cs-CZ" sz="1600" b="0" i="0" u="none" strike="noStrike" cap="none" normalizeH="0" baseline="0" dirty="0" smtClean="0">
+                <a:ln>
+                  <a:noFill/>
+                </a:ln>
+                <a:solidFill>
+                  <a:srgbClr val="000000"/>
+                </a:solidFill>
+                <a:effectLst/>
+                <a:latin typeface="Courier New" panose="02070309020205020404" pitchFamily="49" charset="0"/>
+                <a:cs typeface="Courier New" panose="02070309020205020404" pitchFamily="49" charset="0"/>
+              </a:rPr>
+              <a:t>: </a:t>
+            </a:r>
+            <a:r>
+              <a:rPr kumimoji="0" lang="cs-CZ" altLang="cs-CZ" sz="1600" b="0" i="0" u="none" strike="noStrike" cap="none" normalizeH="0" baseline="0" dirty="0" smtClean="0">
+                <a:ln>
+                  <a:noFill/>
+                </a:ln>
+                <a:solidFill>
+                  <a:srgbClr val="20999D"/>
+                </a:solidFill>
+                <a:effectLst/>
+                <a:latin typeface="Courier New" panose="02070309020205020404" pitchFamily="49" charset="0"/>
+                <a:cs typeface="Courier New" panose="02070309020205020404" pitchFamily="49" charset="0"/>
+              </a:rPr>
+              <a:t>T</a:t>
+            </a:r>
+            <a:r>
+              <a:rPr kumimoji="0" lang="cs-CZ" altLang="cs-CZ" sz="1600" b="0" i="0" u="none" strike="noStrike" cap="none" normalizeH="0" baseline="0" dirty="0" smtClean="0">
+                <a:ln>
+                  <a:noFill/>
+                </a:ln>
+                <a:solidFill>
+                  <a:srgbClr val="000000"/>
+                </a:solidFill>
+                <a:effectLst/>
+                <a:latin typeface="Courier New" panose="02070309020205020404" pitchFamily="49" charset="0"/>
+                <a:cs typeface="Courier New" panose="02070309020205020404" pitchFamily="49" charset="0"/>
+              </a:rPr>
+              <a:t>.() -&gt; </a:t>
+            </a:r>
+            <a:r>
+              <a:rPr kumimoji="0" lang="cs-CZ" altLang="cs-CZ" sz="1600" b="0" i="0" u="none" strike="noStrike" cap="none" normalizeH="0" baseline="0" dirty="0" smtClean="0">
+                <a:ln>
+                  <a:noFill/>
+                </a:ln>
+                <a:solidFill>
+                  <a:srgbClr val="20999D"/>
+                </a:solidFill>
+                <a:effectLst/>
+                <a:latin typeface="Courier New" panose="02070309020205020404" pitchFamily="49" charset="0"/>
+                <a:cs typeface="Courier New" panose="02070309020205020404" pitchFamily="49" charset="0"/>
+              </a:rPr>
+              <a:t>R</a:t>
+            </a:r>
+            <a:r>
+              <a:rPr kumimoji="0" lang="cs-CZ" altLang="cs-CZ" sz="1600" b="0" i="0" u="none" strike="noStrike" cap="none" normalizeH="0" baseline="0" dirty="0" smtClean="0">
+                <a:ln>
+                  <a:noFill/>
+                </a:ln>
+                <a:solidFill>
+                  <a:srgbClr val="000000"/>
+                </a:solidFill>
+                <a:effectLst/>
+                <a:latin typeface="Courier New" panose="02070309020205020404" pitchFamily="49" charset="0"/>
+                <a:cs typeface="Courier New" panose="02070309020205020404" pitchFamily="49" charset="0"/>
+              </a:rPr>
+              <a:t>): </a:t>
+            </a:r>
+            <a:r>
+              <a:rPr kumimoji="0" lang="cs-CZ" altLang="cs-CZ" sz="1600" b="0" i="0" u="none" strike="noStrike" cap="none" normalizeH="0" baseline="0" dirty="0" smtClean="0">
+                <a:ln>
+                  <a:noFill/>
+                </a:ln>
+                <a:solidFill>
+                  <a:srgbClr val="20999D"/>
+                </a:solidFill>
+                <a:effectLst/>
+                <a:latin typeface="Courier New" panose="02070309020205020404" pitchFamily="49" charset="0"/>
+                <a:cs typeface="Courier New" panose="02070309020205020404" pitchFamily="49" charset="0"/>
+              </a:rPr>
+              <a:t>R</a:t>
+            </a:r>
+            <a:endParaRPr kumimoji="0" lang="cs-CZ" altLang="cs-CZ" sz="1600" b="0" i="0" u="none" strike="noStrike" cap="none" normalizeH="0" baseline="0" dirty="0" smtClean="0">
+              <a:ln>
+                <a:noFill/>
+              </a:ln>
+              <a:solidFill>
+                <a:schemeClr val="tx1"/>
+              </a:solidFill>
+              <a:effectLst/>
+              <a:latin typeface="Arial" panose="020B0604020202020204" pitchFamily="34" charset="0"/>
+            </a:endParaRPr>
+          </a:p>
+        </p:txBody>
+      </p:sp>
+      <p:sp>
+        <p:nvSpPr>
+          <p:cNvPr id="6" name="Rectangle 1"/>
+          <p:cNvSpPr>
+            <a:spLocks noChangeArrowheads="1"/>
+          </p:cNvSpPr>
+          <p:nvPr/>
+        </p:nvSpPr>
+        <p:spPr bwMode="auto">
+          <a:xfrm>
+            <a:off x="323528" y="3334186"/>
+            <a:ext cx="5795176" cy="1323439"/>
+          </a:xfrm>
+          <a:prstGeom prst="rect">
+            <a:avLst/>
+          </a:prstGeom>
+          <a:solidFill>
+            <a:srgbClr val="FFFFFF"/>
+          </a:solidFill>
+          <a:ln>
+            <a:noFill/>
+          </a:ln>
+          <a:effectLst/>
+          <a:extLst>
+            <a:ext uri="{91240B29-F687-4F45-9708-019B960494DF}">
+              <a14:hiddenLine xmlns:a14="http://schemas.microsoft.com/office/drawing/2010/main" w="9525">
+                <a:solidFill>
+                  <a:schemeClr val="tx1"/>
+                </a:solidFill>
+                <a:miter lim="800000"/>
+                <a:headEnd/>
+                <a:tailEnd/>
+              </a14:hiddenLine>
+            </a:ext>
+            <a:ext uri="{AF507438-7753-43E0-B8FC-AC1667EBCBE1}">
+              <a14:hiddenEffects xmlns:a14="http://schemas.microsoft.com/office/drawing/2010/main">
+                <a:effectLst>
+                  <a:outerShdw dist="35921" dir="2700000" algn="ctr" rotWithShape="0">
+                    <a:schemeClr val="bg2"/>
+                  </a:outerShdw>
+                </a:effectLst>
+              </a14:hiddenEffects>
+            </a:ext>
+          </a:extLst>
+        </p:spPr>
+        <p:txBody>
+          <a:bodyPr vert="horz" wrap="none" lIns="91440" tIns="45720" rIns="91440" bIns="45720" numCol="1" anchor="ctr" anchorCtr="0" compatLnSpc="1">
+            <a:prstTxWarp prst="textNoShape">
+              <a:avLst/>
+            </a:prstTxWarp>
+            <a:spAutoFit/>
+          </a:bodyPr>
+          <a:lstStyle/>
+          <a:p>
+            <a:pPr marL="0" marR="0" lvl="0" indent="0" algn="l" defTabSz="914400" rtl="0" eaLnBrk="0" fontAlgn="base" latinLnBrk="0" hangingPunct="0">
+              <a:lnSpc>
+                <a:spcPct val="100000"/>
+              </a:lnSpc>
+              <a:spcBef>
+                <a:spcPct val="0"/>
+              </a:spcBef>
+              <a:spcAft>
+                <a:spcPct val="0"/>
+              </a:spcAft>
+              <a:buClrTx/>
+              <a:buSzTx/>
+              <a:buFontTx/>
+              <a:buNone/>
+              <a:tabLst/>
+            </a:pPr>
+            <a:r>
+              <a:rPr kumimoji="0" lang="cs-CZ" altLang="cs-CZ" sz="1600" b="1" i="0" u="none" strike="noStrike" cap="none" normalizeH="0" baseline="0" dirty="0" smtClean="0">
+                <a:ln>
+                  <a:noFill/>
+                </a:ln>
+                <a:solidFill>
+                  <a:srgbClr val="000080"/>
+                </a:solidFill>
+                <a:effectLst/>
+                <a:latin typeface="Consolas" panose="020B0609020204030204" pitchFamily="49" charset="0"/>
+              </a:rPr>
+              <a:t>val </a:t>
+            </a:r>
+            <a:r>
+              <a:rPr kumimoji="0" lang="cs-CZ" altLang="cs-CZ" sz="1600" b="0" i="0" u="none" strike="noStrike" cap="none" normalizeH="0" baseline="0" dirty="0" err="1" smtClean="0">
+                <a:ln>
+                  <a:noFill/>
+                </a:ln>
+                <a:solidFill>
+                  <a:srgbClr val="000000"/>
+                </a:solidFill>
+                <a:effectLst/>
+                <a:latin typeface="Consolas" panose="020B0609020204030204" pitchFamily="49" charset="0"/>
+              </a:rPr>
+              <a:t>answerToUniverse</a:t>
+            </a:r>
+            <a:r>
+              <a:rPr kumimoji="0" lang="cs-CZ" altLang="cs-CZ" sz="1600" b="0" i="0" u="none" strike="noStrike" cap="none" normalizeH="0" baseline="0" dirty="0" smtClean="0">
+                <a:ln>
+                  <a:noFill/>
+                </a:ln>
+                <a:solidFill>
+                  <a:srgbClr val="000000"/>
+                </a:solidFill>
+                <a:effectLst/>
+                <a:latin typeface="Consolas" panose="020B0609020204030204" pitchFamily="49" charset="0"/>
+              </a:rPr>
+              <a:t> = </a:t>
+            </a:r>
+            <a:r>
+              <a:rPr kumimoji="0" lang="cs-CZ" altLang="cs-CZ" sz="1600" b="0" i="0" u="none" strike="noStrike" cap="none" normalizeH="0" baseline="0" dirty="0" err="1" smtClean="0">
+                <a:ln>
+                  <a:noFill/>
+                </a:ln>
+                <a:solidFill>
+                  <a:srgbClr val="000000"/>
+                </a:solidFill>
+                <a:effectLst/>
+                <a:latin typeface="Consolas" panose="020B0609020204030204" pitchFamily="49" charset="0"/>
+              </a:rPr>
+              <a:t>strBuilder.</a:t>
+            </a:r>
+            <a:r>
+              <a:rPr kumimoji="0" lang="cs-CZ" altLang="cs-CZ" sz="1600" b="0" i="1" u="none" strike="noStrike" cap="none" normalizeH="0" baseline="0" dirty="0" err="1" smtClean="0">
+                <a:ln>
+                  <a:noFill/>
+                </a:ln>
+                <a:solidFill>
+                  <a:srgbClr val="000000"/>
+                </a:solidFill>
+                <a:effectLst/>
+                <a:latin typeface="Consolas" panose="020B0609020204030204" pitchFamily="49" charset="0"/>
+              </a:rPr>
+              <a:t>let</a:t>
+            </a:r>
+            <a:r>
+              <a:rPr kumimoji="0" lang="cs-CZ" altLang="cs-CZ" sz="1600" b="0" i="1" u="none" strike="noStrike" cap="none" normalizeH="0" baseline="0" dirty="0" smtClean="0">
+                <a:ln>
+                  <a:noFill/>
+                </a:ln>
+                <a:solidFill>
+                  <a:srgbClr val="000000"/>
+                </a:solidFill>
+                <a:effectLst/>
+                <a:latin typeface="Consolas" panose="020B0609020204030204" pitchFamily="49" charset="0"/>
+              </a:rPr>
+              <a:t> </a:t>
+            </a:r>
+            <a:r>
+              <a:rPr kumimoji="0" lang="cs-CZ" altLang="cs-CZ" sz="1600" b="1" i="0" u="none" strike="noStrike" cap="none" normalizeH="0" baseline="0" dirty="0" smtClean="0">
+                <a:ln>
+                  <a:noFill/>
+                </a:ln>
+                <a:solidFill>
+                  <a:srgbClr val="000000"/>
+                </a:solidFill>
+                <a:effectLst/>
+                <a:latin typeface="Consolas" panose="020B0609020204030204" pitchFamily="49" charset="0"/>
+              </a:rPr>
+              <a:t>{</a:t>
+            </a:r>
+            <a:br>
+              <a:rPr kumimoji="0" lang="cs-CZ" altLang="cs-CZ" sz="1600" b="1" i="0" u="none" strike="noStrike" cap="none" normalizeH="0" baseline="0" dirty="0" smtClean="0">
+                <a:ln>
+                  <a:noFill/>
+                </a:ln>
+                <a:solidFill>
+                  <a:srgbClr val="000000"/>
+                </a:solidFill>
+                <a:effectLst/>
+                <a:latin typeface="Consolas" panose="020B0609020204030204" pitchFamily="49" charset="0"/>
+              </a:rPr>
+            </a:br>
+            <a:r>
+              <a:rPr kumimoji="0" lang="cs-CZ" altLang="cs-CZ" sz="1600" b="1" i="0" u="none" strike="noStrike" cap="none" normalizeH="0" baseline="0" dirty="0" smtClean="0">
+                <a:ln>
+                  <a:noFill/>
+                </a:ln>
+                <a:solidFill>
+                  <a:srgbClr val="000000"/>
+                </a:solidFill>
+                <a:effectLst/>
+                <a:latin typeface="Consolas" panose="020B0609020204030204" pitchFamily="49" charset="0"/>
+              </a:rPr>
+              <a:t>    </a:t>
+            </a:r>
+            <a:r>
+              <a:rPr kumimoji="0" lang="cs-CZ" altLang="cs-CZ" sz="1600" b="1" i="0" u="none" strike="noStrike" cap="none" normalizeH="0" baseline="0" dirty="0" err="1" smtClean="0">
+                <a:ln>
+                  <a:noFill/>
+                </a:ln>
+                <a:solidFill>
+                  <a:srgbClr val="000000"/>
+                </a:solidFill>
+                <a:effectLst/>
+                <a:latin typeface="Consolas" panose="020B0609020204030204" pitchFamily="49" charset="0"/>
+              </a:rPr>
+              <a:t>it</a:t>
+            </a:r>
+            <a:r>
+              <a:rPr kumimoji="0" lang="cs-CZ" altLang="cs-CZ" sz="1600" b="0" i="0" u="none" strike="noStrike" cap="none" normalizeH="0" baseline="0" dirty="0" err="1" smtClean="0">
+                <a:ln>
+                  <a:noFill/>
+                </a:ln>
+                <a:solidFill>
+                  <a:srgbClr val="000000"/>
+                </a:solidFill>
+                <a:effectLst/>
+                <a:latin typeface="Consolas" panose="020B0609020204030204" pitchFamily="49" charset="0"/>
+              </a:rPr>
+              <a:t>.append</a:t>
+            </a:r>
+            <a:r>
+              <a:rPr kumimoji="0" lang="cs-CZ" altLang="cs-CZ" sz="1600" b="0" i="0" u="none" strike="noStrike" cap="none" normalizeH="0" baseline="0" dirty="0" smtClean="0">
+                <a:ln>
+                  <a:noFill/>
+                </a:ln>
+                <a:solidFill>
+                  <a:srgbClr val="000000"/>
+                </a:solidFill>
+                <a:effectLst/>
+                <a:latin typeface="Consolas" panose="020B0609020204030204" pitchFamily="49" charset="0"/>
+              </a:rPr>
+              <a:t>(</a:t>
+            </a:r>
+            <a:r>
+              <a:rPr kumimoji="0" lang="cs-CZ" altLang="cs-CZ" sz="1600" b="1" i="0" u="none" strike="noStrike" cap="none" normalizeH="0" baseline="0" dirty="0" smtClean="0">
+                <a:ln>
+                  <a:noFill/>
+                </a:ln>
+                <a:solidFill>
+                  <a:srgbClr val="008000"/>
+                </a:solidFill>
+                <a:effectLst/>
+                <a:latin typeface="Consolas" panose="020B0609020204030204" pitchFamily="49" charset="0"/>
+              </a:rPr>
+              <a:t>"</a:t>
+            </a:r>
+            <a:r>
+              <a:rPr kumimoji="0" lang="cs-CZ" altLang="cs-CZ" sz="1600" b="1" i="0" u="none" strike="noStrike" cap="none" normalizeH="0" baseline="0" dirty="0" err="1" smtClean="0">
+                <a:ln>
+                  <a:noFill/>
+                </a:ln>
+                <a:solidFill>
+                  <a:srgbClr val="008000"/>
+                </a:solidFill>
+                <a:effectLst/>
+                <a:latin typeface="Consolas" panose="020B0609020204030204" pitchFamily="49" charset="0"/>
+              </a:rPr>
+              <a:t>Douglas</a:t>
+            </a:r>
+            <a:r>
+              <a:rPr kumimoji="0" lang="cs-CZ" altLang="cs-CZ" sz="1600" b="1" i="0" u="none" strike="noStrike" cap="none" normalizeH="0" baseline="0" dirty="0" smtClean="0">
+                <a:ln>
+                  <a:noFill/>
+                </a:ln>
+                <a:solidFill>
+                  <a:srgbClr val="008000"/>
+                </a:solidFill>
+                <a:effectLst/>
+                <a:latin typeface="Consolas" panose="020B0609020204030204" pitchFamily="49" charset="0"/>
+              </a:rPr>
+              <a:t> Adams </a:t>
+            </a:r>
+            <a:r>
+              <a:rPr kumimoji="0" lang="cs-CZ" altLang="cs-CZ" sz="1600" b="1" i="0" u="none" strike="noStrike" cap="none" normalizeH="0" baseline="0" dirty="0" err="1" smtClean="0">
+                <a:ln>
+                  <a:noFill/>
+                </a:ln>
+                <a:solidFill>
+                  <a:srgbClr val="008000"/>
+                </a:solidFill>
+                <a:effectLst/>
+                <a:latin typeface="Consolas" panose="020B0609020204030204" pitchFamily="49" charset="0"/>
+              </a:rPr>
+              <a:t>was</a:t>
+            </a:r>
+            <a:r>
+              <a:rPr kumimoji="0" lang="cs-CZ" altLang="cs-CZ" sz="1600" b="1" i="0" u="none" strike="noStrike" cap="none" normalizeH="0" baseline="0" dirty="0" smtClean="0">
+                <a:ln>
+                  <a:noFill/>
+                </a:ln>
+                <a:solidFill>
+                  <a:srgbClr val="008000"/>
+                </a:solidFill>
+                <a:effectLst/>
+                <a:latin typeface="Consolas" panose="020B0609020204030204" pitchFamily="49" charset="0"/>
+              </a:rPr>
+              <a:t> </a:t>
+            </a:r>
+            <a:r>
+              <a:rPr kumimoji="0" lang="cs-CZ" altLang="cs-CZ" sz="1600" b="1" i="0" u="none" strike="noStrike" cap="none" normalizeH="0" baseline="0" dirty="0" err="1" smtClean="0">
+                <a:ln>
+                  <a:noFill/>
+                </a:ln>
+                <a:solidFill>
+                  <a:srgbClr val="008000"/>
+                </a:solidFill>
+                <a:effectLst/>
+                <a:latin typeface="Consolas" panose="020B0609020204030204" pitchFamily="49" charset="0"/>
+              </a:rPr>
+              <a:t>right</a:t>
+            </a:r>
+            <a:r>
+              <a:rPr kumimoji="0" lang="cs-CZ" altLang="cs-CZ" sz="1600" b="1" i="0" u="none" strike="noStrike" cap="none" normalizeH="0" baseline="0" dirty="0" smtClean="0">
+                <a:ln>
+                  <a:noFill/>
+                </a:ln>
+                <a:solidFill>
+                  <a:srgbClr val="008000"/>
+                </a:solidFill>
+                <a:effectLst/>
+                <a:latin typeface="Consolas" panose="020B0609020204030204" pitchFamily="49" charset="0"/>
+              </a:rPr>
+              <a:t> </a:t>
+            </a:r>
+            <a:r>
+              <a:rPr kumimoji="0" lang="cs-CZ" altLang="cs-CZ" sz="1600" b="1" i="0" u="none" strike="noStrike" cap="none" normalizeH="0" baseline="0" dirty="0" err="1" smtClean="0">
+                <a:ln>
+                  <a:noFill/>
+                </a:ln>
+                <a:solidFill>
+                  <a:srgbClr val="008000"/>
+                </a:solidFill>
+                <a:effectLst/>
+                <a:latin typeface="Consolas" panose="020B0609020204030204" pitchFamily="49" charset="0"/>
+              </a:rPr>
+              <a:t>after</a:t>
+            </a:r>
+            <a:r>
+              <a:rPr kumimoji="0" lang="cs-CZ" altLang="cs-CZ" sz="1600" b="1" i="0" u="none" strike="noStrike" cap="none" normalizeH="0" baseline="0" dirty="0" smtClean="0">
+                <a:ln>
+                  <a:noFill/>
+                </a:ln>
+                <a:solidFill>
+                  <a:srgbClr val="008000"/>
+                </a:solidFill>
+                <a:effectLst/>
+                <a:latin typeface="Consolas" panose="020B0609020204030204" pitchFamily="49" charset="0"/>
+              </a:rPr>
+              <a:t> </a:t>
+            </a:r>
+            <a:r>
+              <a:rPr kumimoji="0" lang="cs-CZ" altLang="cs-CZ" sz="1600" b="1" i="0" u="none" strike="noStrike" cap="none" normalizeH="0" baseline="0" dirty="0" err="1" smtClean="0">
+                <a:ln>
+                  <a:noFill/>
+                </a:ln>
+                <a:solidFill>
+                  <a:srgbClr val="008000"/>
+                </a:solidFill>
+                <a:effectLst/>
+                <a:latin typeface="Consolas" panose="020B0609020204030204" pitchFamily="49" charset="0"/>
+              </a:rPr>
+              <a:t>all</a:t>
+            </a:r>
+            <a:r>
+              <a:rPr kumimoji="0" lang="cs-CZ" altLang="cs-CZ" sz="1600" b="1" i="0" u="none" strike="noStrike" cap="none" normalizeH="0" baseline="0" dirty="0" smtClean="0">
+                <a:ln>
+                  <a:noFill/>
+                </a:ln>
+                <a:solidFill>
+                  <a:srgbClr val="008000"/>
+                </a:solidFill>
+                <a:effectLst/>
+                <a:latin typeface="Consolas" panose="020B0609020204030204" pitchFamily="49" charset="0"/>
+              </a:rPr>
+              <a:t>"</a:t>
+            </a:r>
+            <a:r>
+              <a:rPr kumimoji="0" lang="cs-CZ" altLang="cs-CZ" sz="1600" b="0" i="0" u="none" strike="noStrike" cap="none" normalizeH="0" baseline="0" dirty="0" smtClean="0">
+                <a:ln>
+                  <a:noFill/>
+                </a:ln>
+                <a:solidFill>
+                  <a:srgbClr val="000000"/>
+                </a:solidFill>
+                <a:effectLst/>
+                <a:latin typeface="Consolas" panose="020B0609020204030204" pitchFamily="49" charset="0"/>
+              </a:rPr>
+              <a:t>)</a:t>
+            </a:r>
+            <a:br>
+              <a:rPr kumimoji="0" lang="cs-CZ" altLang="cs-CZ" sz="1600" b="0" i="0" u="none" strike="noStrike" cap="none" normalizeH="0" baseline="0" dirty="0" smtClean="0">
+                <a:ln>
+                  <a:noFill/>
+                </a:ln>
+                <a:solidFill>
+                  <a:srgbClr val="000000"/>
+                </a:solidFill>
+                <a:effectLst/>
+                <a:latin typeface="Consolas" panose="020B0609020204030204" pitchFamily="49" charset="0"/>
+              </a:rPr>
+            </a:br>
+            <a:r>
+              <a:rPr kumimoji="0" lang="cs-CZ" altLang="cs-CZ" sz="1600" b="0" i="0" u="none" strike="noStrike" cap="none" normalizeH="0" baseline="0" dirty="0" smtClean="0">
+                <a:ln>
+                  <a:noFill/>
+                </a:ln>
+                <a:solidFill>
+                  <a:srgbClr val="000000"/>
+                </a:solidFill>
+                <a:effectLst/>
+                <a:latin typeface="Consolas" panose="020B0609020204030204" pitchFamily="49" charset="0"/>
+              </a:rPr>
+              <a:t>    </a:t>
+            </a:r>
+            <a:r>
+              <a:rPr kumimoji="0" lang="cs-CZ" altLang="cs-CZ" sz="1600" b="1" i="0" u="none" strike="noStrike" cap="none" normalizeH="0" baseline="0" dirty="0" err="1" smtClean="0">
+                <a:ln>
+                  <a:noFill/>
+                </a:ln>
+                <a:solidFill>
+                  <a:srgbClr val="000000"/>
+                </a:solidFill>
+                <a:effectLst/>
+                <a:latin typeface="Consolas" panose="020B0609020204030204" pitchFamily="49" charset="0"/>
+              </a:rPr>
+              <a:t>it</a:t>
+            </a:r>
+            <a:r>
+              <a:rPr kumimoji="0" lang="cs-CZ" altLang="cs-CZ" sz="1600" b="0" i="0" u="none" strike="noStrike" cap="none" normalizeH="0" baseline="0" dirty="0" err="1" smtClean="0">
+                <a:ln>
+                  <a:noFill/>
+                </a:ln>
+                <a:solidFill>
+                  <a:srgbClr val="000000"/>
+                </a:solidFill>
+                <a:effectLst/>
+                <a:latin typeface="Consolas" panose="020B0609020204030204" pitchFamily="49" charset="0"/>
+              </a:rPr>
+              <a:t>.append</a:t>
+            </a:r>
+            <a:r>
+              <a:rPr kumimoji="0" lang="cs-CZ" altLang="cs-CZ" sz="1600" b="0" i="0" u="none" strike="noStrike" cap="none" normalizeH="0" baseline="0" dirty="0" smtClean="0">
+                <a:ln>
+                  <a:noFill/>
+                </a:ln>
+                <a:solidFill>
+                  <a:srgbClr val="000000"/>
+                </a:solidFill>
+                <a:effectLst/>
+                <a:latin typeface="Consolas" panose="020B0609020204030204" pitchFamily="49" charset="0"/>
+              </a:rPr>
+              <a:t>(</a:t>
+            </a:r>
+            <a:r>
+              <a:rPr kumimoji="0" lang="cs-CZ" altLang="cs-CZ" sz="1600" b="1" i="0" u="none" strike="noStrike" cap="none" normalizeH="0" baseline="0" dirty="0" smtClean="0">
+                <a:ln>
+                  <a:noFill/>
+                </a:ln>
+                <a:solidFill>
+                  <a:srgbClr val="008000"/>
+                </a:solidFill>
+                <a:effectLst/>
+                <a:latin typeface="Consolas" panose="020B0609020204030204" pitchFamily="49" charset="0"/>
+              </a:rPr>
+              <a:t>"</a:t>
+            </a:r>
+            <a:r>
+              <a:rPr kumimoji="0" lang="cs-CZ" altLang="cs-CZ" sz="1600" b="1" i="0" u="none" strike="noStrike" cap="none" normalizeH="0" baseline="0" dirty="0" err="1" smtClean="0">
+                <a:ln>
+                  <a:noFill/>
+                </a:ln>
+                <a:solidFill>
+                  <a:srgbClr val="008000"/>
+                </a:solidFill>
+                <a:effectLst/>
+                <a:latin typeface="Consolas" panose="020B0609020204030204" pitchFamily="49" charset="0"/>
+              </a:rPr>
+              <a:t>Life</a:t>
+            </a:r>
+            <a:r>
+              <a:rPr kumimoji="0" lang="cs-CZ" altLang="cs-CZ" sz="1600" b="1" i="0" u="none" strike="noStrike" cap="none" normalizeH="0" baseline="0" dirty="0" smtClean="0">
+                <a:ln>
+                  <a:noFill/>
+                </a:ln>
+                <a:solidFill>
+                  <a:srgbClr val="008000"/>
+                </a:solidFill>
+                <a:effectLst/>
+                <a:latin typeface="Consolas" panose="020B0609020204030204" pitchFamily="49" charset="0"/>
+              </a:rPr>
+              <a:t>, </a:t>
+            </a:r>
+            <a:r>
+              <a:rPr kumimoji="0" lang="cs-CZ" altLang="cs-CZ" sz="1600" b="1" i="0" u="none" strike="noStrike" cap="none" normalizeH="0" baseline="0" dirty="0" err="1" smtClean="0">
+                <a:ln>
+                  <a:noFill/>
+                </a:ln>
+                <a:solidFill>
+                  <a:srgbClr val="008000"/>
+                </a:solidFill>
+                <a:effectLst/>
+                <a:latin typeface="Consolas" panose="020B0609020204030204" pitchFamily="49" charset="0"/>
+              </a:rPr>
+              <a:t>the</a:t>
+            </a:r>
+            <a:r>
+              <a:rPr kumimoji="0" lang="cs-CZ" altLang="cs-CZ" sz="1600" b="1" i="0" u="none" strike="noStrike" cap="none" normalizeH="0" baseline="0" dirty="0" smtClean="0">
+                <a:ln>
+                  <a:noFill/>
+                </a:ln>
+                <a:solidFill>
+                  <a:srgbClr val="008000"/>
+                </a:solidFill>
+                <a:effectLst/>
+                <a:latin typeface="Consolas" panose="020B0609020204030204" pitchFamily="49" charset="0"/>
+              </a:rPr>
+              <a:t> </a:t>
+            </a:r>
+            <a:r>
+              <a:rPr kumimoji="0" lang="cs-CZ" altLang="cs-CZ" sz="1600" b="1" i="0" u="none" strike="noStrike" cap="none" normalizeH="0" baseline="0" dirty="0" err="1" smtClean="0">
+                <a:ln>
+                  <a:noFill/>
+                </a:ln>
+                <a:solidFill>
+                  <a:srgbClr val="008000"/>
+                </a:solidFill>
+                <a:effectLst/>
+                <a:latin typeface="Consolas" panose="020B0609020204030204" pitchFamily="49" charset="0"/>
+              </a:rPr>
+              <a:t>Universe</a:t>
+            </a:r>
+            <a:r>
+              <a:rPr kumimoji="0" lang="cs-CZ" altLang="cs-CZ" sz="1600" b="1" i="0" u="none" strike="noStrike" cap="none" normalizeH="0" baseline="0" dirty="0" smtClean="0">
+                <a:ln>
+                  <a:noFill/>
+                </a:ln>
+                <a:solidFill>
+                  <a:srgbClr val="008000"/>
+                </a:solidFill>
+                <a:effectLst/>
+                <a:latin typeface="Consolas" panose="020B0609020204030204" pitchFamily="49" charset="0"/>
+              </a:rPr>
+              <a:t> and </a:t>
+            </a:r>
+            <a:r>
+              <a:rPr kumimoji="0" lang="cs-CZ" altLang="cs-CZ" sz="1600" b="1" i="0" u="none" strike="noStrike" cap="none" normalizeH="0" baseline="0" dirty="0" err="1" smtClean="0">
+                <a:ln>
+                  <a:noFill/>
+                </a:ln>
+                <a:solidFill>
+                  <a:srgbClr val="008000"/>
+                </a:solidFill>
+                <a:effectLst/>
+                <a:latin typeface="Consolas" panose="020B0609020204030204" pitchFamily="49" charset="0"/>
+              </a:rPr>
+              <a:t>Everything</a:t>
+            </a:r>
+            <a:r>
+              <a:rPr kumimoji="0" lang="cs-CZ" altLang="cs-CZ" sz="1600" b="1" i="0" u="none" strike="noStrike" cap="none" normalizeH="0" baseline="0" dirty="0" smtClean="0">
+                <a:ln>
+                  <a:noFill/>
+                </a:ln>
+                <a:solidFill>
+                  <a:srgbClr val="008000"/>
+                </a:solidFill>
+                <a:effectLst/>
+                <a:latin typeface="Consolas" panose="020B0609020204030204" pitchFamily="49" charset="0"/>
+              </a:rPr>
+              <a:t>"</a:t>
+            </a:r>
+            <a:r>
+              <a:rPr kumimoji="0" lang="cs-CZ" altLang="cs-CZ" sz="1600" b="0" i="0" u="none" strike="noStrike" cap="none" normalizeH="0" baseline="0" dirty="0" smtClean="0">
+                <a:ln>
+                  <a:noFill/>
+                </a:ln>
+                <a:solidFill>
+                  <a:srgbClr val="000000"/>
+                </a:solidFill>
+                <a:effectLst/>
+                <a:latin typeface="Consolas" panose="020B0609020204030204" pitchFamily="49" charset="0"/>
+              </a:rPr>
+              <a:t>)</a:t>
+            </a:r>
+            <a:br>
+              <a:rPr kumimoji="0" lang="cs-CZ" altLang="cs-CZ" sz="1600" b="0" i="0" u="none" strike="noStrike" cap="none" normalizeH="0" baseline="0" dirty="0" smtClean="0">
+                <a:ln>
+                  <a:noFill/>
+                </a:ln>
+                <a:solidFill>
+                  <a:srgbClr val="000000"/>
+                </a:solidFill>
+                <a:effectLst/>
+                <a:latin typeface="Consolas" panose="020B0609020204030204" pitchFamily="49" charset="0"/>
+              </a:rPr>
+            </a:br>
+            <a:r>
+              <a:rPr kumimoji="0" lang="cs-CZ" altLang="cs-CZ" sz="1600" b="0" i="0" u="none" strike="noStrike" cap="none" normalizeH="0" baseline="0" dirty="0" smtClean="0">
+                <a:ln>
+                  <a:noFill/>
+                </a:ln>
+                <a:solidFill>
+                  <a:srgbClr val="000000"/>
+                </a:solidFill>
+                <a:effectLst/>
+                <a:latin typeface="Consolas" panose="020B0609020204030204" pitchFamily="49" charset="0"/>
+              </a:rPr>
+              <a:t>    </a:t>
+            </a:r>
+            <a:r>
+              <a:rPr kumimoji="0" lang="cs-CZ" altLang="cs-CZ" sz="1600" b="0" i="0" u="none" strike="noStrike" cap="none" normalizeH="0" baseline="0" dirty="0" smtClean="0">
+                <a:ln>
+                  <a:noFill/>
+                </a:ln>
+                <a:solidFill>
+                  <a:srgbClr val="0000FF"/>
+                </a:solidFill>
+                <a:effectLst/>
+                <a:latin typeface="Consolas" panose="020B0609020204030204" pitchFamily="49" charset="0"/>
+              </a:rPr>
+              <a:t>42</a:t>
+            </a:r>
+            <a:br>
+              <a:rPr kumimoji="0" lang="cs-CZ" altLang="cs-CZ" sz="1600" b="0" i="0" u="none" strike="noStrike" cap="none" normalizeH="0" baseline="0" dirty="0" smtClean="0">
+                <a:ln>
+                  <a:noFill/>
+                </a:ln>
+                <a:solidFill>
+                  <a:srgbClr val="0000FF"/>
+                </a:solidFill>
+                <a:effectLst/>
+                <a:latin typeface="Consolas" panose="020B0609020204030204" pitchFamily="49" charset="0"/>
+              </a:rPr>
+            </a:br>
+            <a:r>
+              <a:rPr kumimoji="0" lang="cs-CZ" altLang="cs-CZ" sz="1600" b="1" i="0" u="none" strike="noStrike" cap="none" normalizeH="0" baseline="0" dirty="0" smtClean="0">
+                <a:ln>
+                  <a:noFill/>
+                </a:ln>
+                <a:solidFill>
+                  <a:srgbClr val="000000"/>
+                </a:solidFill>
+                <a:effectLst/>
+                <a:latin typeface="Consolas" panose="020B0609020204030204" pitchFamily="49" charset="0"/>
+              </a:rPr>
+              <a:t>}</a:t>
+            </a:r>
+            <a:endParaRPr kumimoji="0" lang="cs-CZ" altLang="cs-CZ" sz="1600" b="0" i="0" u="none" strike="noStrike" cap="none" normalizeH="0" baseline="0" dirty="0" smtClean="0">
+              <a:ln>
+                <a:noFill/>
+              </a:ln>
+              <a:solidFill>
+                <a:schemeClr val="tx1"/>
+              </a:solidFill>
+              <a:effectLst/>
+              <a:latin typeface="Arial" panose="020B0604020202020204" pitchFamily="34" charset="0"/>
+            </a:endParaRPr>
+          </a:p>
+        </p:txBody>
+      </p:sp>
+      <p:sp>
+        <p:nvSpPr>
+          <p:cNvPr id="7" name="Rectangle 2"/>
+          <p:cNvSpPr>
+            <a:spLocks noChangeArrowheads="1"/>
+          </p:cNvSpPr>
+          <p:nvPr/>
+        </p:nvSpPr>
+        <p:spPr bwMode="auto">
+          <a:xfrm>
+            <a:off x="323528" y="5157192"/>
+            <a:ext cx="5458546" cy="1323439"/>
+          </a:xfrm>
+          <a:prstGeom prst="rect">
+            <a:avLst/>
+          </a:prstGeom>
+          <a:solidFill>
+            <a:srgbClr val="FFFFFF"/>
+          </a:solidFill>
+          <a:ln>
+            <a:noFill/>
+          </a:ln>
+          <a:effectLst/>
+          <a:extLst>
+            <a:ext uri="{91240B29-F687-4F45-9708-019B960494DF}">
+              <a14:hiddenLine xmlns:a14="http://schemas.microsoft.com/office/drawing/2010/main" w="9525">
+                <a:solidFill>
+                  <a:schemeClr val="tx1"/>
+                </a:solidFill>
+                <a:miter lim="800000"/>
+                <a:headEnd/>
+                <a:tailEnd/>
+              </a14:hiddenLine>
+            </a:ext>
+            <a:ext uri="{AF507438-7753-43E0-B8FC-AC1667EBCBE1}">
+              <a14:hiddenEffects xmlns:a14="http://schemas.microsoft.com/office/drawing/2010/main">
+                <a:effectLst>
+                  <a:outerShdw dist="35921" dir="2700000" algn="ctr" rotWithShape="0">
+                    <a:schemeClr val="bg2"/>
+                  </a:outerShdw>
+                </a:effectLst>
+              </a14:hiddenEffects>
+            </a:ext>
+          </a:extLst>
+        </p:spPr>
+        <p:txBody>
+          <a:bodyPr vert="horz" wrap="none" lIns="91440" tIns="45720" rIns="91440" bIns="45720" numCol="1" anchor="ctr" anchorCtr="0" compatLnSpc="1">
+            <a:prstTxWarp prst="textNoShape">
+              <a:avLst/>
+            </a:prstTxWarp>
+            <a:spAutoFit/>
+          </a:bodyPr>
+          <a:lstStyle/>
+          <a:p>
+            <a:pPr marL="0" marR="0" lvl="0" indent="0" algn="l" defTabSz="914400" rtl="0" eaLnBrk="0" fontAlgn="base" latinLnBrk="0" hangingPunct="0">
+              <a:lnSpc>
+                <a:spcPct val="100000"/>
+              </a:lnSpc>
+              <a:spcBef>
+                <a:spcPct val="0"/>
+              </a:spcBef>
+              <a:spcAft>
+                <a:spcPct val="0"/>
+              </a:spcAft>
+              <a:buClrTx/>
+              <a:buSzTx/>
+              <a:buFontTx/>
+              <a:buNone/>
+              <a:tabLst/>
+            </a:pPr>
+            <a:r>
+              <a:rPr kumimoji="0" lang="cs-CZ" altLang="cs-CZ" sz="1600" b="1" i="0" u="none" strike="noStrike" cap="none" normalizeH="0" baseline="0" dirty="0" smtClean="0">
+                <a:ln>
+                  <a:noFill/>
+                </a:ln>
+                <a:solidFill>
+                  <a:srgbClr val="000080"/>
+                </a:solidFill>
+                <a:effectLst/>
+                <a:latin typeface="Consolas" panose="020B0609020204030204" pitchFamily="49" charset="0"/>
+              </a:rPr>
+              <a:t>val </a:t>
+            </a:r>
+            <a:r>
+              <a:rPr kumimoji="0" lang="cs-CZ" altLang="cs-CZ" sz="1600" b="0" i="0" u="none" strike="noStrike" cap="none" normalizeH="0" baseline="0" dirty="0" smtClean="0">
+                <a:ln>
+                  <a:noFill/>
+                </a:ln>
+                <a:solidFill>
+                  <a:srgbClr val="000000"/>
+                </a:solidFill>
+                <a:effectLst/>
+                <a:latin typeface="Consolas" panose="020B0609020204030204" pitchFamily="49" charset="0"/>
+              </a:rPr>
+              <a:t>answerToUniverse2 = </a:t>
+            </a:r>
+            <a:r>
+              <a:rPr kumimoji="0" lang="cs-CZ" altLang="cs-CZ" sz="1600" b="0" i="0" u="none" strike="noStrike" cap="none" normalizeH="0" baseline="0" dirty="0" err="1" smtClean="0">
+                <a:ln>
+                  <a:noFill/>
+                </a:ln>
+                <a:solidFill>
+                  <a:srgbClr val="000000"/>
+                </a:solidFill>
+                <a:effectLst/>
+                <a:latin typeface="Consolas" panose="020B0609020204030204" pitchFamily="49" charset="0"/>
+              </a:rPr>
+              <a:t>strBuilder.</a:t>
+            </a:r>
+            <a:r>
+              <a:rPr kumimoji="0" lang="cs-CZ" altLang="cs-CZ" sz="1600" b="0" i="1" u="none" strike="noStrike" cap="none" normalizeH="0" baseline="0" dirty="0" err="1" smtClean="0">
+                <a:ln>
+                  <a:noFill/>
+                </a:ln>
+                <a:solidFill>
+                  <a:srgbClr val="000000"/>
+                </a:solidFill>
+                <a:effectLst/>
+                <a:latin typeface="Consolas" panose="020B0609020204030204" pitchFamily="49" charset="0"/>
+              </a:rPr>
+              <a:t>run</a:t>
+            </a:r>
+            <a:r>
+              <a:rPr kumimoji="0" lang="cs-CZ" altLang="cs-CZ" sz="1600" b="0" i="1" u="none" strike="noStrike" cap="none" normalizeH="0" baseline="0" dirty="0" smtClean="0">
+                <a:ln>
+                  <a:noFill/>
+                </a:ln>
+                <a:solidFill>
+                  <a:srgbClr val="000000"/>
+                </a:solidFill>
+                <a:effectLst/>
+                <a:latin typeface="Consolas" panose="020B0609020204030204" pitchFamily="49" charset="0"/>
+              </a:rPr>
+              <a:t> </a:t>
+            </a:r>
+            <a:r>
+              <a:rPr kumimoji="0" lang="cs-CZ" altLang="cs-CZ" sz="1600" b="1" i="0" u="none" strike="noStrike" cap="none" normalizeH="0" baseline="0" dirty="0" smtClean="0">
+                <a:ln>
+                  <a:noFill/>
+                </a:ln>
+                <a:solidFill>
+                  <a:srgbClr val="000000"/>
+                </a:solidFill>
+                <a:effectLst/>
+                <a:latin typeface="Consolas" panose="020B0609020204030204" pitchFamily="49" charset="0"/>
+              </a:rPr>
+              <a:t>{</a:t>
+            </a:r>
+            <a:br>
+              <a:rPr kumimoji="0" lang="cs-CZ" altLang="cs-CZ" sz="1600" b="1" i="0" u="none" strike="noStrike" cap="none" normalizeH="0" baseline="0" dirty="0" smtClean="0">
+                <a:ln>
+                  <a:noFill/>
+                </a:ln>
+                <a:solidFill>
+                  <a:srgbClr val="000000"/>
+                </a:solidFill>
+                <a:effectLst/>
+                <a:latin typeface="Consolas" panose="020B0609020204030204" pitchFamily="49" charset="0"/>
+              </a:rPr>
+            </a:br>
+            <a:r>
+              <a:rPr kumimoji="0" lang="cs-CZ" altLang="cs-CZ" sz="1600" b="1" i="0" u="none" strike="noStrike" cap="none" normalizeH="0" baseline="0" dirty="0" smtClean="0">
+                <a:ln>
+                  <a:noFill/>
+                </a:ln>
+                <a:solidFill>
+                  <a:srgbClr val="000000"/>
+                </a:solidFill>
+                <a:effectLst/>
+                <a:latin typeface="Consolas" panose="020B0609020204030204" pitchFamily="49" charset="0"/>
+              </a:rPr>
+              <a:t>    </a:t>
+            </a:r>
+            <a:r>
+              <a:rPr kumimoji="0" lang="cs-CZ" altLang="cs-CZ" sz="1600" b="0" i="0" u="none" strike="noStrike" cap="none" normalizeH="0" baseline="0" dirty="0" err="1" smtClean="0">
+                <a:ln>
+                  <a:noFill/>
+                </a:ln>
+                <a:solidFill>
+                  <a:srgbClr val="000000"/>
+                </a:solidFill>
+                <a:effectLst/>
+                <a:latin typeface="Consolas" panose="020B0609020204030204" pitchFamily="49" charset="0"/>
+              </a:rPr>
+              <a:t>append</a:t>
+            </a:r>
+            <a:r>
+              <a:rPr kumimoji="0" lang="cs-CZ" altLang="cs-CZ" sz="1600" b="0" i="0" u="none" strike="noStrike" cap="none" normalizeH="0" baseline="0" dirty="0" smtClean="0">
+                <a:ln>
+                  <a:noFill/>
+                </a:ln>
+                <a:solidFill>
+                  <a:srgbClr val="000000"/>
+                </a:solidFill>
+                <a:effectLst/>
+                <a:latin typeface="Consolas" panose="020B0609020204030204" pitchFamily="49" charset="0"/>
+              </a:rPr>
+              <a:t>(</a:t>
+            </a:r>
+            <a:r>
+              <a:rPr kumimoji="0" lang="cs-CZ" altLang="cs-CZ" sz="1600" b="1" i="0" u="none" strike="noStrike" cap="none" normalizeH="0" baseline="0" dirty="0" smtClean="0">
+                <a:ln>
+                  <a:noFill/>
+                </a:ln>
+                <a:solidFill>
+                  <a:srgbClr val="008000"/>
+                </a:solidFill>
+                <a:effectLst/>
+                <a:latin typeface="Consolas" panose="020B0609020204030204" pitchFamily="49" charset="0"/>
+              </a:rPr>
+              <a:t>"</a:t>
+            </a:r>
+            <a:r>
+              <a:rPr kumimoji="0" lang="cs-CZ" altLang="cs-CZ" sz="1600" b="1" i="0" u="none" strike="noStrike" cap="none" normalizeH="0" baseline="0" dirty="0" err="1" smtClean="0">
+                <a:ln>
+                  <a:noFill/>
+                </a:ln>
+                <a:solidFill>
+                  <a:srgbClr val="008000"/>
+                </a:solidFill>
+                <a:effectLst/>
+                <a:latin typeface="Consolas" panose="020B0609020204030204" pitchFamily="49" charset="0"/>
+              </a:rPr>
+              <a:t>Douglas</a:t>
+            </a:r>
+            <a:r>
+              <a:rPr kumimoji="0" lang="cs-CZ" altLang="cs-CZ" sz="1600" b="1" i="0" u="none" strike="noStrike" cap="none" normalizeH="0" baseline="0" dirty="0" smtClean="0">
+                <a:ln>
+                  <a:noFill/>
+                </a:ln>
+                <a:solidFill>
+                  <a:srgbClr val="008000"/>
+                </a:solidFill>
+                <a:effectLst/>
+                <a:latin typeface="Consolas" panose="020B0609020204030204" pitchFamily="49" charset="0"/>
+              </a:rPr>
+              <a:t> Adams </a:t>
+            </a:r>
+            <a:r>
+              <a:rPr kumimoji="0" lang="cs-CZ" altLang="cs-CZ" sz="1600" b="1" i="0" u="none" strike="noStrike" cap="none" normalizeH="0" baseline="0" dirty="0" err="1" smtClean="0">
+                <a:ln>
+                  <a:noFill/>
+                </a:ln>
+                <a:solidFill>
+                  <a:srgbClr val="008000"/>
+                </a:solidFill>
+                <a:effectLst/>
+                <a:latin typeface="Consolas" panose="020B0609020204030204" pitchFamily="49" charset="0"/>
+              </a:rPr>
+              <a:t>was</a:t>
+            </a:r>
+            <a:r>
+              <a:rPr kumimoji="0" lang="cs-CZ" altLang="cs-CZ" sz="1600" b="1" i="0" u="none" strike="noStrike" cap="none" normalizeH="0" baseline="0" dirty="0" smtClean="0">
+                <a:ln>
+                  <a:noFill/>
+                </a:ln>
+                <a:solidFill>
+                  <a:srgbClr val="008000"/>
+                </a:solidFill>
+                <a:effectLst/>
+                <a:latin typeface="Consolas" panose="020B0609020204030204" pitchFamily="49" charset="0"/>
+              </a:rPr>
+              <a:t> </a:t>
+            </a:r>
+            <a:r>
+              <a:rPr kumimoji="0" lang="cs-CZ" altLang="cs-CZ" sz="1600" b="1" i="0" u="none" strike="noStrike" cap="none" normalizeH="0" baseline="0" dirty="0" err="1" smtClean="0">
+                <a:ln>
+                  <a:noFill/>
+                </a:ln>
+                <a:solidFill>
+                  <a:srgbClr val="008000"/>
+                </a:solidFill>
+                <a:effectLst/>
+                <a:latin typeface="Consolas" panose="020B0609020204030204" pitchFamily="49" charset="0"/>
+              </a:rPr>
+              <a:t>right</a:t>
+            </a:r>
+            <a:r>
+              <a:rPr kumimoji="0" lang="cs-CZ" altLang="cs-CZ" sz="1600" b="1" i="0" u="none" strike="noStrike" cap="none" normalizeH="0" baseline="0" dirty="0" smtClean="0">
+                <a:ln>
+                  <a:noFill/>
+                </a:ln>
+                <a:solidFill>
+                  <a:srgbClr val="008000"/>
+                </a:solidFill>
+                <a:effectLst/>
+                <a:latin typeface="Consolas" panose="020B0609020204030204" pitchFamily="49" charset="0"/>
+              </a:rPr>
+              <a:t> </a:t>
+            </a:r>
+            <a:r>
+              <a:rPr kumimoji="0" lang="cs-CZ" altLang="cs-CZ" sz="1600" b="1" i="0" u="none" strike="noStrike" cap="none" normalizeH="0" baseline="0" dirty="0" err="1" smtClean="0">
+                <a:ln>
+                  <a:noFill/>
+                </a:ln>
+                <a:solidFill>
+                  <a:srgbClr val="008000"/>
+                </a:solidFill>
+                <a:effectLst/>
+                <a:latin typeface="Consolas" panose="020B0609020204030204" pitchFamily="49" charset="0"/>
+              </a:rPr>
+              <a:t>after</a:t>
+            </a:r>
+            <a:r>
+              <a:rPr kumimoji="0" lang="cs-CZ" altLang="cs-CZ" sz="1600" b="1" i="0" u="none" strike="noStrike" cap="none" normalizeH="0" baseline="0" dirty="0" smtClean="0">
+                <a:ln>
+                  <a:noFill/>
+                </a:ln>
+                <a:solidFill>
+                  <a:srgbClr val="008000"/>
+                </a:solidFill>
+                <a:effectLst/>
+                <a:latin typeface="Consolas" panose="020B0609020204030204" pitchFamily="49" charset="0"/>
+              </a:rPr>
+              <a:t> </a:t>
+            </a:r>
+            <a:r>
+              <a:rPr kumimoji="0" lang="cs-CZ" altLang="cs-CZ" sz="1600" b="1" i="0" u="none" strike="noStrike" cap="none" normalizeH="0" baseline="0" dirty="0" err="1" smtClean="0">
+                <a:ln>
+                  <a:noFill/>
+                </a:ln>
+                <a:solidFill>
+                  <a:srgbClr val="008000"/>
+                </a:solidFill>
+                <a:effectLst/>
+                <a:latin typeface="Consolas" panose="020B0609020204030204" pitchFamily="49" charset="0"/>
+              </a:rPr>
+              <a:t>all</a:t>
+            </a:r>
+            <a:r>
+              <a:rPr kumimoji="0" lang="cs-CZ" altLang="cs-CZ" sz="1600" b="1" i="0" u="none" strike="noStrike" cap="none" normalizeH="0" baseline="0" dirty="0" smtClean="0">
+                <a:ln>
+                  <a:noFill/>
+                </a:ln>
+                <a:solidFill>
+                  <a:srgbClr val="008000"/>
+                </a:solidFill>
+                <a:effectLst/>
+                <a:latin typeface="Consolas" panose="020B0609020204030204" pitchFamily="49" charset="0"/>
+              </a:rPr>
+              <a:t>"</a:t>
+            </a:r>
+            <a:r>
+              <a:rPr kumimoji="0" lang="cs-CZ" altLang="cs-CZ" sz="1600" b="0" i="0" u="none" strike="noStrike" cap="none" normalizeH="0" baseline="0" dirty="0" smtClean="0">
+                <a:ln>
+                  <a:noFill/>
+                </a:ln>
+                <a:solidFill>
+                  <a:srgbClr val="000000"/>
+                </a:solidFill>
+                <a:effectLst/>
+                <a:latin typeface="Consolas" panose="020B0609020204030204" pitchFamily="49" charset="0"/>
+              </a:rPr>
+              <a:t>)</a:t>
+            </a:r>
+            <a:br>
+              <a:rPr kumimoji="0" lang="cs-CZ" altLang="cs-CZ" sz="1600" b="0" i="0" u="none" strike="noStrike" cap="none" normalizeH="0" baseline="0" dirty="0" smtClean="0">
+                <a:ln>
+                  <a:noFill/>
+                </a:ln>
+                <a:solidFill>
+                  <a:srgbClr val="000000"/>
+                </a:solidFill>
+                <a:effectLst/>
+                <a:latin typeface="Consolas" panose="020B0609020204030204" pitchFamily="49" charset="0"/>
+              </a:rPr>
+            </a:br>
+            <a:r>
+              <a:rPr kumimoji="0" lang="cs-CZ" altLang="cs-CZ" sz="1600" b="0" i="0" u="none" strike="noStrike" cap="none" normalizeH="0" baseline="0" dirty="0" smtClean="0">
+                <a:ln>
+                  <a:noFill/>
+                </a:ln>
+                <a:solidFill>
+                  <a:srgbClr val="000000"/>
+                </a:solidFill>
+                <a:effectLst/>
+                <a:latin typeface="Consolas" panose="020B0609020204030204" pitchFamily="49" charset="0"/>
+              </a:rPr>
+              <a:t>    </a:t>
+            </a:r>
+            <a:r>
+              <a:rPr kumimoji="0" lang="cs-CZ" altLang="cs-CZ" sz="1600" b="0" i="0" u="none" strike="noStrike" cap="none" normalizeH="0" baseline="0" dirty="0" err="1" smtClean="0">
+                <a:ln>
+                  <a:noFill/>
+                </a:ln>
+                <a:solidFill>
+                  <a:srgbClr val="000000"/>
+                </a:solidFill>
+                <a:effectLst/>
+                <a:latin typeface="Consolas" panose="020B0609020204030204" pitchFamily="49" charset="0"/>
+              </a:rPr>
+              <a:t>append</a:t>
+            </a:r>
+            <a:r>
+              <a:rPr kumimoji="0" lang="cs-CZ" altLang="cs-CZ" sz="1600" b="0" i="0" u="none" strike="noStrike" cap="none" normalizeH="0" baseline="0" dirty="0" smtClean="0">
+                <a:ln>
+                  <a:noFill/>
+                </a:ln>
+                <a:solidFill>
+                  <a:srgbClr val="000000"/>
+                </a:solidFill>
+                <a:effectLst/>
+                <a:latin typeface="Consolas" panose="020B0609020204030204" pitchFamily="49" charset="0"/>
+              </a:rPr>
+              <a:t>(</a:t>
+            </a:r>
+            <a:r>
+              <a:rPr kumimoji="0" lang="cs-CZ" altLang="cs-CZ" sz="1600" b="1" i="0" u="none" strike="noStrike" cap="none" normalizeH="0" baseline="0" dirty="0" smtClean="0">
+                <a:ln>
+                  <a:noFill/>
+                </a:ln>
+                <a:solidFill>
+                  <a:srgbClr val="008000"/>
+                </a:solidFill>
+                <a:effectLst/>
+                <a:latin typeface="Consolas" panose="020B0609020204030204" pitchFamily="49" charset="0"/>
+              </a:rPr>
+              <a:t>"</a:t>
+            </a:r>
+            <a:r>
+              <a:rPr kumimoji="0" lang="cs-CZ" altLang="cs-CZ" sz="1600" b="1" i="0" u="none" strike="noStrike" cap="none" normalizeH="0" baseline="0" dirty="0" err="1" smtClean="0">
+                <a:ln>
+                  <a:noFill/>
+                </a:ln>
+                <a:solidFill>
+                  <a:srgbClr val="008000"/>
+                </a:solidFill>
+                <a:effectLst/>
+                <a:latin typeface="Consolas" panose="020B0609020204030204" pitchFamily="49" charset="0"/>
+              </a:rPr>
+              <a:t>Life</a:t>
+            </a:r>
+            <a:r>
+              <a:rPr kumimoji="0" lang="cs-CZ" altLang="cs-CZ" sz="1600" b="1" i="0" u="none" strike="noStrike" cap="none" normalizeH="0" baseline="0" dirty="0" smtClean="0">
+                <a:ln>
+                  <a:noFill/>
+                </a:ln>
+                <a:solidFill>
+                  <a:srgbClr val="008000"/>
+                </a:solidFill>
+                <a:effectLst/>
+                <a:latin typeface="Consolas" panose="020B0609020204030204" pitchFamily="49" charset="0"/>
+              </a:rPr>
+              <a:t>, </a:t>
+            </a:r>
+            <a:r>
+              <a:rPr kumimoji="0" lang="cs-CZ" altLang="cs-CZ" sz="1600" b="1" i="0" u="none" strike="noStrike" cap="none" normalizeH="0" baseline="0" dirty="0" err="1" smtClean="0">
+                <a:ln>
+                  <a:noFill/>
+                </a:ln>
+                <a:solidFill>
+                  <a:srgbClr val="008000"/>
+                </a:solidFill>
+                <a:effectLst/>
+                <a:latin typeface="Consolas" panose="020B0609020204030204" pitchFamily="49" charset="0"/>
+              </a:rPr>
+              <a:t>the</a:t>
+            </a:r>
+            <a:r>
+              <a:rPr kumimoji="0" lang="cs-CZ" altLang="cs-CZ" sz="1600" b="1" i="0" u="none" strike="noStrike" cap="none" normalizeH="0" baseline="0" dirty="0" smtClean="0">
+                <a:ln>
+                  <a:noFill/>
+                </a:ln>
+                <a:solidFill>
+                  <a:srgbClr val="008000"/>
+                </a:solidFill>
+                <a:effectLst/>
+                <a:latin typeface="Consolas" panose="020B0609020204030204" pitchFamily="49" charset="0"/>
+              </a:rPr>
+              <a:t> </a:t>
+            </a:r>
+            <a:r>
+              <a:rPr kumimoji="0" lang="cs-CZ" altLang="cs-CZ" sz="1600" b="1" i="0" u="none" strike="noStrike" cap="none" normalizeH="0" baseline="0" dirty="0" err="1" smtClean="0">
+                <a:ln>
+                  <a:noFill/>
+                </a:ln>
+                <a:solidFill>
+                  <a:srgbClr val="008000"/>
+                </a:solidFill>
+                <a:effectLst/>
+                <a:latin typeface="Consolas" panose="020B0609020204030204" pitchFamily="49" charset="0"/>
+              </a:rPr>
+              <a:t>Universe</a:t>
+            </a:r>
+            <a:r>
+              <a:rPr kumimoji="0" lang="cs-CZ" altLang="cs-CZ" sz="1600" b="1" i="0" u="none" strike="noStrike" cap="none" normalizeH="0" baseline="0" dirty="0" smtClean="0">
+                <a:ln>
+                  <a:noFill/>
+                </a:ln>
+                <a:solidFill>
+                  <a:srgbClr val="008000"/>
+                </a:solidFill>
+                <a:effectLst/>
+                <a:latin typeface="Consolas" panose="020B0609020204030204" pitchFamily="49" charset="0"/>
+              </a:rPr>
+              <a:t> and </a:t>
+            </a:r>
+            <a:r>
+              <a:rPr kumimoji="0" lang="cs-CZ" altLang="cs-CZ" sz="1600" b="1" i="0" u="none" strike="noStrike" cap="none" normalizeH="0" baseline="0" dirty="0" err="1" smtClean="0">
+                <a:ln>
+                  <a:noFill/>
+                </a:ln>
+                <a:solidFill>
+                  <a:srgbClr val="008000"/>
+                </a:solidFill>
+                <a:effectLst/>
+                <a:latin typeface="Consolas" panose="020B0609020204030204" pitchFamily="49" charset="0"/>
+              </a:rPr>
+              <a:t>Everything</a:t>
+            </a:r>
+            <a:r>
+              <a:rPr kumimoji="0" lang="cs-CZ" altLang="cs-CZ" sz="1600" b="1" i="0" u="none" strike="noStrike" cap="none" normalizeH="0" baseline="0" dirty="0" smtClean="0">
+                <a:ln>
+                  <a:noFill/>
+                </a:ln>
+                <a:solidFill>
+                  <a:srgbClr val="008000"/>
+                </a:solidFill>
+                <a:effectLst/>
+                <a:latin typeface="Consolas" panose="020B0609020204030204" pitchFamily="49" charset="0"/>
+              </a:rPr>
+              <a:t>"</a:t>
+            </a:r>
+            <a:r>
+              <a:rPr kumimoji="0" lang="cs-CZ" altLang="cs-CZ" sz="1600" b="0" i="0" u="none" strike="noStrike" cap="none" normalizeH="0" baseline="0" dirty="0" smtClean="0">
+                <a:ln>
+                  <a:noFill/>
+                </a:ln>
+                <a:solidFill>
+                  <a:srgbClr val="000000"/>
+                </a:solidFill>
+                <a:effectLst/>
+                <a:latin typeface="Consolas" panose="020B0609020204030204" pitchFamily="49" charset="0"/>
+              </a:rPr>
+              <a:t>)</a:t>
+            </a:r>
+            <a:br>
+              <a:rPr kumimoji="0" lang="cs-CZ" altLang="cs-CZ" sz="1600" b="0" i="0" u="none" strike="noStrike" cap="none" normalizeH="0" baseline="0" dirty="0" smtClean="0">
+                <a:ln>
+                  <a:noFill/>
+                </a:ln>
+                <a:solidFill>
+                  <a:srgbClr val="000000"/>
+                </a:solidFill>
+                <a:effectLst/>
+                <a:latin typeface="Consolas" panose="020B0609020204030204" pitchFamily="49" charset="0"/>
+              </a:rPr>
+            </a:br>
+            <a:r>
+              <a:rPr kumimoji="0" lang="cs-CZ" altLang="cs-CZ" sz="1600" b="0" i="0" u="none" strike="noStrike" cap="none" normalizeH="0" baseline="0" dirty="0" smtClean="0">
+                <a:ln>
+                  <a:noFill/>
+                </a:ln>
+                <a:solidFill>
+                  <a:srgbClr val="000000"/>
+                </a:solidFill>
+                <a:effectLst/>
+                <a:latin typeface="Consolas" panose="020B0609020204030204" pitchFamily="49" charset="0"/>
+              </a:rPr>
+              <a:t>    </a:t>
+            </a:r>
+            <a:r>
+              <a:rPr kumimoji="0" lang="cs-CZ" altLang="cs-CZ" sz="1600" b="0" i="0" u="none" strike="noStrike" cap="none" normalizeH="0" baseline="0" dirty="0" smtClean="0">
+                <a:ln>
+                  <a:noFill/>
+                </a:ln>
+                <a:solidFill>
+                  <a:srgbClr val="0000FF"/>
+                </a:solidFill>
+                <a:effectLst/>
+                <a:latin typeface="Consolas" panose="020B0609020204030204" pitchFamily="49" charset="0"/>
+              </a:rPr>
+              <a:t>42</a:t>
+            </a:r>
+            <a:br>
+              <a:rPr kumimoji="0" lang="cs-CZ" altLang="cs-CZ" sz="1600" b="0" i="0" u="none" strike="noStrike" cap="none" normalizeH="0" baseline="0" dirty="0" smtClean="0">
+                <a:ln>
+                  <a:noFill/>
+                </a:ln>
+                <a:solidFill>
+                  <a:srgbClr val="0000FF"/>
+                </a:solidFill>
+                <a:effectLst/>
+                <a:latin typeface="Consolas" panose="020B0609020204030204" pitchFamily="49" charset="0"/>
+              </a:rPr>
+            </a:br>
+            <a:r>
+              <a:rPr kumimoji="0" lang="cs-CZ" altLang="cs-CZ" sz="1600" b="1" i="0" u="none" strike="noStrike" cap="none" normalizeH="0" baseline="0" dirty="0" smtClean="0">
+                <a:ln>
+                  <a:noFill/>
+                </a:ln>
+                <a:solidFill>
+                  <a:srgbClr val="000000"/>
+                </a:solidFill>
+                <a:effectLst/>
+                <a:latin typeface="Consolas" panose="020B0609020204030204" pitchFamily="49" charset="0"/>
+              </a:rPr>
+              <a:t>}</a:t>
+            </a:r>
+            <a:endParaRPr kumimoji="0" lang="cs-CZ" altLang="cs-CZ" sz="1600" b="0" i="0" u="none" strike="noStrike" cap="none" normalizeH="0" baseline="0" dirty="0" smtClean="0">
+              <a:ln>
+                <a:noFill/>
+              </a:ln>
+              <a:solidFill>
+                <a:schemeClr val="tx1"/>
+              </a:solidFill>
+              <a:effectLst/>
+              <a:latin typeface="Arial" panose="020B0604020202020204" pitchFamily="34" charset="0"/>
+            </a:endParaRPr>
+          </a:p>
+        </p:txBody>
+      </p:sp>
+    </p:spTree>
+    <p:extLst>
+      <p:ext uri="{BB962C8B-B14F-4D97-AF65-F5344CB8AC3E}">
+        <p14:creationId xmlns:p14="http://schemas.microsoft.com/office/powerpoint/2010/main" val="2656353678"/>
+      </p:ext>
+    </p:extLst>
+  </p:cSld>
+  <p:clrMapOvr>
+    <a:masterClrMapping/>
+  </p:clrMapOvr>
+  <p:timing>
+    <p:tnLst>
+      <p:par>
+        <p:cTn id="1" dur="indefinite" restart="never" nodeType="tmRoot">
+          <p:childTnLst>
+            <p:seq concurrent="1" nextAc="seek">
+              <p:cTn id="2" dur="indefinite" nodeType="mainSeq">
+                <p:childTnLst>
+                  <p:par>
+                    <p:cTn id="3" fill="hold">
+                      <p:stCondLst>
+                        <p:cond delay="indefinite"/>
+                      </p:stCondLst>
+                      <p:childTnLst>
+                        <p:par>
+                          <p:cTn id="4" fill="hold">
+                            <p:stCondLst>
+                              <p:cond delay="0"/>
+                            </p:stCondLst>
+                            <p:childTnLst>
+                              <p:par>
+                                <p:cTn id="5" presetID="10" presetClass="entr" presetSubtype="0" fill="hold" nodeType="clickEffect">
+                                  <p:stCondLst>
+                                    <p:cond delay="0"/>
+                                  </p:stCondLst>
+                                  <p:childTnLst>
+                                    <p:set>
+                                      <p:cBhvr>
+                                        <p:cTn id="6" dur="1" fill="hold">
+                                          <p:stCondLst>
+                                            <p:cond delay="0"/>
+                                          </p:stCondLst>
+                                        </p:cTn>
+                                        <p:tgtEl>
+                                          <p:spTgt spid="3">
+                                            <p:txEl>
+                                              <p:pRg st="0" end="0"/>
+                                            </p:txEl>
+                                          </p:spTgt>
+                                        </p:tgtEl>
+                                        <p:attrNameLst>
+                                          <p:attrName>style.visibility</p:attrName>
+                                        </p:attrNameLst>
+                                      </p:cBhvr>
+                                      <p:to>
+                                        <p:strVal val="visible"/>
+                                      </p:to>
+                                    </p:set>
+                                    <p:animEffect transition="in" filter="fade">
+                                      <p:cBhvr>
+                                        <p:cTn id="7" dur="500"/>
+                                        <p:tgtEl>
+                                          <p:spTgt spid="3">
+                                            <p:txEl>
+                                              <p:pRg st="0" end="0"/>
+                                            </p:txEl>
+                                          </p:spTgt>
+                                        </p:tgtEl>
+                                      </p:cBhvr>
+                                    </p:animEffect>
+                                  </p:childTnLst>
+                                </p:cTn>
+                              </p:par>
+                            </p:childTnLst>
+                          </p:cTn>
+                        </p:par>
+                      </p:childTnLst>
+                    </p:cTn>
+                  </p:par>
+                  <p:par>
+                    <p:cTn id="8" fill="hold">
+                      <p:stCondLst>
+                        <p:cond delay="indefinite"/>
+                      </p:stCondLst>
+                      <p:childTnLst>
+                        <p:par>
+                          <p:cTn id="9" fill="hold">
+                            <p:stCondLst>
+                              <p:cond delay="0"/>
+                            </p:stCondLst>
+                            <p:childTnLst>
+                              <p:par>
+                                <p:cTn id="10" presetID="10" presetClass="entr" presetSubtype="0" fill="hold" grpId="0" nodeType="clickEffect">
+                                  <p:stCondLst>
+                                    <p:cond delay="0"/>
+                                  </p:stCondLst>
+                                  <p:childTnLst>
+                                    <p:set>
+                                      <p:cBhvr>
+                                        <p:cTn id="11" dur="1" fill="hold">
+                                          <p:stCondLst>
+                                            <p:cond delay="0"/>
+                                          </p:stCondLst>
+                                        </p:cTn>
+                                        <p:tgtEl>
+                                          <p:spTgt spid="4"/>
+                                        </p:tgtEl>
+                                        <p:attrNameLst>
+                                          <p:attrName>style.visibility</p:attrName>
+                                        </p:attrNameLst>
+                                      </p:cBhvr>
+                                      <p:to>
+                                        <p:strVal val="visible"/>
+                                      </p:to>
+                                    </p:set>
+                                    <p:animEffect transition="in" filter="fade">
+                                      <p:cBhvr>
+                                        <p:cTn id="12" dur="500"/>
+                                        <p:tgtEl>
+                                          <p:spTgt spid="4"/>
+                                        </p:tgtEl>
+                                      </p:cBhvr>
+                                    </p:animEffect>
+                                  </p:childTnLst>
+                                </p:cTn>
+                              </p:par>
+                              <p:par>
+                                <p:cTn id="13" presetID="10" presetClass="entr" presetSubtype="0" fill="hold" grpId="0" nodeType="withEffect">
+                                  <p:stCondLst>
+                                    <p:cond delay="0"/>
+                                  </p:stCondLst>
+                                  <p:childTnLst>
+                                    <p:set>
+                                      <p:cBhvr>
+                                        <p:cTn id="14" dur="1" fill="hold">
+                                          <p:stCondLst>
+                                            <p:cond delay="0"/>
+                                          </p:stCondLst>
+                                        </p:cTn>
+                                        <p:tgtEl>
+                                          <p:spTgt spid="5"/>
+                                        </p:tgtEl>
+                                        <p:attrNameLst>
+                                          <p:attrName>style.visibility</p:attrName>
+                                        </p:attrNameLst>
+                                      </p:cBhvr>
+                                      <p:to>
+                                        <p:strVal val="visible"/>
+                                      </p:to>
+                                    </p:set>
+                                    <p:animEffect transition="in" filter="fade">
+                                      <p:cBhvr>
+                                        <p:cTn id="15" dur="500"/>
+                                        <p:tgtEl>
+                                          <p:spTgt spid="5"/>
+                                        </p:tgtEl>
+                                      </p:cBhvr>
+                                    </p:animEffect>
+                                  </p:childTnLst>
+                                </p:cTn>
+                              </p:par>
+                            </p:childTnLst>
+                          </p:cTn>
+                        </p:par>
+                      </p:childTnLst>
+                    </p:cTn>
+                  </p:par>
+                  <p:par>
+                    <p:cTn id="16" fill="hold">
+                      <p:stCondLst>
+                        <p:cond delay="indefinite"/>
+                      </p:stCondLst>
+                      <p:childTnLst>
+                        <p:par>
+                          <p:cTn id="17" fill="hold">
+                            <p:stCondLst>
+                              <p:cond delay="0"/>
+                            </p:stCondLst>
+                            <p:childTnLst>
+                              <p:par>
+                                <p:cTn id="18" presetID="10" presetClass="entr" presetSubtype="0" fill="hold" grpId="0" nodeType="clickEffect">
+                                  <p:stCondLst>
+                                    <p:cond delay="0"/>
+                                  </p:stCondLst>
+                                  <p:childTnLst>
+                                    <p:set>
+                                      <p:cBhvr>
+                                        <p:cTn id="19" dur="1" fill="hold">
+                                          <p:stCondLst>
+                                            <p:cond delay="0"/>
+                                          </p:stCondLst>
+                                        </p:cTn>
+                                        <p:tgtEl>
+                                          <p:spTgt spid="6"/>
+                                        </p:tgtEl>
+                                        <p:attrNameLst>
+                                          <p:attrName>style.visibility</p:attrName>
+                                        </p:attrNameLst>
+                                      </p:cBhvr>
+                                      <p:to>
+                                        <p:strVal val="visible"/>
+                                      </p:to>
+                                    </p:set>
+                                    <p:animEffect transition="in" filter="fade">
+                                      <p:cBhvr>
+                                        <p:cTn id="20" dur="500"/>
+                                        <p:tgtEl>
+                                          <p:spTgt spid="6"/>
+                                        </p:tgtEl>
+                                      </p:cBhvr>
+                                    </p:animEffect>
+                                  </p:childTnLst>
+                                </p:cTn>
+                              </p:par>
+                              <p:par>
+                                <p:cTn id="21" presetID="10" presetClass="entr" presetSubtype="0" fill="hold" grpId="0" nodeType="withEffect">
+                                  <p:stCondLst>
+                                    <p:cond delay="0"/>
+                                  </p:stCondLst>
+                                  <p:childTnLst>
+                                    <p:set>
+                                      <p:cBhvr>
+                                        <p:cTn id="22" dur="1" fill="hold">
+                                          <p:stCondLst>
+                                            <p:cond delay="0"/>
+                                          </p:stCondLst>
+                                        </p:cTn>
+                                        <p:tgtEl>
+                                          <p:spTgt spid="7"/>
+                                        </p:tgtEl>
+                                        <p:attrNameLst>
+                                          <p:attrName>style.visibility</p:attrName>
+                                        </p:attrNameLst>
+                                      </p:cBhvr>
+                                      <p:to>
+                                        <p:strVal val="visible"/>
+                                      </p:to>
+                                    </p:set>
+                                    <p:animEffect transition="in" filter="fade">
+                                      <p:cBhvr>
+                                        <p:cTn id="23" dur="500"/>
+                                        <p:tgtEl>
+                                          <p:spTgt spid="7"/>
+                                        </p:tgtEl>
+                                      </p:cBhvr>
+                                    </p:animEffect>
+                                  </p:childTnLst>
+                                </p:cTn>
+                              </p:par>
+                            </p:childTnLst>
+                          </p:cTn>
+                        </p:par>
+                      </p:childTnLst>
+                    </p:cTn>
+                  </p:par>
+                </p:childTnLst>
+              </p:cTn>
+              <p:prevCondLst>
+                <p:cond evt="onPrev" delay="0">
+                  <p:tgtEl>
+                    <p:sldTgt/>
+                  </p:tgtEl>
+                </p:cond>
+              </p:prevCondLst>
+              <p:nextCondLst>
+                <p:cond evt="onNext" delay="0">
+                  <p:tgtEl>
+                    <p:sldTgt/>
+                  </p:tgtEl>
+                </p:cond>
+              </p:nextCondLst>
+            </p:seq>
+          </p:childTnLst>
+        </p:cTn>
+      </p:par>
+    </p:tnLst>
+    <p:bldLst>
+      <p:bldP spid="4" grpId="0" animBg="1"/>
+      <p:bldP spid="5" grpId="0" animBg="1"/>
+      <p:bldP spid="6" grpId="0" animBg="1"/>
+      <p:bldP spid="7" grpId="0" animBg="1"/>
+    </p:bldLst>
+  </p:timing>
+</p:sld>
+</file>
+
 <file path=ppt/slides/slide2.xml><?xml version="1.0" encoding="utf-8"?>
 <p:sld xmlns:a="http://schemas.openxmlformats.org/drawingml/2006/main" xmlns:r="http://schemas.openxmlformats.org/officeDocument/2006/relationships" xmlns:p="http://schemas.openxmlformats.org/presentationml/2006/main">
   <p:cSld>
@@ -11760,10 +18640,6 @@
               </a:rPr>
               <a:t> call</a:t>
             </a:r>
-            <a:endParaRPr lang="cs-CZ" sz="1600" dirty="0" smtClean="0">
-              <a:latin typeface="Arial" pitchFamily="34" charset="0"/>
-              <a:cs typeface="Arial" pitchFamily="34" charset="0"/>
-            </a:endParaRPr>
           </a:p>
         </p:txBody>
       </p:sp>
@@ -12123,13 +18999,6 @@
               </a:rPr>
               <a:t>Kdy kterou použít?</a:t>
             </a:r>
-            <a:endParaRPr lang="cs-CZ" sz="2000" b="1" dirty="0" smtClean="0">
-              <a:solidFill>
-                <a:srgbClr val="616365"/>
-              </a:solidFill>
-              <a:latin typeface="Arial" pitchFamily="34" charset="0"/>
-              <a:cs typeface="Arial" pitchFamily="34" charset="0"/>
-            </a:endParaRPr>
           </a:p>
         </p:txBody>
       </p:sp>
@@ -16042,13 +22911,6 @@
               </a:rPr>
               <a:t> mohu většinou úplně vynechat</a:t>
             </a:r>
-            <a:endParaRPr lang="cs-CZ" sz="1600" dirty="0" smtClean="0">
-              <a:solidFill>
-                <a:srgbClr val="C00000"/>
-              </a:solidFill>
-              <a:latin typeface="Arial" pitchFamily="34" charset="0"/>
-              <a:cs typeface="Arial" pitchFamily="34" charset="0"/>
-            </a:endParaRPr>
           </a:p>
         </p:txBody>
       </p:sp>
